--- a/计算机图形学/实验/实验1/实验1.pptx
+++ b/计算机图形学/实验/实验1/实验1.pptx
@@ -5,19 +5,21 @@
     <p:sldMasterId id="2147483648" r:id="rId1"/>
   </p:sldMasterIdLst>
   <p:notesMasterIdLst>
-    <p:notesMasterId r:id="rId5"/>
+    <p:notesMasterId r:id="rId19"/>
   </p:notesMasterIdLst>
   <p:sldIdLst>
-    <p:sldId id="257" r:id="rId3"/>
-    <p:sldId id="342" r:id="rId4"/>
-    <p:sldId id="357" r:id="rId6"/>
-    <p:sldId id="360" r:id="rId7"/>
-    <p:sldId id="364" r:id="rId8"/>
-    <p:sldId id="365" r:id="rId9"/>
-    <p:sldId id="353" r:id="rId10"/>
-    <p:sldId id="355" r:id="rId11"/>
-    <p:sldId id="356" r:id="rId12"/>
-    <p:sldId id="359" r:id="rId13"/>
+    <p:sldId id="257" r:id="rId2"/>
+    <p:sldId id="342" r:id="rId3"/>
+    <p:sldId id="357" r:id="rId4"/>
+    <p:sldId id="360" r:id="rId5"/>
+    <p:sldId id="366" r:id="rId6"/>
+    <p:sldId id="364" r:id="rId7"/>
+    <p:sldId id="365" r:id="rId8"/>
+    <p:sldId id="353" r:id="rId9"/>
+    <p:sldId id="355" r:id="rId10"/>
+    <p:sldId id="356" r:id="rId11"/>
+    <p:sldId id="359" r:id="rId12"/>
+    <p:sldId id="367" r:id="rId13"/>
     <p:sldId id="358" r:id="rId14"/>
     <p:sldId id="363" r:id="rId15"/>
     <p:sldId id="343" r:id="rId16"/>
@@ -27,7 +29,7 @@
   <p:sldSz cx="12192000" cy="6858000"/>
   <p:notesSz cx="6858000" cy="9144000"/>
   <p:custDataLst>
-    <p:tags r:id="rId22"/>
+    <p:tags r:id="rId20"/>
   </p:custDataLst>
   <p:defaultTextStyle>
     <a:defPPr>
@@ -124,6 +126,11 @@
       </a:defRPr>
     </a:lvl9pPr>
   </p:defaultTextStyle>
+  <p:extLst>
+    <p:ext uri="{EFAFB233-063F-42B5-8137-9DF3F51BA10A}">
+      <p15:sldGuideLst xmlns:p15="http://schemas.microsoft.com/office/powerpoint/2012/main"/>
+    </p:ext>
+  </p:extLst>
 </p:presentation>
 </file>
 
@@ -209,6 +216,7 @@
           <a:p>
             <a:fld id="{C6899AB5-65EE-4BAD-A1C6-CE1AEEDE78F4}" type="datetimeFigureOut">
               <a:rPr lang="zh-CN" altLang="en-US" smtClean="0"/>
+              <a:t>2025/3/13</a:t>
             </a:fld>
             <a:endParaRPr lang="zh-CN" altLang="en-US"/>
           </a:p>
@@ -275,7 +283,6 @@
               <a:rPr lang="zh-CN" altLang="en-US"/>
               <a:t>编辑母版文本样式</a:t>
             </a:r>
-            <a:endParaRPr lang="zh-CN" altLang="en-US"/>
           </a:p>
           <a:p>
             <a:pPr lvl="1"/>
@@ -283,7 +290,6 @@
               <a:rPr lang="zh-CN" altLang="en-US"/>
               <a:t>第二级</a:t>
             </a:r>
-            <a:endParaRPr lang="zh-CN" altLang="en-US"/>
           </a:p>
           <a:p>
             <a:pPr lvl="2"/>
@@ -291,7 +297,6 @@
               <a:rPr lang="zh-CN" altLang="en-US"/>
               <a:t>第三级</a:t>
             </a:r>
-            <a:endParaRPr lang="zh-CN" altLang="en-US"/>
           </a:p>
           <a:p>
             <a:pPr lvl="3"/>
@@ -299,7 +304,6 @@
               <a:rPr lang="zh-CN" altLang="en-US"/>
               <a:t>第四级</a:t>
             </a:r>
-            <a:endParaRPr lang="zh-CN" altLang="en-US"/>
           </a:p>
           <a:p>
             <a:pPr lvl="4"/>
@@ -307,7 +311,6 @@
               <a:rPr lang="zh-CN" altLang="en-US"/>
               <a:t>第五级</a:t>
             </a:r>
-            <a:endParaRPr lang="zh-CN" altLang="en-US"/>
           </a:p>
         </p:txBody>
       </p:sp>
@@ -371,6 +374,7 @@
           <a:p>
             <a:fld id="{AB9D4C2C-B2E8-48C4-9A1C-F85E2374B621}" type="slidenum">
               <a:rPr lang="zh-CN" altLang="en-US" smtClean="0"/>
+              <a:t>‹#›</a:t>
             </a:fld>
             <a:endParaRPr lang="zh-CN" altLang="en-US"/>
           </a:p>
@@ -539,6 +543,7 @@
           <a:p>
             <a:fld id="{AB9D4C2C-B2E8-48C4-9A1C-F85E2374B621}" type="slidenum">
               <a:rPr lang="zh-CN" altLang="en-US" smtClean="0"/>
+              <a:t>2</a:t>
             </a:fld>
             <a:endParaRPr lang="zh-CN" altLang="en-US"/>
           </a:p>
@@ -596,6 +601,10 @@
           <a:bodyPr/>
           <a:lstStyle/>
           <a:p>
+            <a:r>
+              <a:rPr lang="en-US" altLang="zh-CN" dirty="0"/>
+              <a:t>https://www.jianshu.com/p/82af21eda232</a:t>
+            </a:r>
             <a:endParaRPr lang="zh-CN" altLang="en-US" dirty="0"/>
           </a:p>
         </p:txBody>
@@ -617,6 +626,7 @@
           <a:p>
             <a:fld id="{AB9D4C2C-B2E8-48C4-9A1C-F85E2374B621}" type="slidenum">
               <a:rPr lang="zh-CN" altLang="en-US" smtClean="0"/>
+              <a:t>11</a:t>
             </a:fld>
             <a:endParaRPr lang="zh-CN" altLang="en-US"/>
           </a:p>
@@ -635,7 +645,13 @@
   <p:cSld>
     <p:spTree>
       <p:nvGrpSpPr>
-        <p:cNvPr id="1" name=""/>
+        <p:cNvPr id="1" name="">
+          <a:extLst>
+            <a:ext uri="{FF2B5EF4-FFF2-40B4-BE49-F238E27FC236}">
+              <a16:creationId xmlns:a16="http://schemas.microsoft.com/office/drawing/2014/main" id="{71CA414E-CE38-2618-BC74-8CC034CD6273}"/>
+            </a:ext>
+          </a:extLst>
+        </p:cNvPr>
         <p:cNvGrpSpPr/>
         <p:nvPr/>
       </p:nvGrpSpPr>
@@ -649,7 +665,13 @@
       </p:grpSpPr>
       <p:sp>
         <p:nvSpPr>
-          <p:cNvPr id="2" name="幻灯片图像占位符 1"/>
+          <p:cNvPr id="2" name="幻灯片图像占位符 1">
+            <a:extLst>
+              <a:ext uri="{FF2B5EF4-FFF2-40B4-BE49-F238E27FC236}">
+                <a16:creationId xmlns:a16="http://schemas.microsoft.com/office/drawing/2014/main" id="{117326B4-0B67-6FCD-55B2-1154A624EBE5}"/>
+              </a:ext>
+            </a:extLst>
+          </p:cNvPr>
           <p:cNvSpPr>
             <a:spLocks noGrp="1" noRot="1" noChangeAspect="1"/>
           </p:cNvSpPr>
@@ -661,7 +683,13 @@
       </p:sp>
       <p:sp>
         <p:nvSpPr>
-          <p:cNvPr id="3" name="备注占位符 2"/>
+          <p:cNvPr id="3" name="备注占位符 2">
+            <a:extLst>
+              <a:ext uri="{FF2B5EF4-FFF2-40B4-BE49-F238E27FC236}">
+                <a16:creationId xmlns:a16="http://schemas.microsoft.com/office/drawing/2014/main" id="{78C45DD4-7E4E-836F-A426-2242243FB30E}"/>
+              </a:ext>
+            </a:extLst>
+          </p:cNvPr>
           <p:cNvSpPr>
             <a:spLocks noGrp="1"/>
           </p:cNvSpPr>
@@ -680,7 +708,13 @@
       </p:sp>
       <p:sp>
         <p:nvSpPr>
-          <p:cNvPr id="4" name="灯片编号占位符 3"/>
+          <p:cNvPr id="4" name="灯片编号占位符 3">
+            <a:extLst>
+              <a:ext uri="{FF2B5EF4-FFF2-40B4-BE49-F238E27FC236}">
+                <a16:creationId xmlns:a16="http://schemas.microsoft.com/office/drawing/2014/main" id="{4AC665F8-F4A1-916E-D079-E5C0E77A67B5}"/>
+              </a:ext>
+            </a:extLst>
+          </p:cNvPr>
           <p:cNvSpPr>
             <a:spLocks noGrp="1"/>
           </p:cNvSpPr>
@@ -695,12 +729,18 @@
           <a:p>
             <a:fld id="{AB9D4C2C-B2E8-48C4-9A1C-F85E2374B621}" type="slidenum">
               <a:rPr lang="zh-CN" altLang="en-US" smtClean="0"/>
+              <a:t>12</a:t>
             </a:fld>
             <a:endParaRPr lang="zh-CN" altLang="en-US"/>
           </a:p>
         </p:txBody>
       </p:sp>
     </p:spTree>
+    <p:extLst>
+      <p:ext uri="{BB962C8B-B14F-4D97-AF65-F5344CB8AC3E}">
+        <p14:creationId xmlns:p14="http://schemas.microsoft.com/office/powerpoint/2010/main" val="2707984937"/>
+      </p:ext>
+    </p:extLst>
   </p:cSld>
   <p:clrMapOvr>
     <a:masterClrMapping/>
@@ -773,6 +813,7 @@
           <a:p>
             <a:fld id="{AB9D4C2C-B2E8-48C4-9A1C-F85E2374B621}" type="slidenum">
               <a:rPr lang="zh-CN" altLang="en-US" smtClean="0"/>
+              <a:t>13</a:t>
             </a:fld>
             <a:endParaRPr lang="zh-CN" altLang="en-US"/>
           </a:p>
@@ -851,6 +892,165 @@
           <a:p>
             <a:fld id="{AB9D4C2C-B2E8-48C4-9A1C-F85E2374B621}" type="slidenum">
               <a:rPr lang="zh-CN" altLang="en-US" smtClean="0"/>
+              <a:t>14</a:t>
+            </a:fld>
+            <a:endParaRPr lang="zh-CN" altLang="en-US"/>
+          </a:p>
+        </p:txBody>
+      </p:sp>
+    </p:spTree>
+  </p:cSld>
+  <p:clrMapOvr>
+    <a:masterClrMapping/>
+  </p:clrMapOvr>
+</p:notes>
+</file>
+
+<file path=ppt/notesSlides/notesSlide14.xml><?xml version="1.0" encoding="utf-8"?>
+<p:notes xmlns:a="http://schemas.openxmlformats.org/drawingml/2006/main" xmlns:r="http://schemas.openxmlformats.org/officeDocument/2006/relationships" xmlns:p="http://schemas.openxmlformats.org/presentationml/2006/main">
+  <p:cSld>
+    <p:spTree>
+      <p:nvGrpSpPr>
+        <p:cNvPr id="1" name=""/>
+        <p:cNvGrpSpPr/>
+        <p:nvPr/>
+      </p:nvGrpSpPr>
+      <p:grpSpPr>
+        <a:xfrm>
+          <a:off x="0" y="0"/>
+          <a:ext cx="0" cy="0"/>
+          <a:chOff x="0" y="0"/>
+          <a:chExt cx="0" cy="0"/>
+        </a:xfrm>
+      </p:grpSpPr>
+      <p:sp>
+        <p:nvSpPr>
+          <p:cNvPr id="2" name="幻灯片图像占位符 1"/>
+          <p:cNvSpPr>
+            <a:spLocks noGrp="1" noRot="1" noChangeAspect="1"/>
+          </p:cNvSpPr>
+          <p:nvPr>
+            <p:ph type="sldImg"/>
+          </p:nvPr>
+        </p:nvSpPr>
+        <p:spPr/>
+      </p:sp>
+      <p:sp>
+        <p:nvSpPr>
+          <p:cNvPr id="3" name="备注占位符 2"/>
+          <p:cNvSpPr>
+            <a:spLocks noGrp="1"/>
+          </p:cNvSpPr>
+          <p:nvPr>
+            <p:ph type="body" idx="1"/>
+          </p:nvPr>
+        </p:nvSpPr>
+        <p:spPr/>
+        <p:txBody>
+          <a:bodyPr/>
+          <a:lstStyle/>
+          <a:p>
+            <a:endParaRPr lang="zh-CN" altLang="en-US" dirty="0"/>
+          </a:p>
+        </p:txBody>
+      </p:sp>
+      <p:sp>
+        <p:nvSpPr>
+          <p:cNvPr id="4" name="灯片编号占位符 3"/>
+          <p:cNvSpPr>
+            <a:spLocks noGrp="1"/>
+          </p:cNvSpPr>
+          <p:nvPr>
+            <p:ph type="sldNum" sz="quarter" idx="5"/>
+          </p:nvPr>
+        </p:nvSpPr>
+        <p:spPr/>
+        <p:txBody>
+          <a:bodyPr/>
+          <a:lstStyle/>
+          <a:p>
+            <a:fld id="{AB9D4C2C-B2E8-48C4-9A1C-F85E2374B621}" type="slidenum">
+              <a:rPr lang="zh-CN" altLang="en-US" smtClean="0"/>
+              <a:t>15</a:t>
+            </a:fld>
+            <a:endParaRPr lang="zh-CN" altLang="en-US"/>
+          </a:p>
+        </p:txBody>
+      </p:sp>
+    </p:spTree>
+  </p:cSld>
+  <p:clrMapOvr>
+    <a:masterClrMapping/>
+  </p:clrMapOvr>
+</p:notes>
+</file>
+
+<file path=ppt/notesSlides/notesSlide15.xml><?xml version="1.0" encoding="utf-8"?>
+<p:notes xmlns:a="http://schemas.openxmlformats.org/drawingml/2006/main" xmlns:r="http://schemas.openxmlformats.org/officeDocument/2006/relationships" xmlns:p="http://schemas.openxmlformats.org/presentationml/2006/main">
+  <p:cSld>
+    <p:spTree>
+      <p:nvGrpSpPr>
+        <p:cNvPr id="1" name=""/>
+        <p:cNvGrpSpPr/>
+        <p:nvPr/>
+      </p:nvGrpSpPr>
+      <p:grpSpPr>
+        <a:xfrm>
+          <a:off x="0" y="0"/>
+          <a:ext cx="0" cy="0"/>
+          <a:chOff x="0" y="0"/>
+          <a:chExt cx="0" cy="0"/>
+        </a:xfrm>
+      </p:grpSpPr>
+      <p:sp>
+        <p:nvSpPr>
+          <p:cNvPr id="2" name="幻灯片图像占位符 1"/>
+          <p:cNvSpPr>
+            <a:spLocks noGrp="1" noRot="1" noChangeAspect="1"/>
+          </p:cNvSpPr>
+          <p:nvPr>
+            <p:ph type="sldImg"/>
+          </p:nvPr>
+        </p:nvSpPr>
+        <p:spPr/>
+      </p:sp>
+      <p:sp>
+        <p:nvSpPr>
+          <p:cNvPr id="3" name="备注占位符 2"/>
+          <p:cNvSpPr>
+            <a:spLocks noGrp="1"/>
+          </p:cNvSpPr>
+          <p:nvPr>
+            <p:ph type="body" idx="1"/>
+          </p:nvPr>
+        </p:nvSpPr>
+        <p:spPr/>
+        <p:txBody>
+          <a:bodyPr/>
+          <a:lstStyle/>
+          <a:p>
+            <a:endParaRPr lang="zh-CN" altLang="en-US" dirty="0"/>
+          </a:p>
+        </p:txBody>
+      </p:sp>
+      <p:sp>
+        <p:nvSpPr>
+          <p:cNvPr id="4" name="灯片编号占位符 3"/>
+          <p:cNvSpPr>
+            <a:spLocks noGrp="1"/>
+          </p:cNvSpPr>
+          <p:nvPr>
+            <p:ph type="sldNum" sz="quarter" idx="5"/>
+          </p:nvPr>
+        </p:nvSpPr>
+        <p:spPr/>
+        <p:txBody>
+          <a:bodyPr/>
+          <a:lstStyle/>
+          <a:p>
+            <a:fld id="{AB9D4C2C-B2E8-48C4-9A1C-F85E2374B621}" type="slidenum">
+              <a:rPr lang="zh-CN" altLang="en-US" smtClean="0"/>
+              <a:t>16</a:t>
             </a:fld>
             <a:endParaRPr lang="zh-CN" altLang="en-US"/>
           </a:p>
@@ -929,6 +1129,7 @@
           <a:p>
             <a:fld id="{AB9D4C2C-B2E8-48C4-9A1C-F85E2374B621}" type="slidenum">
               <a:rPr lang="zh-CN" altLang="en-US" smtClean="0"/>
+              <a:t>3</a:t>
             </a:fld>
             <a:endParaRPr lang="zh-CN" altLang="en-US"/>
           </a:p>
@@ -1007,6 +1208,7 @@
           <a:p>
             <a:fld id="{AB9D4C2C-B2E8-48C4-9A1C-F85E2374B621}" type="slidenum">
               <a:rPr lang="zh-CN" altLang="en-US" smtClean="0"/>
+              <a:t>4</a:t>
             </a:fld>
             <a:endParaRPr lang="zh-CN" altLang="en-US"/>
           </a:p>
@@ -1025,7 +1227,13 @@
   <p:cSld>
     <p:spTree>
       <p:nvGrpSpPr>
-        <p:cNvPr id="1" name=""/>
+        <p:cNvPr id="1" name="">
+          <a:extLst>
+            <a:ext uri="{FF2B5EF4-FFF2-40B4-BE49-F238E27FC236}">
+              <a16:creationId xmlns:a16="http://schemas.microsoft.com/office/drawing/2014/main" id="{40DF2605-20B0-DBFD-2013-13F1AEBE2AB2}"/>
+            </a:ext>
+          </a:extLst>
+        </p:cNvPr>
         <p:cNvGrpSpPr/>
         <p:nvPr/>
       </p:nvGrpSpPr>
@@ -1039,7 +1247,13 @@
       </p:grpSpPr>
       <p:sp>
         <p:nvSpPr>
-          <p:cNvPr id="2" name="幻灯片图像占位符 1"/>
+          <p:cNvPr id="2" name="幻灯片图像占位符 1">
+            <a:extLst>
+              <a:ext uri="{FF2B5EF4-FFF2-40B4-BE49-F238E27FC236}">
+                <a16:creationId xmlns:a16="http://schemas.microsoft.com/office/drawing/2014/main" id="{8FEC4B0F-94A9-37F2-5E0E-D2467C0F9807}"/>
+              </a:ext>
+            </a:extLst>
+          </p:cNvPr>
           <p:cNvSpPr>
             <a:spLocks noGrp="1" noRot="1" noChangeAspect="1"/>
           </p:cNvSpPr>
@@ -1051,7 +1265,13 @@
       </p:sp>
       <p:sp>
         <p:nvSpPr>
-          <p:cNvPr id="3" name="备注占位符 2"/>
+          <p:cNvPr id="3" name="备注占位符 2">
+            <a:extLst>
+              <a:ext uri="{FF2B5EF4-FFF2-40B4-BE49-F238E27FC236}">
+                <a16:creationId xmlns:a16="http://schemas.microsoft.com/office/drawing/2014/main" id="{BFD8DCCC-E53A-AD01-ACA4-CF5231BC40C8}"/>
+              </a:ext>
+            </a:extLst>
+          </p:cNvPr>
           <p:cNvSpPr>
             <a:spLocks noGrp="1"/>
           </p:cNvSpPr>
@@ -1070,7 +1290,13 @@
       </p:sp>
       <p:sp>
         <p:nvSpPr>
-          <p:cNvPr id="4" name="灯片编号占位符 3"/>
+          <p:cNvPr id="4" name="灯片编号占位符 3">
+            <a:extLst>
+              <a:ext uri="{FF2B5EF4-FFF2-40B4-BE49-F238E27FC236}">
+                <a16:creationId xmlns:a16="http://schemas.microsoft.com/office/drawing/2014/main" id="{04A97E89-2021-A9CE-6159-7080A1240DFA}"/>
+              </a:ext>
+            </a:extLst>
+          </p:cNvPr>
           <p:cNvSpPr>
             <a:spLocks noGrp="1"/>
           </p:cNvSpPr>
@@ -1085,12 +1311,18 @@
           <a:p>
             <a:fld id="{AB9D4C2C-B2E8-48C4-9A1C-F85E2374B621}" type="slidenum">
               <a:rPr lang="zh-CN" altLang="en-US" smtClean="0"/>
+              <a:t>5</a:t>
             </a:fld>
             <a:endParaRPr lang="zh-CN" altLang="en-US"/>
           </a:p>
         </p:txBody>
       </p:sp>
     </p:spTree>
+    <p:extLst>
+      <p:ext uri="{BB962C8B-B14F-4D97-AF65-F5344CB8AC3E}">
+        <p14:creationId xmlns:p14="http://schemas.microsoft.com/office/powerpoint/2010/main" val="1184931721"/>
+      </p:ext>
+    </p:extLst>
   </p:cSld>
   <p:clrMapOvr>
     <a:masterClrMapping/>
@@ -1142,35 +1374,6 @@
           <a:bodyPr/>
           <a:lstStyle/>
           <a:p>
-            <a:pPr marL="0" marR="0" lvl="0" indent="0" algn="l" defTabSz="914400" rtl="0" eaLnBrk="1" fontAlgn="auto" latinLnBrk="0" hangingPunct="1">
-              <a:lnSpc>
-                <a:spcPct val="100000"/>
-              </a:lnSpc>
-              <a:spcBef>
-                <a:spcPts val="0"/>
-              </a:spcBef>
-              <a:spcAft>
-                <a:spcPts val="0"/>
-              </a:spcAft>
-              <a:buClrTx/>
-              <a:buSzTx/>
-              <a:buFontTx/>
-              <a:buNone/>
-              <a:defRPr/>
-            </a:pPr>
-            <a:r>
-              <a:rPr lang="zh-CN" altLang="en-US" sz="1200" kern="100" dirty="0">
-                <a:latin typeface="Times New Roman" panose="02020603050405020304" pitchFamily="18" charset="0"/>
-                <a:cs typeface="Times New Roman" panose="02020603050405020304" pitchFamily="18" charset="0"/>
-              </a:rPr>
-              <a:t>移动相机位置实现图形位置改变</a:t>
-            </a:r>
-            <a:endParaRPr lang="en-US" altLang="zh-CN" sz="1200" kern="100" dirty="0">
-              <a:latin typeface="Times New Roman" panose="02020603050405020304" pitchFamily="18" charset="0"/>
-              <a:cs typeface="Times New Roman" panose="02020603050405020304" pitchFamily="18" charset="0"/>
-            </a:endParaRPr>
-          </a:p>
-          <a:p>
             <a:endParaRPr lang="zh-CN" altLang="en-US" dirty="0"/>
           </a:p>
         </p:txBody>
@@ -1192,6 +1395,7 @@
           <a:p>
             <a:fld id="{AB9D4C2C-B2E8-48C4-9A1C-F85E2374B621}" type="slidenum">
               <a:rPr lang="zh-CN" altLang="en-US" smtClean="0"/>
+              <a:t>6</a:t>
             </a:fld>
             <a:endParaRPr lang="zh-CN" altLang="en-US"/>
           </a:p>
@@ -1249,6 +1453,35 @@
           <a:bodyPr/>
           <a:lstStyle/>
           <a:p>
+            <a:pPr marL="0" marR="0" lvl="0" indent="0" algn="l" defTabSz="914400" rtl="0" eaLnBrk="1" fontAlgn="auto" latinLnBrk="0" hangingPunct="1">
+              <a:lnSpc>
+                <a:spcPct val="100000"/>
+              </a:lnSpc>
+              <a:spcBef>
+                <a:spcPts val="0"/>
+              </a:spcBef>
+              <a:spcAft>
+                <a:spcPts val="0"/>
+              </a:spcAft>
+              <a:buClrTx/>
+              <a:buSzTx/>
+              <a:buFontTx/>
+              <a:buNone/>
+              <a:defRPr/>
+            </a:pPr>
+            <a:r>
+              <a:rPr lang="zh-CN" altLang="en-US" sz="1200" kern="100" dirty="0">
+                <a:latin typeface="Times New Roman" panose="02020603050405020304" pitchFamily="18" charset="0"/>
+                <a:cs typeface="Times New Roman" panose="02020603050405020304" pitchFamily="18" charset="0"/>
+              </a:rPr>
+              <a:t>移动相机位置实现图形位置改变</a:t>
+            </a:r>
+            <a:endParaRPr lang="en-US" altLang="zh-CN" sz="1200" kern="100" dirty="0">
+              <a:latin typeface="Times New Roman" panose="02020603050405020304" pitchFamily="18" charset="0"/>
+              <a:cs typeface="Times New Roman" panose="02020603050405020304" pitchFamily="18" charset="0"/>
+            </a:endParaRPr>
+          </a:p>
+          <a:p>
             <a:endParaRPr lang="zh-CN" altLang="en-US" dirty="0"/>
           </a:p>
         </p:txBody>
@@ -1270,6 +1503,7 @@
           <a:p>
             <a:fld id="{AB9D4C2C-B2E8-48C4-9A1C-F85E2374B621}" type="slidenum">
               <a:rPr lang="zh-CN" altLang="en-US" smtClean="0"/>
+              <a:t>7</a:t>
             </a:fld>
             <a:endParaRPr lang="zh-CN" altLang="en-US"/>
           </a:p>
@@ -1327,22 +1561,6 @@
           <a:bodyPr/>
           <a:lstStyle/>
           <a:p>
-            <a:r>
-              <a:rPr lang="zh-CN" altLang="en-US" dirty="0"/>
-              <a:t>如何让圆转起来？  </a:t>
-            </a:r>
-            <a:r>
-              <a:rPr lang="en-US" altLang="zh-CN" dirty="0"/>
-              <a:t>OpenGL</a:t>
-            </a:r>
-            <a:r>
-              <a:rPr lang="zh-CN" altLang="en-US" dirty="0"/>
-              <a:t>编程指南 （红宝书）</a:t>
-            </a:r>
-            <a:r>
-              <a:rPr lang="en-US" altLang="zh-CN" dirty="0"/>
-              <a:t>P16</a:t>
-            </a:r>
             <a:endParaRPr lang="zh-CN" altLang="en-US" dirty="0"/>
           </a:p>
         </p:txBody>
@@ -1364,6 +1582,7 @@
           <a:p>
             <a:fld id="{AB9D4C2C-B2E8-48C4-9A1C-F85E2374B621}" type="slidenum">
               <a:rPr lang="zh-CN" altLang="en-US" smtClean="0"/>
+              <a:t>8</a:t>
             </a:fld>
             <a:endParaRPr lang="zh-CN" altLang="en-US"/>
           </a:p>
@@ -1422,16 +1641,20 @@
           <a:lstStyle/>
           <a:p>
             <a:r>
-              <a:rPr lang="en-US" altLang="zh-CN" sz="1200" kern="100" dirty="0">
-                <a:latin typeface="Arial" panose="020B0604020202020204" pitchFamily="34" charset="0"/>
-              </a:rPr>
-              <a:t> </a:t>
-            </a:r>
-            <a:r>
-              <a:rPr lang="zh-CN" altLang="en-US" sz="1200" kern="100" dirty="0">
-                <a:latin typeface="Arial" panose="020B0604020202020204" pitchFamily="34" charset="0"/>
-              </a:rPr>
-              <a:t>如何让五环在拖动窗口大小时不变形？</a:t>
+              <a:rPr lang="zh-CN" altLang="en-US" dirty="0"/>
+              <a:t>如何让圆转起来？  </a:t>
+            </a:r>
+            <a:r>
+              <a:rPr lang="en-US" altLang="zh-CN" dirty="0"/>
+              <a:t>OpenGL</a:t>
+            </a:r>
+            <a:r>
+              <a:rPr lang="zh-CN" altLang="en-US" dirty="0"/>
+              <a:t>编程指南 （红宝书）</a:t>
+            </a:r>
+            <a:r>
+              <a:rPr lang="en-US" altLang="zh-CN" dirty="0"/>
+              <a:t>P16</a:t>
             </a:r>
             <a:endParaRPr lang="zh-CN" altLang="en-US" dirty="0"/>
           </a:p>
@@ -1454,6 +1677,7 @@
           <a:p>
             <a:fld id="{AB9D4C2C-B2E8-48C4-9A1C-F85E2374B621}" type="slidenum">
               <a:rPr lang="zh-CN" altLang="en-US" smtClean="0"/>
+              <a:t>9</a:t>
             </a:fld>
             <a:endParaRPr lang="zh-CN" altLang="en-US"/>
           </a:p>
@@ -1512,8 +1736,16 @@
           <a:lstStyle/>
           <a:p>
             <a:r>
-              <a:rPr lang="en-US" altLang="zh-CN" dirty="0"/>
-              <a:t>https://zhuanlan.zhihu.com/p/465120497</a:t>
+              <a:rPr lang="en-US" altLang="zh-CN" sz="1200" kern="100" dirty="0">
+                <a:latin typeface="Arial" panose="020B0604020202020204" pitchFamily="34" charset="0"/>
+              </a:rPr>
+              <a:t> </a:t>
+            </a:r>
+            <a:r>
+              <a:rPr lang="zh-CN" altLang="en-US" sz="1200" kern="100" dirty="0">
+                <a:latin typeface="Arial" panose="020B0604020202020204" pitchFamily="34" charset="0"/>
+              </a:rPr>
+              <a:t>如何让五环在拖动窗口大小时不变形？</a:t>
             </a:r>
             <a:endParaRPr lang="zh-CN" altLang="en-US" dirty="0"/>
           </a:p>
@@ -1536,6 +1768,7 @@
           <a:p>
             <a:fld id="{AB9D4C2C-B2E8-48C4-9A1C-F85E2374B621}" type="slidenum">
               <a:rPr lang="zh-CN" altLang="en-US" smtClean="0"/>
+              <a:t>10</a:t>
             </a:fld>
             <a:endParaRPr lang="zh-CN" altLang="en-US"/>
           </a:p>
@@ -1594,7 +1827,6 @@
               <a:rPr lang="zh-CN" altLang="en-US"/>
               <a:t>单击此处编辑母版标题样式</a:t>
             </a:r>
-            <a:endParaRPr lang="zh-CN" altLang="en-US"/>
           </a:p>
         </p:txBody>
       </p:sp>
@@ -1659,7 +1891,6 @@
               <a:rPr lang="zh-CN" altLang="en-US"/>
               <a:t>单击以编辑母版副标题样式</a:t>
             </a:r>
-            <a:endParaRPr lang="zh-CN" altLang="en-US"/>
           </a:p>
         </p:txBody>
       </p:sp>
@@ -1680,6 +1911,7 @@
           <a:p>
             <a:fld id="{F77FB4CB-BCA2-4E68-9E92-CDFFF06D9448}" type="datetimeFigureOut">
               <a:rPr lang="zh-CN" altLang="en-US" smtClean="0"/>
+              <a:t>2025/3/13</a:t>
             </a:fld>
             <a:endParaRPr lang="zh-CN" altLang="en-US"/>
           </a:p>
@@ -1721,6 +1953,7 @@
           <a:p>
             <a:fld id="{F3D6D861-6D59-4744-9365-9CBE4B5D2C19}" type="slidenum">
               <a:rPr lang="zh-CN" altLang="en-US" smtClean="0"/>
+              <a:t>‹#›</a:t>
             </a:fld>
             <a:endParaRPr lang="zh-CN" altLang="en-US"/>
           </a:p>
@@ -1770,7 +2003,6 @@
               <a:rPr lang="zh-CN" altLang="en-US"/>
               <a:t>单击此处编辑母版标题样式</a:t>
             </a:r>
-            <a:endParaRPr lang="zh-CN" altLang="en-US"/>
           </a:p>
         </p:txBody>
       </p:sp>
@@ -1794,7 +2026,6 @@
               <a:rPr lang="zh-CN" altLang="en-US"/>
               <a:t>编辑母版文本样式</a:t>
             </a:r>
-            <a:endParaRPr lang="zh-CN" altLang="en-US"/>
           </a:p>
           <a:p>
             <a:pPr lvl="1"/>
@@ -1802,7 +2033,6 @@
               <a:rPr lang="zh-CN" altLang="en-US"/>
               <a:t>第二级</a:t>
             </a:r>
-            <a:endParaRPr lang="zh-CN" altLang="en-US"/>
           </a:p>
           <a:p>
             <a:pPr lvl="2"/>
@@ -1810,7 +2040,6 @@
               <a:rPr lang="zh-CN" altLang="en-US"/>
               <a:t>第三级</a:t>
             </a:r>
-            <a:endParaRPr lang="zh-CN" altLang="en-US"/>
           </a:p>
           <a:p>
             <a:pPr lvl="3"/>
@@ -1818,7 +2047,6 @@
               <a:rPr lang="zh-CN" altLang="en-US"/>
               <a:t>第四级</a:t>
             </a:r>
-            <a:endParaRPr lang="zh-CN" altLang="en-US"/>
           </a:p>
           <a:p>
             <a:pPr lvl="4"/>
@@ -1826,7 +2054,6 @@
               <a:rPr lang="zh-CN" altLang="en-US"/>
               <a:t>第五级</a:t>
             </a:r>
-            <a:endParaRPr lang="zh-CN" altLang="en-US"/>
           </a:p>
         </p:txBody>
       </p:sp>
@@ -1847,6 +2074,7 @@
           <a:p>
             <a:fld id="{F77FB4CB-BCA2-4E68-9E92-CDFFF06D9448}" type="datetimeFigureOut">
               <a:rPr lang="zh-CN" altLang="en-US" smtClean="0"/>
+              <a:t>2025/3/13</a:t>
             </a:fld>
             <a:endParaRPr lang="zh-CN" altLang="en-US"/>
           </a:p>
@@ -1888,6 +2116,7 @@
           <a:p>
             <a:fld id="{F3D6D861-6D59-4744-9365-9CBE4B5D2C19}" type="slidenum">
               <a:rPr lang="zh-CN" altLang="en-US" smtClean="0"/>
+              <a:t>‹#›</a:t>
             </a:fld>
             <a:endParaRPr lang="zh-CN" altLang="en-US"/>
           </a:p>
@@ -1942,7 +2171,6 @@
               <a:rPr lang="zh-CN" altLang="en-US"/>
               <a:t>单击此处编辑母版标题样式</a:t>
             </a:r>
-            <a:endParaRPr lang="zh-CN" altLang="en-US"/>
           </a:p>
         </p:txBody>
       </p:sp>
@@ -1971,7 +2199,6 @@
               <a:rPr lang="zh-CN" altLang="en-US"/>
               <a:t>编辑母版文本样式</a:t>
             </a:r>
-            <a:endParaRPr lang="zh-CN" altLang="en-US"/>
           </a:p>
           <a:p>
             <a:pPr lvl="1"/>
@@ -1979,7 +2206,6 @@
               <a:rPr lang="zh-CN" altLang="en-US"/>
               <a:t>第二级</a:t>
             </a:r>
-            <a:endParaRPr lang="zh-CN" altLang="en-US"/>
           </a:p>
           <a:p>
             <a:pPr lvl="2"/>
@@ -1987,7 +2213,6 @@
               <a:rPr lang="zh-CN" altLang="en-US"/>
               <a:t>第三级</a:t>
             </a:r>
-            <a:endParaRPr lang="zh-CN" altLang="en-US"/>
           </a:p>
           <a:p>
             <a:pPr lvl="3"/>
@@ -1995,7 +2220,6 @@
               <a:rPr lang="zh-CN" altLang="en-US"/>
               <a:t>第四级</a:t>
             </a:r>
-            <a:endParaRPr lang="zh-CN" altLang="en-US"/>
           </a:p>
           <a:p>
             <a:pPr lvl="4"/>
@@ -2003,7 +2227,6 @@
               <a:rPr lang="zh-CN" altLang="en-US"/>
               <a:t>第五级</a:t>
             </a:r>
-            <a:endParaRPr lang="zh-CN" altLang="en-US"/>
           </a:p>
         </p:txBody>
       </p:sp>
@@ -2024,6 +2247,7 @@
           <a:p>
             <a:fld id="{F77FB4CB-BCA2-4E68-9E92-CDFFF06D9448}" type="datetimeFigureOut">
               <a:rPr lang="zh-CN" altLang="en-US" smtClean="0"/>
+              <a:t>2025/3/13</a:t>
             </a:fld>
             <a:endParaRPr lang="zh-CN" altLang="en-US"/>
           </a:p>
@@ -2065,6 +2289,7 @@
           <a:p>
             <a:fld id="{F3D6D861-6D59-4744-9365-9CBE4B5D2C19}" type="slidenum">
               <a:rPr lang="zh-CN" altLang="en-US" smtClean="0"/>
+              <a:t>‹#›</a:t>
             </a:fld>
             <a:endParaRPr lang="zh-CN" altLang="en-US"/>
           </a:p>
@@ -2112,6 +2337,7 @@
           <a:p>
             <a:fld id="{EF0D3D21-EA33-4203-BE34-55D8A4400A9B}" type="datetimeFigureOut">
               <a:rPr lang="zh-CN" altLang="en-US" smtClean="0"/>
+              <a:t>2025/3/13</a:t>
             </a:fld>
             <a:endParaRPr lang="zh-CN" altLang="en-US"/>
           </a:p>
@@ -2153,6 +2379,7 @@
           <a:p>
             <a:fld id="{CA131ACB-66F3-489D-8BB6-9FDD0213A07A}" type="slidenum">
               <a:rPr lang="zh-CN" altLang="en-US" smtClean="0"/>
+              <a:t>‹#›</a:t>
             </a:fld>
             <a:endParaRPr lang="zh-CN" altLang="en-US"/>
           </a:p>
@@ -2432,7 +2659,6 @@
               <a:rPr lang="zh-CN" altLang="en-US"/>
               <a:t>单击此处编辑母版标题样式</a:t>
             </a:r>
-            <a:endParaRPr lang="zh-CN" altLang="en-US"/>
           </a:p>
         </p:txBody>
       </p:sp>
@@ -2456,7 +2682,6 @@
               <a:rPr lang="zh-CN" altLang="en-US"/>
               <a:t>编辑母版文本样式</a:t>
             </a:r>
-            <a:endParaRPr lang="zh-CN" altLang="en-US"/>
           </a:p>
           <a:p>
             <a:pPr lvl="1"/>
@@ -2464,7 +2689,6 @@
               <a:rPr lang="zh-CN" altLang="en-US"/>
               <a:t>第二级</a:t>
             </a:r>
-            <a:endParaRPr lang="zh-CN" altLang="en-US"/>
           </a:p>
           <a:p>
             <a:pPr lvl="2"/>
@@ -2472,7 +2696,6 @@
               <a:rPr lang="zh-CN" altLang="en-US"/>
               <a:t>第三级</a:t>
             </a:r>
-            <a:endParaRPr lang="zh-CN" altLang="en-US"/>
           </a:p>
           <a:p>
             <a:pPr lvl="3"/>
@@ -2480,7 +2703,6 @@
               <a:rPr lang="zh-CN" altLang="en-US"/>
               <a:t>第四级</a:t>
             </a:r>
-            <a:endParaRPr lang="zh-CN" altLang="en-US"/>
           </a:p>
           <a:p>
             <a:pPr lvl="4"/>
@@ -2488,7 +2710,6 @@
               <a:rPr lang="zh-CN" altLang="en-US"/>
               <a:t>第五级</a:t>
             </a:r>
-            <a:endParaRPr lang="zh-CN" altLang="en-US"/>
           </a:p>
         </p:txBody>
       </p:sp>
@@ -2509,6 +2730,7 @@
           <a:p>
             <a:fld id="{F77FB4CB-BCA2-4E68-9E92-CDFFF06D9448}" type="datetimeFigureOut">
               <a:rPr lang="zh-CN" altLang="en-US" smtClean="0"/>
+              <a:t>2025/3/13</a:t>
             </a:fld>
             <a:endParaRPr lang="zh-CN" altLang="en-US"/>
           </a:p>
@@ -2550,6 +2772,7 @@
           <a:p>
             <a:fld id="{F3D6D861-6D59-4744-9365-9CBE4B5D2C19}" type="slidenum">
               <a:rPr lang="zh-CN" altLang="en-US" smtClean="0"/>
+              <a:t>‹#›</a:t>
             </a:fld>
             <a:endParaRPr lang="zh-CN" altLang="en-US"/>
           </a:p>
@@ -2608,7 +2831,6 @@
               <a:rPr lang="zh-CN" altLang="en-US"/>
               <a:t>单击此处编辑母版标题样式</a:t>
             </a:r>
-            <a:endParaRPr lang="zh-CN" altLang="en-US"/>
           </a:p>
         </p:txBody>
       </p:sp>
@@ -2728,7 +2950,6 @@
               <a:rPr lang="zh-CN" altLang="en-US"/>
               <a:t>编辑母版文本样式</a:t>
             </a:r>
-            <a:endParaRPr lang="zh-CN" altLang="en-US"/>
           </a:p>
         </p:txBody>
       </p:sp>
@@ -2749,6 +2970,7 @@
           <a:p>
             <a:fld id="{F77FB4CB-BCA2-4E68-9E92-CDFFF06D9448}" type="datetimeFigureOut">
               <a:rPr lang="zh-CN" altLang="en-US" smtClean="0"/>
+              <a:t>2025/3/13</a:t>
             </a:fld>
             <a:endParaRPr lang="zh-CN" altLang="en-US"/>
           </a:p>
@@ -2790,6 +3012,7 @@
           <a:p>
             <a:fld id="{F3D6D861-6D59-4744-9365-9CBE4B5D2C19}" type="slidenum">
               <a:rPr lang="zh-CN" altLang="en-US" smtClean="0"/>
+              <a:t>‹#›</a:t>
             </a:fld>
             <a:endParaRPr lang="zh-CN" altLang="en-US"/>
           </a:p>
@@ -2839,7 +3062,6 @@
               <a:rPr lang="zh-CN" altLang="en-US"/>
               <a:t>单击此处编辑母版标题样式</a:t>
             </a:r>
-            <a:endParaRPr lang="zh-CN" altLang="en-US"/>
           </a:p>
         </p:txBody>
       </p:sp>
@@ -2868,7 +3090,6 @@
               <a:rPr lang="zh-CN" altLang="en-US"/>
               <a:t>编辑母版文本样式</a:t>
             </a:r>
-            <a:endParaRPr lang="zh-CN" altLang="en-US"/>
           </a:p>
           <a:p>
             <a:pPr lvl="1"/>
@@ -2876,7 +3097,6 @@
               <a:rPr lang="zh-CN" altLang="en-US"/>
               <a:t>第二级</a:t>
             </a:r>
-            <a:endParaRPr lang="zh-CN" altLang="en-US"/>
           </a:p>
           <a:p>
             <a:pPr lvl="2"/>
@@ -2884,7 +3104,6 @@
               <a:rPr lang="zh-CN" altLang="en-US"/>
               <a:t>第三级</a:t>
             </a:r>
-            <a:endParaRPr lang="zh-CN" altLang="en-US"/>
           </a:p>
           <a:p>
             <a:pPr lvl="3"/>
@@ -2892,7 +3111,6 @@
               <a:rPr lang="zh-CN" altLang="en-US"/>
               <a:t>第四级</a:t>
             </a:r>
-            <a:endParaRPr lang="zh-CN" altLang="en-US"/>
           </a:p>
           <a:p>
             <a:pPr lvl="4"/>
@@ -2900,7 +3118,6 @@
               <a:rPr lang="zh-CN" altLang="en-US"/>
               <a:t>第五级</a:t>
             </a:r>
-            <a:endParaRPr lang="zh-CN" altLang="en-US"/>
           </a:p>
         </p:txBody>
       </p:sp>
@@ -2929,7 +3146,6 @@
               <a:rPr lang="zh-CN" altLang="en-US"/>
               <a:t>编辑母版文本样式</a:t>
             </a:r>
-            <a:endParaRPr lang="zh-CN" altLang="en-US"/>
           </a:p>
           <a:p>
             <a:pPr lvl="1"/>
@@ -2937,7 +3153,6 @@
               <a:rPr lang="zh-CN" altLang="en-US"/>
               <a:t>第二级</a:t>
             </a:r>
-            <a:endParaRPr lang="zh-CN" altLang="en-US"/>
           </a:p>
           <a:p>
             <a:pPr lvl="2"/>
@@ -2945,7 +3160,6 @@
               <a:rPr lang="zh-CN" altLang="en-US"/>
               <a:t>第三级</a:t>
             </a:r>
-            <a:endParaRPr lang="zh-CN" altLang="en-US"/>
           </a:p>
           <a:p>
             <a:pPr lvl="3"/>
@@ -2953,7 +3167,6 @@
               <a:rPr lang="zh-CN" altLang="en-US"/>
               <a:t>第四级</a:t>
             </a:r>
-            <a:endParaRPr lang="zh-CN" altLang="en-US"/>
           </a:p>
           <a:p>
             <a:pPr lvl="4"/>
@@ -2961,7 +3174,6 @@
               <a:rPr lang="zh-CN" altLang="en-US"/>
               <a:t>第五级</a:t>
             </a:r>
-            <a:endParaRPr lang="zh-CN" altLang="en-US"/>
           </a:p>
         </p:txBody>
       </p:sp>
@@ -2982,6 +3194,7 @@
           <a:p>
             <a:fld id="{F77FB4CB-BCA2-4E68-9E92-CDFFF06D9448}" type="datetimeFigureOut">
               <a:rPr lang="zh-CN" altLang="en-US" smtClean="0"/>
+              <a:t>2025/3/13</a:t>
             </a:fld>
             <a:endParaRPr lang="zh-CN" altLang="en-US"/>
           </a:p>
@@ -3023,6 +3236,7 @@
           <a:p>
             <a:fld id="{F3D6D861-6D59-4744-9365-9CBE4B5D2C19}" type="slidenum">
               <a:rPr lang="zh-CN" altLang="en-US" smtClean="0"/>
+              <a:t>‹#›</a:t>
             </a:fld>
             <a:endParaRPr lang="zh-CN" altLang="en-US"/>
           </a:p>
@@ -3077,7 +3291,6 @@
               <a:rPr lang="zh-CN" altLang="en-US"/>
               <a:t>单击此处编辑母版标题样式</a:t>
             </a:r>
-            <a:endParaRPr lang="zh-CN" altLang="en-US"/>
           </a:p>
         </p:txBody>
       </p:sp>
@@ -3143,7 +3356,6 @@
               <a:rPr lang="zh-CN" altLang="en-US"/>
               <a:t>编辑母版文本样式</a:t>
             </a:r>
-            <a:endParaRPr lang="zh-CN" altLang="en-US"/>
           </a:p>
         </p:txBody>
       </p:sp>
@@ -3172,7 +3384,6 @@
               <a:rPr lang="zh-CN" altLang="en-US"/>
               <a:t>编辑母版文本样式</a:t>
             </a:r>
-            <a:endParaRPr lang="zh-CN" altLang="en-US"/>
           </a:p>
           <a:p>
             <a:pPr lvl="1"/>
@@ -3180,7 +3391,6 @@
               <a:rPr lang="zh-CN" altLang="en-US"/>
               <a:t>第二级</a:t>
             </a:r>
-            <a:endParaRPr lang="zh-CN" altLang="en-US"/>
           </a:p>
           <a:p>
             <a:pPr lvl="2"/>
@@ -3188,7 +3398,6 @@
               <a:rPr lang="zh-CN" altLang="en-US"/>
               <a:t>第三级</a:t>
             </a:r>
-            <a:endParaRPr lang="zh-CN" altLang="en-US"/>
           </a:p>
           <a:p>
             <a:pPr lvl="3"/>
@@ -3196,7 +3405,6 @@
               <a:rPr lang="zh-CN" altLang="en-US"/>
               <a:t>第四级</a:t>
             </a:r>
-            <a:endParaRPr lang="zh-CN" altLang="en-US"/>
           </a:p>
           <a:p>
             <a:pPr lvl="4"/>
@@ -3204,7 +3412,6 @@
               <a:rPr lang="zh-CN" altLang="en-US"/>
               <a:t>第五级</a:t>
             </a:r>
-            <a:endParaRPr lang="zh-CN" altLang="en-US"/>
           </a:p>
         </p:txBody>
       </p:sp>
@@ -3270,7 +3477,6 @@
               <a:rPr lang="zh-CN" altLang="en-US"/>
               <a:t>编辑母版文本样式</a:t>
             </a:r>
-            <a:endParaRPr lang="zh-CN" altLang="en-US"/>
           </a:p>
         </p:txBody>
       </p:sp>
@@ -3299,7 +3505,6 @@
               <a:rPr lang="zh-CN" altLang="en-US"/>
               <a:t>编辑母版文本样式</a:t>
             </a:r>
-            <a:endParaRPr lang="zh-CN" altLang="en-US"/>
           </a:p>
           <a:p>
             <a:pPr lvl="1"/>
@@ -3307,7 +3512,6 @@
               <a:rPr lang="zh-CN" altLang="en-US"/>
               <a:t>第二级</a:t>
             </a:r>
-            <a:endParaRPr lang="zh-CN" altLang="en-US"/>
           </a:p>
           <a:p>
             <a:pPr lvl="2"/>
@@ -3315,7 +3519,6 @@
               <a:rPr lang="zh-CN" altLang="en-US"/>
               <a:t>第三级</a:t>
             </a:r>
-            <a:endParaRPr lang="zh-CN" altLang="en-US"/>
           </a:p>
           <a:p>
             <a:pPr lvl="3"/>
@@ -3323,7 +3526,6 @@
               <a:rPr lang="zh-CN" altLang="en-US"/>
               <a:t>第四级</a:t>
             </a:r>
-            <a:endParaRPr lang="zh-CN" altLang="en-US"/>
           </a:p>
           <a:p>
             <a:pPr lvl="4"/>
@@ -3331,7 +3533,6 @@
               <a:rPr lang="zh-CN" altLang="en-US"/>
               <a:t>第五级</a:t>
             </a:r>
-            <a:endParaRPr lang="zh-CN" altLang="en-US"/>
           </a:p>
         </p:txBody>
       </p:sp>
@@ -3352,6 +3553,7 @@
           <a:p>
             <a:fld id="{F77FB4CB-BCA2-4E68-9E92-CDFFF06D9448}" type="datetimeFigureOut">
               <a:rPr lang="zh-CN" altLang="en-US" smtClean="0"/>
+              <a:t>2025/3/13</a:t>
             </a:fld>
             <a:endParaRPr lang="zh-CN" altLang="en-US"/>
           </a:p>
@@ -3393,6 +3595,7 @@
           <a:p>
             <a:fld id="{F3D6D861-6D59-4744-9365-9CBE4B5D2C19}" type="slidenum">
               <a:rPr lang="zh-CN" altLang="en-US" smtClean="0"/>
+              <a:t>‹#›</a:t>
             </a:fld>
             <a:endParaRPr lang="zh-CN" altLang="en-US"/>
           </a:p>
@@ -3442,7 +3645,6 @@
               <a:rPr lang="zh-CN" altLang="en-US"/>
               <a:t>单击此处编辑母版标题样式</a:t>
             </a:r>
-            <a:endParaRPr lang="zh-CN" altLang="en-US"/>
           </a:p>
         </p:txBody>
       </p:sp>
@@ -3463,6 +3665,7 @@
           <a:p>
             <a:fld id="{F77FB4CB-BCA2-4E68-9E92-CDFFF06D9448}" type="datetimeFigureOut">
               <a:rPr lang="zh-CN" altLang="en-US" smtClean="0"/>
+              <a:t>2025/3/13</a:t>
             </a:fld>
             <a:endParaRPr lang="zh-CN" altLang="en-US"/>
           </a:p>
@@ -3504,6 +3707,7 @@
           <a:p>
             <a:fld id="{F3D6D861-6D59-4744-9365-9CBE4B5D2C19}" type="slidenum">
               <a:rPr lang="zh-CN" altLang="en-US" smtClean="0"/>
+              <a:t>‹#›</a:t>
             </a:fld>
             <a:endParaRPr lang="zh-CN" altLang="en-US"/>
           </a:p>
@@ -3551,6 +3755,7 @@
           <a:p>
             <a:fld id="{F77FB4CB-BCA2-4E68-9E92-CDFFF06D9448}" type="datetimeFigureOut">
               <a:rPr lang="zh-CN" altLang="en-US" smtClean="0"/>
+              <a:t>2025/3/13</a:t>
             </a:fld>
             <a:endParaRPr lang="zh-CN" altLang="en-US"/>
           </a:p>
@@ -3592,6 +3797,7 @@
           <a:p>
             <a:fld id="{F3D6D861-6D59-4744-9365-9CBE4B5D2C19}" type="slidenum">
               <a:rPr lang="zh-CN" altLang="en-US" smtClean="0"/>
+              <a:t>‹#›</a:t>
             </a:fld>
             <a:endParaRPr lang="zh-CN" altLang="en-US"/>
           </a:p>
@@ -3650,7 +3856,6 @@
               <a:rPr lang="zh-CN" altLang="en-US"/>
               <a:t>单击此处编辑母版标题样式</a:t>
             </a:r>
-            <a:endParaRPr lang="zh-CN" altLang="en-US"/>
           </a:p>
         </p:txBody>
       </p:sp>
@@ -3707,7 +3912,6 @@
               <a:rPr lang="zh-CN" altLang="en-US"/>
               <a:t>编辑母版文本样式</a:t>
             </a:r>
-            <a:endParaRPr lang="zh-CN" altLang="en-US"/>
           </a:p>
           <a:p>
             <a:pPr lvl="1"/>
@@ -3715,7 +3919,6 @@
               <a:rPr lang="zh-CN" altLang="en-US"/>
               <a:t>第二级</a:t>
             </a:r>
-            <a:endParaRPr lang="zh-CN" altLang="en-US"/>
           </a:p>
           <a:p>
             <a:pPr lvl="2"/>
@@ -3723,7 +3926,6 @@
               <a:rPr lang="zh-CN" altLang="en-US"/>
               <a:t>第三级</a:t>
             </a:r>
-            <a:endParaRPr lang="zh-CN" altLang="en-US"/>
           </a:p>
           <a:p>
             <a:pPr lvl="3"/>
@@ -3731,7 +3933,6 @@
               <a:rPr lang="zh-CN" altLang="en-US"/>
               <a:t>第四级</a:t>
             </a:r>
-            <a:endParaRPr lang="zh-CN" altLang="en-US"/>
           </a:p>
           <a:p>
             <a:pPr lvl="4"/>
@@ -3739,7 +3940,6 @@
               <a:rPr lang="zh-CN" altLang="en-US"/>
               <a:t>第五级</a:t>
             </a:r>
-            <a:endParaRPr lang="zh-CN" altLang="en-US"/>
           </a:p>
         </p:txBody>
       </p:sp>
@@ -3805,7 +4005,6 @@
               <a:rPr lang="zh-CN" altLang="en-US"/>
               <a:t>编辑母版文本样式</a:t>
             </a:r>
-            <a:endParaRPr lang="zh-CN" altLang="en-US"/>
           </a:p>
         </p:txBody>
       </p:sp>
@@ -3826,6 +4025,7 @@
           <a:p>
             <a:fld id="{F77FB4CB-BCA2-4E68-9E92-CDFFF06D9448}" type="datetimeFigureOut">
               <a:rPr lang="zh-CN" altLang="en-US" smtClean="0"/>
+              <a:t>2025/3/13</a:t>
             </a:fld>
             <a:endParaRPr lang="zh-CN" altLang="en-US"/>
           </a:p>
@@ -3867,6 +4067,7 @@
           <a:p>
             <a:fld id="{F3D6D861-6D59-4744-9365-9CBE4B5D2C19}" type="slidenum">
               <a:rPr lang="zh-CN" altLang="en-US" smtClean="0"/>
+              <a:t>‹#›</a:t>
             </a:fld>
             <a:endParaRPr lang="zh-CN" altLang="en-US"/>
           </a:p>
@@ -3925,7 +4126,6 @@
               <a:rPr lang="zh-CN" altLang="en-US"/>
               <a:t>单击此处编辑母版标题样式</a:t>
             </a:r>
-            <a:endParaRPr lang="zh-CN" altLang="en-US"/>
           </a:p>
         </p:txBody>
       </p:sp>
@@ -4052,7 +4252,6 @@
               <a:rPr lang="zh-CN" altLang="en-US"/>
               <a:t>编辑母版文本样式</a:t>
             </a:r>
-            <a:endParaRPr lang="zh-CN" altLang="en-US"/>
           </a:p>
         </p:txBody>
       </p:sp>
@@ -4073,6 +4272,7 @@
           <a:p>
             <a:fld id="{F77FB4CB-BCA2-4E68-9E92-CDFFF06D9448}" type="datetimeFigureOut">
               <a:rPr lang="zh-CN" altLang="en-US" smtClean="0"/>
+              <a:t>2025/3/13</a:t>
             </a:fld>
             <a:endParaRPr lang="zh-CN" altLang="en-US"/>
           </a:p>
@@ -4114,6 +4314,7 @@
           <a:p>
             <a:fld id="{F3D6D861-6D59-4744-9365-9CBE4B5D2C19}" type="slidenum">
               <a:rPr lang="zh-CN" altLang="en-US" smtClean="0"/>
+              <a:t>‹#›</a:t>
             </a:fld>
             <a:endParaRPr lang="zh-CN" altLang="en-US"/>
           </a:p>
@@ -4178,7 +4379,6 @@
               <a:rPr lang="zh-CN" altLang="en-US"/>
               <a:t>单击此处编辑母版标题样式</a:t>
             </a:r>
-            <a:endParaRPr lang="zh-CN" altLang="en-US"/>
           </a:p>
         </p:txBody>
       </p:sp>
@@ -4212,7 +4412,6 @@
               <a:rPr lang="zh-CN" altLang="en-US"/>
               <a:t>编辑母版文本样式</a:t>
             </a:r>
-            <a:endParaRPr lang="zh-CN" altLang="en-US"/>
           </a:p>
           <a:p>
             <a:pPr lvl="1"/>
@@ -4220,7 +4419,6 @@
               <a:rPr lang="zh-CN" altLang="en-US"/>
               <a:t>第二级</a:t>
             </a:r>
-            <a:endParaRPr lang="zh-CN" altLang="en-US"/>
           </a:p>
           <a:p>
             <a:pPr lvl="2"/>
@@ -4228,7 +4426,6 @@
               <a:rPr lang="zh-CN" altLang="en-US"/>
               <a:t>第三级</a:t>
             </a:r>
-            <a:endParaRPr lang="zh-CN" altLang="en-US"/>
           </a:p>
           <a:p>
             <a:pPr lvl="3"/>
@@ -4236,7 +4433,6 @@
               <a:rPr lang="zh-CN" altLang="en-US"/>
               <a:t>第四级</a:t>
             </a:r>
-            <a:endParaRPr lang="zh-CN" altLang="en-US"/>
           </a:p>
           <a:p>
             <a:pPr lvl="4"/>
@@ -4244,7 +4440,6 @@
               <a:rPr lang="zh-CN" altLang="en-US"/>
               <a:t>第五级</a:t>
             </a:r>
-            <a:endParaRPr lang="zh-CN" altLang="en-US"/>
           </a:p>
         </p:txBody>
       </p:sp>
@@ -4283,6 +4478,7 @@
           <a:p>
             <a:fld id="{F77FB4CB-BCA2-4E68-9E92-CDFFF06D9448}" type="datetimeFigureOut">
               <a:rPr lang="zh-CN" altLang="en-US" smtClean="0"/>
+              <a:t>2025/3/13</a:t>
             </a:fld>
             <a:endParaRPr lang="zh-CN" altLang="en-US"/>
           </a:p>
@@ -4360,6 +4556,7 @@
           <a:p>
             <a:fld id="{F3D6D861-6D59-4744-9365-9CBE4B5D2C19}" type="slidenum">
               <a:rPr lang="zh-CN" altLang="en-US" smtClean="0"/>
+              <a:t>‹#›</a:t>
             </a:fld>
             <a:endParaRPr lang="zh-CN" altLang="en-US"/>
           </a:p>
@@ -4691,7 +4888,7 @@
           <p:nvPr/>
         </p:nvPicPr>
         <p:blipFill rotWithShape="1">
-          <a:blip r:embed="rId1" cstate="print">
+          <a:blip r:embed="rId2" cstate="print">
             <a:clrChange>
               <a:clrFrom>
                 <a:srgbClr val="FDF6F0"/>
@@ -4926,9 +5123,6 @@
               </a:rPr>
               <a:t>1</a:t>
             </a:r>
-            <a:endParaRPr lang="en-US" altLang="zh-CN" sz="2400" b="1" dirty="0">
-              <a:latin typeface="+mj-ea"/>
-            </a:endParaRPr>
           </a:p>
           <a:p>
             <a:r>
@@ -5548,10 +5742,6 @@
               </a:rPr>
               <a:t>Computer Graphics</a:t>
             </a:r>
-            <a:endParaRPr lang="en-US" altLang="zh-CN" sz="3600" dirty="0">
-              <a:latin typeface="Times New Roman" panose="02020603050405020304" pitchFamily="18" charset="0"/>
-              <a:cs typeface="Times New Roman" panose="02020603050405020304" pitchFamily="18" charset="0"/>
-            </a:endParaRPr>
           </a:p>
         </p:txBody>
       </p:sp>
@@ -5564,7 +5754,7 @@
           <p:nvPr/>
         </p:nvPicPr>
         <p:blipFill>
-          <a:blip r:embed="rId2">
+          <a:blip r:embed="rId3">
             <a:extLst>
               <a:ext uri="{28A0092B-C50C-407E-A947-70E740481C1C}">
                 <a14:useLocalDpi xmlns:a14="http://schemas.microsoft.com/office/drawing/2010/main" val="0"/>
@@ -5630,7 +5820,7 @@
         <p:spPr>
           <a:xfrm>
             <a:off x="1055685" y="1708648"/>
-            <a:ext cx="10086448" cy="2306955"/>
+            <a:ext cx="9765552" cy="1128579"/>
           </a:xfrm>
           <a:prstGeom prst="rect">
             <a:avLst/>
@@ -5643,24 +5833,6 @@
           </a:bodyPr>
           <a:lstStyle/>
           <a:p>
-            <a:pPr marL="342900" indent="-342900" algn="just">
-              <a:lnSpc>
-                <a:spcPct val="150000"/>
-              </a:lnSpc>
-              <a:buFont typeface="Arial" panose="020B0604020202020204" pitchFamily="34" charset="0"/>
-              <a:buChar char="•"/>
-            </a:pPr>
-            <a:r>
-              <a:rPr lang="zh-CN" altLang="en-US" sz="2400" kern="100" dirty="0">
-                <a:latin typeface="Arial" panose="020B0604020202020204" pitchFamily="34" charset="0"/>
-              </a:rPr>
-              <a:t>请求一个深度缓存</a:t>
-            </a:r>
-            <a:endParaRPr lang="en-US" altLang="zh-CN" sz="2400" kern="100" dirty="0">
-              <a:latin typeface="Arial" panose="020B0604020202020204" pitchFamily="34" charset="0"/>
-            </a:endParaRPr>
-          </a:p>
-          <a:p>
             <a:pPr algn="just">
               <a:lnSpc>
                 <a:spcPct val="150000"/>
@@ -5670,65 +5842,13 @@
               <a:rPr lang="en-US" altLang="zh-CN" sz="2400" kern="100" dirty="0">
                 <a:latin typeface="Arial" panose="020B0604020202020204" pitchFamily="34" charset="0"/>
               </a:rPr>
-              <a:t>	</a:t>
-            </a:r>
-            <a:r>
-              <a:rPr lang="en-US" altLang="zh-CN" sz="2400" kern="100" dirty="0" err="1">
-                <a:latin typeface="Arial" panose="020B0604020202020204" pitchFamily="34" charset="0"/>
-              </a:rPr>
-              <a:t>glutInitDisplayMode</a:t>
-            </a:r>
-            <a:r>
-              <a:rPr lang="en-US" altLang="zh-CN" sz="2400" kern="100" dirty="0">
-                <a:latin typeface="Arial" panose="020B0604020202020204" pitchFamily="34" charset="0"/>
-              </a:rPr>
-              <a:t>(GLUT_RGB|GLUT_DOUBLE|GLUT_DEPTH);</a:t>
-            </a:r>
-            <a:endParaRPr lang="en-US" altLang="zh-CN" sz="2400" kern="100" dirty="0">
-              <a:latin typeface="Arial" panose="020B0604020202020204" pitchFamily="34" charset="0"/>
-            </a:endParaRPr>
-          </a:p>
-          <a:p>
-            <a:pPr marL="342900" indent="-342900" algn="just">
-              <a:lnSpc>
-                <a:spcPct val="150000"/>
-              </a:lnSpc>
-              <a:buFont typeface="Arial" panose="020B0604020202020204" pitchFamily="34" charset="0"/>
-              <a:buChar char="•"/>
-            </a:pPr>
+              <a:t>       </a:t>
+            </a:r>
             <a:r>
               <a:rPr lang="zh-CN" altLang="en-US" sz="2400" kern="100" dirty="0">
                 <a:latin typeface="Arial" panose="020B0604020202020204" pitchFamily="34" charset="0"/>
               </a:rPr>
-              <a:t>清空深度缓存</a:t>
-            </a:r>
-            <a:endParaRPr lang="en-US" altLang="zh-CN" sz="2400" kern="100" dirty="0">
-              <a:latin typeface="Arial" panose="020B0604020202020204" pitchFamily="34" charset="0"/>
-            </a:endParaRPr>
-          </a:p>
-          <a:p>
-            <a:pPr algn="just">
-              <a:lnSpc>
-                <a:spcPct val="150000"/>
-              </a:lnSpc>
-            </a:pPr>
-            <a:r>
-              <a:rPr lang="en-US" altLang="zh-CN" sz="2400" kern="100" dirty="0">
-                <a:latin typeface="Arial" panose="020B0604020202020204" pitchFamily="34" charset="0"/>
-              </a:rPr>
-              <a:t>	</a:t>
-            </a:r>
-            <a:r>
-              <a:rPr lang="en-US" altLang="zh-CN" sz="2400" kern="100" dirty="0" err="1">
-                <a:latin typeface="Arial" panose="020B0604020202020204" pitchFamily="34" charset="0"/>
-              </a:rPr>
-              <a:t>glClear</a:t>
-            </a:r>
-            <a:r>
-              <a:rPr lang="en-US" altLang="zh-CN" sz="2400" kern="100" dirty="0">
-                <a:latin typeface="Arial" panose="020B0604020202020204" pitchFamily="34" charset="0"/>
-              </a:rPr>
-              <a:t>(GL_COLOR_BUFFER_BIT | GL_DEPTH_BUFFER_BIT);</a:t>
+              <a:t>绘制一个奥运五环，要求形状及颜色保持和下图一致，且要求颜色重叠部分完全和下图相同（即需要虑颜色的遮挡）。</a:t>
             </a:r>
             <a:endParaRPr lang="en-US" altLang="zh-CN" sz="2400" kern="100" dirty="0">
               <a:latin typeface="Arial" panose="020B0604020202020204" pitchFamily="34" charset="0"/>
@@ -5759,13 +5879,73 @@
           <a:p>
             <a:r>
               <a:rPr lang="en-US" altLang="zh-CN" sz="3200" dirty="0"/>
-              <a:t>OpenGL</a:t>
+              <a:t>Task3 </a:t>
             </a:r>
             <a:r>
               <a:rPr lang="zh-CN" altLang="en-US" sz="3200" dirty="0"/>
-              <a:t>深度测试</a:t>
-            </a:r>
-            <a:endParaRPr lang="zh-CN" altLang="en-US" sz="3200" dirty="0"/>
+              <a:t>绘制一个奥运五环</a:t>
+            </a:r>
+          </a:p>
+        </p:txBody>
+      </p:sp>
+      <p:pic>
+        <p:nvPicPr>
+          <p:cNvPr id="2" name="图片 1"/>
+          <p:cNvPicPr>
+            <a:picLocks noChangeAspect="1"/>
+          </p:cNvPicPr>
+          <p:nvPr/>
+        </p:nvPicPr>
+        <p:blipFill>
+          <a:blip r:embed="rId3"/>
+          <a:stretch>
+            <a:fillRect/>
+          </a:stretch>
+        </p:blipFill>
+        <p:spPr>
+          <a:xfrm>
+            <a:off x="3772412" y="2837227"/>
+            <a:ext cx="4494776" cy="3004048"/>
+          </a:xfrm>
+          <a:prstGeom prst="rect">
+            <a:avLst/>
+          </a:prstGeom>
+        </p:spPr>
+      </p:pic>
+      <p:sp>
+        <p:nvSpPr>
+          <p:cNvPr id="6" name="文本框 5"/>
+          <p:cNvSpPr txBox="1"/>
+          <p:nvPr/>
+        </p:nvSpPr>
+        <p:spPr>
+          <a:xfrm>
+            <a:off x="1055685" y="5643279"/>
+            <a:ext cx="9765552" cy="645160"/>
+          </a:xfrm>
+          <a:prstGeom prst="rect">
+            <a:avLst/>
+          </a:prstGeom>
+          <a:noFill/>
+        </p:spPr>
+        <p:txBody>
+          <a:bodyPr wrap="square">
+            <a:spAutoFit/>
+          </a:bodyPr>
+          <a:lstStyle/>
+          <a:p>
+            <a:pPr algn="just">
+              <a:lnSpc>
+                <a:spcPct val="150000"/>
+              </a:lnSpc>
+            </a:pPr>
+            <a:r>
+              <a:rPr lang="zh-CN" altLang="en-US" sz="2400" kern="100" dirty="0">
+                <a:latin typeface="Arial" panose="020B0604020202020204" pitchFamily="34" charset="0"/>
+              </a:rPr>
+              <a:t>附加题：如何让五环在拖动窗口大小时不变形？</a:t>
+            </a:r>
+            <a:endParaRPr lang="zh-CN" altLang="en-US" sz="2400" dirty="0"/>
           </a:p>
         </p:txBody>
       </p:sp>
@@ -5803,7 +5983,7 @@
         <p:spPr>
           <a:xfrm>
             <a:off x="1055685" y="1708648"/>
-            <a:ext cx="9765552" cy="3415030"/>
+            <a:ext cx="10086448" cy="2239844"/>
           </a:xfrm>
           <a:prstGeom prst="rect">
             <a:avLst/>
@@ -5825,48 +6005,38 @@
             </a:pPr>
             <a:r>
               <a:rPr lang="zh-CN" altLang="en-US" sz="2400" kern="100" dirty="0">
-                <a:latin typeface="Times New Roman" panose="02020603050405020304" pitchFamily="18" charset="0"/>
-                <a:cs typeface="Times New Roman" panose="02020603050405020304" pitchFamily="18" charset="0"/>
-              </a:rPr>
-              <a:t>本次实验只需要提交</a:t>
-            </a:r>
+                <a:latin typeface="Arial" panose="020B0604020202020204" pitchFamily="34" charset="0"/>
+              </a:rPr>
+              <a:t>请求一个深度缓存</a:t>
+            </a:r>
+            <a:endParaRPr lang="en-US" altLang="zh-CN" sz="2400" kern="100" dirty="0">
+              <a:latin typeface="Arial" panose="020B0604020202020204" pitchFamily="34" charset="0"/>
+            </a:endParaRPr>
+          </a:p>
+          <a:p>
+            <a:pPr algn="just">
+              <a:lnSpc>
+                <a:spcPct val="150000"/>
+              </a:lnSpc>
+            </a:pPr>
             <a:r>
               <a:rPr lang="en-US" altLang="zh-CN" sz="2400" kern="100" dirty="0">
-                <a:solidFill>
-                  <a:srgbClr val="FF0000"/>
-                </a:solidFill>
-                <a:latin typeface="Times New Roman" panose="02020603050405020304" pitchFamily="18" charset="0"/>
-                <a:cs typeface="Times New Roman" panose="02020603050405020304" pitchFamily="18" charset="0"/>
-              </a:rPr>
-              <a:t>Task2</a:t>
-            </a:r>
-            <a:r>
-              <a:rPr lang="zh-CN" altLang="en-US" sz="2400" kern="100" dirty="0">
-                <a:solidFill>
-                  <a:srgbClr val="FF0000"/>
-                </a:solidFill>
-                <a:latin typeface="Times New Roman" panose="02020603050405020304" pitchFamily="18" charset="0"/>
-                <a:cs typeface="Times New Roman" panose="02020603050405020304" pitchFamily="18" charset="0"/>
-              </a:rPr>
-              <a:t>、</a:t>
+                <a:latin typeface="Arial" panose="020B0604020202020204" pitchFamily="34" charset="0"/>
+              </a:rPr>
+              <a:t>	</a:t>
+            </a:r>
+            <a:r>
+              <a:rPr lang="en-US" altLang="zh-CN" sz="2400" kern="100" dirty="0" err="1">
+                <a:latin typeface="Arial" panose="020B0604020202020204" pitchFamily="34" charset="0"/>
+              </a:rPr>
+              <a:t>glutInitDisplayMode</a:t>
             </a:r>
             <a:r>
               <a:rPr lang="en-US" altLang="zh-CN" sz="2400" kern="100" dirty="0">
-                <a:solidFill>
-                  <a:srgbClr val="FF0000"/>
-                </a:solidFill>
-                <a:latin typeface="Times New Roman" panose="02020603050405020304" pitchFamily="18" charset="0"/>
-                <a:cs typeface="Times New Roman" panose="02020603050405020304" pitchFamily="18" charset="0"/>
-              </a:rPr>
-              <a:t>3</a:t>
-            </a:r>
-            <a:endParaRPr lang="en-US" altLang="zh-CN" sz="2400" kern="100" dirty="0">
-              <a:solidFill>
-                <a:srgbClr val="FF0000"/>
-              </a:solidFill>
-              <a:latin typeface="Times New Roman" panose="02020603050405020304" pitchFamily="18" charset="0"/>
-              <a:cs typeface="Times New Roman" panose="02020603050405020304" pitchFamily="18" charset="0"/>
-            </a:endParaRPr>
+                <a:latin typeface="Arial" panose="020B0604020202020204" pitchFamily="34" charset="0"/>
+              </a:rPr>
+              <a:t>(GLUT_RGB|GLUT_DOUBLE|GLUT_DEPTH);</a:t>
+            </a:r>
           </a:p>
           <a:p>
             <a:pPr marL="342900" indent="-342900" algn="just">
@@ -5878,164 +6048,38 @@
             </a:pPr>
             <a:r>
               <a:rPr lang="zh-CN" altLang="en-US" sz="2400" kern="100" dirty="0">
-                <a:latin typeface="Times New Roman" panose="02020603050405020304" pitchFamily="18" charset="0"/>
-                <a:cs typeface="Times New Roman" panose="02020603050405020304" pitchFamily="18" charset="0"/>
-              </a:rPr>
-              <a:t>请根据实验结果，提交</a:t>
-            </a:r>
-            <a:r>
-              <a:rPr lang="en-US" altLang="zh-CN" sz="2400" kern="100" dirty="0">
-                <a:latin typeface="Times New Roman" panose="02020603050405020304" pitchFamily="18" charset="0"/>
-                <a:cs typeface="Times New Roman" panose="02020603050405020304" pitchFamily="18" charset="0"/>
-              </a:rPr>
-              <a:t>word</a:t>
-            </a:r>
-            <a:r>
-              <a:rPr lang="zh-CN" altLang="en-US" sz="2400" kern="100" dirty="0">
-                <a:latin typeface="Times New Roman" panose="02020603050405020304" pitchFamily="18" charset="0"/>
-                <a:cs typeface="Times New Roman" panose="02020603050405020304" pitchFamily="18" charset="0"/>
-              </a:rPr>
-              <a:t>版本实验报告，实验报告写明学号姓名，陈述、展示实验结果。</a:t>
+                <a:latin typeface="Arial" panose="020B0604020202020204" pitchFamily="34" charset="0"/>
+              </a:rPr>
+              <a:t>清空深度缓存</a:t>
             </a:r>
             <a:endParaRPr lang="en-US" altLang="zh-CN" sz="2400" kern="100" dirty="0">
-              <a:latin typeface="Times New Roman" panose="02020603050405020304" pitchFamily="18" charset="0"/>
-              <a:cs typeface="Times New Roman" panose="02020603050405020304" pitchFamily="18" charset="0"/>
+              <a:latin typeface="Arial" panose="020B0604020202020204" pitchFamily="34" charset="0"/>
             </a:endParaRPr>
           </a:p>
           <a:p>
-            <a:pPr marL="342900" indent="-342900" algn="just">
+            <a:pPr algn="just">
               <a:lnSpc>
                 <a:spcPct val="150000"/>
               </a:lnSpc>
-              <a:buFont typeface="Arial" panose="020B0604020202020204" pitchFamily="34" charset="0"/>
-              <a:buChar char="•"/>
             </a:pPr>
             <a:r>
-              <a:rPr lang="zh-CN" altLang="en-US" sz="2400" kern="100" dirty="0">
-                <a:latin typeface="Times New Roman" panose="02020603050405020304" pitchFamily="18" charset="0"/>
-                <a:cs typeface="Times New Roman" panose="02020603050405020304" pitchFamily="18" charset="0"/>
-              </a:rPr>
-              <a:t>提交方式为：</a:t>
-            </a:r>
-            <a:r>
-              <a:rPr lang="zh-CN" altLang="en-US" sz="2400" kern="100" dirty="0">
-                <a:solidFill>
-                  <a:srgbClr val="FF0000"/>
-                </a:solidFill>
-                <a:latin typeface="Times New Roman" panose="02020603050405020304" pitchFamily="18" charset="0"/>
-                <a:cs typeface="Times New Roman" panose="02020603050405020304" pitchFamily="18" charset="0"/>
-              </a:rPr>
-              <a:t>将代码源文件、可执行文件、实验报告</a:t>
-            </a:r>
-            <a:r>
-              <a:rPr lang="zh-CN" altLang="en-US" sz="2400" kern="100" dirty="0">
-                <a:latin typeface="Times New Roman" panose="02020603050405020304" pitchFamily="18" charset="0"/>
-                <a:cs typeface="Times New Roman" panose="02020603050405020304" pitchFamily="18" charset="0"/>
-              </a:rPr>
-              <a:t>放到一个文件夹中，文件夹命名格式为：学号</a:t>
-            </a:r>
-            <a:r>
               <a:rPr lang="en-US" altLang="zh-CN" sz="2400" kern="100" dirty="0">
-                <a:latin typeface="Times New Roman" panose="02020603050405020304" pitchFamily="18" charset="0"/>
-                <a:cs typeface="Times New Roman" panose="02020603050405020304" pitchFamily="18" charset="0"/>
-              </a:rPr>
-              <a:t>_</a:t>
-            </a:r>
-            <a:r>
-              <a:rPr lang="zh-CN" altLang="en-US" sz="2400" kern="100" dirty="0">
-                <a:latin typeface="Times New Roman" panose="02020603050405020304" pitchFamily="18" charset="0"/>
-                <a:cs typeface="Times New Roman" panose="02020603050405020304" pitchFamily="18" charset="0"/>
-              </a:rPr>
-              <a:t>姓名，压缩后上传到</a:t>
+                <a:latin typeface="Arial" panose="020B0604020202020204" pitchFamily="34" charset="0"/>
+              </a:rPr>
+              <a:t>	</a:t>
+            </a:r>
+            <a:r>
+              <a:rPr lang="en-US" altLang="zh-CN" sz="2400" kern="100" dirty="0" err="1">
+                <a:latin typeface="Arial" panose="020B0604020202020204" pitchFamily="34" charset="0"/>
+              </a:rPr>
+              <a:t>glClear</a:t>
             </a:r>
             <a:r>
               <a:rPr lang="en-US" altLang="zh-CN" sz="2400" kern="100" dirty="0">
-                <a:latin typeface="Times New Roman" panose="02020603050405020304" pitchFamily="18" charset="0"/>
-                <a:cs typeface="Times New Roman" panose="02020603050405020304" pitchFamily="18" charset="0"/>
-              </a:rPr>
-              <a:t>ftp</a:t>
-            </a:r>
-            <a:r>
-              <a:rPr lang="zh-CN" altLang="en-US" sz="2400" kern="100" dirty="0">
-                <a:latin typeface="Times New Roman" panose="02020603050405020304" pitchFamily="18" charset="0"/>
-                <a:cs typeface="Times New Roman" panose="02020603050405020304" pitchFamily="18" charset="0"/>
-              </a:rPr>
-              <a:t>服务器中相应目录下（</a:t>
-            </a:r>
-            <a:r>
-              <a:rPr lang="en-US" altLang="zh-CN" sz="2400" kern="100" dirty="0">
-                <a:latin typeface="Times New Roman" panose="02020603050405020304" pitchFamily="18" charset="0"/>
-                <a:cs typeface="Times New Roman" panose="02020603050405020304" pitchFamily="18" charset="0"/>
-              </a:rPr>
-              <a:t>/</a:t>
-            </a:r>
-            <a:r>
-              <a:rPr lang="zh-CN" altLang="en-US" sz="2400" kern="100" dirty="0">
-                <a:latin typeface="Times New Roman" panose="02020603050405020304" pitchFamily="18" charset="0"/>
-                <a:cs typeface="Times New Roman" panose="02020603050405020304" pitchFamily="18" charset="0"/>
-              </a:rPr>
-              <a:t>上传作业</a:t>
-            </a:r>
-            <a:r>
-              <a:rPr lang="en-US" altLang="zh-CN" sz="2400" kern="100" dirty="0">
-                <a:latin typeface="Times New Roman" panose="02020603050405020304" pitchFamily="18" charset="0"/>
-                <a:cs typeface="Times New Roman" panose="02020603050405020304" pitchFamily="18" charset="0"/>
-              </a:rPr>
-              <a:t>/</a:t>
-            </a:r>
-            <a:r>
-              <a:rPr lang="zh-CN" altLang="en-US" sz="2400" kern="100" dirty="0">
-                <a:latin typeface="Times New Roman" panose="02020603050405020304" pitchFamily="18" charset="0"/>
-                <a:cs typeface="Times New Roman" panose="02020603050405020304" pitchFamily="18" charset="0"/>
-              </a:rPr>
-              <a:t>曾鸣</a:t>
-            </a:r>
-            <a:r>
-              <a:rPr lang="en-US" altLang="zh-CN" sz="2400" kern="100" dirty="0">
-                <a:latin typeface="Times New Roman" panose="02020603050405020304" pitchFamily="18" charset="0"/>
-                <a:cs typeface="Times New Roman" panose="02020603050405020304" pitchFamily="18" charset="0"/>
-              </a:rPr>
-              <a:t>/2024</a:t>
-            </a:r>
-            <a:r>
-              <a:rPr lang="zh-CN" altLang="en-US" sz="2400" kern="100" dirty="0">
-                <a:latin typeface="Times New Roman" panose="02020603050405020304" pitchFamily="18" charset="0"/>
-                <a:cs typeface="Times New Roman" panose="02020603050405020304" pitchFamily="18" charset="0"/>
-              </a:rPr>
-              <a:t>图形学</a:t>
-            </a:r>
-            <a:r>
-              <a:rPr lang="en-US" altLang="zh-CN" sz="2400" kern="100" dirty="0">
-                <a:latin typeface="Times New Roman" panose="02020603050405020304" pitchFamily="18" charset="0"/>
-                <a:cs typeface="Times New Roman" panose="02020603050405020304" pitchFamily="18" charset="0"/>
-              </a:rPr>
-              <a:t>/</a:t>
-            </a:r>
-            <a:r>
-              <a:rPr lang="zh-CN" altLang="en-US" sz="2400" kern="100" dirty="0">
-                <a:latin typeface="Times New Roman" panose="02020603050405020304" pitchFamily="18" charset="0"/>
-                <a:cs typeface="Times New Roman" panose="02020603050405020304" pitchFamily="18" charset="0"/>
-              </a:rPr>
-              <a:t>实验</a:t>
-            </a:r>
-            <a:r>
-              <a:rPr lang="en-US" altLang="zh-CN" sz="2400" kern="100" dirty="0">
-                <a:latin typeface="Times New Roman" panose="02020603050405020304" pitchFamily="18" charset="0"/>
-                <a:cs typeface="Times New Roman" panose="02020603050405020304" pitchFamily="18" charset="0"/>
-              </a:rPr>
-              <a:t>1</a:t>
-            </a:r>
-            <a:r>
-              <a:rPr lang="zh-CN" altLang="en-US" sz="2400" kern="100" dirty="0">
-                <a:latin typeface="Times New Roman" panose="02020603050405020304" pitchFamily="18" charset="0"/>
-                <a:cs typeface="Times New Roman" panose="02020603050405020304" pitchFamily="18" charset="0"/>
-              </a:rPr>
-              <a:t>）。</a:t>
-            </a:r>
-            <a:endParaRPr lang="en-US" altLang="zh-CN" sz="2400" kern="100" dirty="0">
-              <a:latin typeface="Times New Roman" panose="02020603050405020304" pitchFamily="18" charset="0"/>
-              <a:cs typeface="Times New Roman" panose="02020603050405020304" pitchFamily="18" charset="0"/>
-            </a:endParaRPr>
+                <a:latin typeface="Arial" panose="020B0604020202020204" pitchFamily="34" charset="0"/>
+              </a:rPr>
+              <a:t>(GL_COLOR_BUFFER_BIT | GL_DEPTH_BUFFER_BIT);</a:t>
+            </a:r>
           </a:p>
         </p:txBody>
       </p:sp>
@@ -6048,7 +6092,7 @@
         <p:spPr>
           <a:xfrm>
             <a:off x="568640" y="640140"/>
-            <a:ext cx="6950885" cy="584775"/>
+            <a:ext cx="7785138" cy="584775"/>
           </a:xfrm>
           <a:prstGeom prst="rect">
             <a:avLst/>
@@ -6061,10 +6105,13 @@
           <a:lstStyle/>
           <a:p>
             <a:r>
+              <a:rPr lang="en-US" altLang="zh-CN" sz="3200" dirty="0"/>
+              <a:t>OpenGL</a:t>
+            </a:r>
+            <a:r>
               <a:rPr lang="zh-CN" altLang="en-US" sz="3200" dirty="0"/>
-              <a:t>作业提交说明</a:t>
-            </a:r>
-            <a:endParaRPr lang="zh-CN" altLang="en-US" sz="3200" dirty="0"/>
+              <a:t>深度测试</a:t>
+            </a:r>
           </a:p>
         </p:txBody>
       </p:sp>
@@ -6081,7 +6128,13 @@
   <p:cSld>
     <p:spTree>
       <p:nvGrpSpPr>
-        <p:cNvPr id="1" name=""/>
+        <p:cNvPr id="1" name="">
+          <a:extLst>
+            <a:ext uri="{FF2B5EF4-FFF2-40B4-BE49-F238E27FC236}">
+              <a16:creationId xmlns:a16="http://schemas.microsoft.com/office/drawing/2014/main" id="{9AC857F7-8E63-DF06-13FA-E88776E05E73}"/>
+            </a:ext>
+          </a:extLst>
+        </p:cNvPr>
         <p:cNvGrpSpPr/>
         <p:nvPr/>
       </p:nvGrpSpPr>
@@ -6095,14 +6148,88 @@
       </p:grpSpPr>
       <p:sp>
         <p:nvSpPr>
-          <p:cNvPr id="4" name="文本框 3"/>
+          <p:cNvPr id="5" name="矩形 4">
+            <a:extLst>
+              <a:ext uri="{FF2B5EF4-FFF2-40B4-BE49-F238E27FC236}">
+                <a16:creationId xmlns:a16="http://schemas.microsoft.com/office/drawing/2014/main" id="{EED0B5B1-0BB9-6A77-41A4-D8BB76323B00}"/>
+              </a:ext>
+            </a:extLst>
+          </p:cNvPr>
+          <p:cNvSpPr/>
+          <p:nvPr/>
+        </p:nvSpPr>
+        <p:spPr>
+          <a:xfrm>
+            <a:off x="568640" y="640140"/>
+            <a:ext cx="7785138" cy="584775"/>
+          </a:xfrm>
+          <a:prstGeom prst="rect">
+            <a:avLst/>
+          </a:prstGeom>
+        </p:spPr>
+        <p:txBody>
+          <a:bodyPr wrap="square">
+            <a:spAutoFit/>
+          </a:bodyPr>
+          <a:lstStyle/>
+          <a:p>
+            <a:r>
+              <a:rPr lang="en-US" altLang="zh-CN" sz="3200" dirty="0"/>
+              <a:t>OpenGL</a:t>
+            </a:r>
+            <a:r>
+              <a:rPr lang="zh-CN" altLang="en-US" sz="3200" dirty="0"/>
+              <a:t>深度测试</a:t>
+            </a:r>
+          </a:p>
+        </p:txBody>
+      </p:sp>
+      <p:pic>
+        <p:nvPicPr>
+          <p:cNvPr id="7" name="图片 6">
+            <a:extLst>
+              <a:ext uri="{FF2B5EF4-FFF2-40B4-BE49-F238E27FC236}">
+                <a16:creationId xmlns:a16="http://schemas.microsoft.com/office/drawing/2014/main" id="{47E14380-F4F3-7ECB-CC13-1EE4DC60E74B}"/>
+              </a:ext>
+            </a:extLst>
+          </p:cNvPr>
+          <p:cNvPicPr>
+            <a:picLocks noChangeAspect="1"/>
+          </p:cNvPicPr>
+          <p:nvPr/>
+        </p:nvPicPr>
+        <p:blipFill>
+          <a:blip r:embed="rId3"/>
+          <a:stretch>
+            <a:fillRect/>
+          </a:stretch>
+        </p:blipFill>
+        <p:spPr>
+          <a:xfrm>
+            <a:off x="411886" y="1656980"/>
+            <a:ext cx="5562210" cy="3671304"/>
+          </a:xfrm>
+          <a:prstGeom prst="rect">
+            <a:avLst/>
+          </a:prstGeom>
+        </p:spPr>
+      </p:pic>
+      <p:sp>
+        <p:nvSpPr>
+          <p:cNvPr id="8" name="文本框 7">
+            <a:extLst>
+              <a:ext uri="{FF2B5EF4-FFF2-40B4-BE49-F238E27FC236}">
+                <a16:creationId xmlns:a16="http://schemas.microsoft.com/office/drawing/2014/main" id="{83A69222-BA11-880F-424A-C57AEAB78E0A}"/>
+              </a:ext>
+            </a:extLst>
+          </p:cNvPr>
           <p:cNvSpPr txBox="1"/>
           <p:nvPr/>
         </p:nvSpPr>
         <p:spPr>
           <a:xfrm>
-            <a:off x="1055685" y="1708648"/>
-            <a:ext cx="5693458" cy="3415030"/>
+            <a:off x="2083769" y="5328284"/>
+            <a:ext cx="2377440" cy="369332"/>
           </a:xfrm>
           <a:prstGeom prst="rect">
             <a:avLst/>
@@ -6110,212 +6237,89 @@
           <a:noFill/>
         </p:spPr>
         <p:txBody>
-          <a:bodyPr wrap="square">
+          <a:bodyPr wrap="square" rtlCol="0">
             <a:spAutoFit/>
           </a:bodyPr>
           <a:lstStyle/>
           <a:p>
-            <a:pPr marL="342900" indent="-342900" algn="just">
-              <a:lnSpc>
-                <a:spcPct val="150000"/>
-              </a:lnSpc>
-              <a:buFont typeface="Arial" panose="020B0604020202020204" pitchFamily="34" charset="0"/>
-              <a:buChar char="•"/>
-            </a:pPr>
-            <a:r>
-              <a:rPr lang="zh-CN" altLang="en-US" sz="2400" kern="100" dirty="0">
-                <a:latin typeface="Times New Roman" panose="02020603050405020304" pitchFamily="18" charset="0"/>
-                <a:cs typeface="Times New Roman" panose="02020603050405020304" pitchFamily="18" charset="0"/>
-              </a:rPr>
-              <a:t>请</a:t>
-            </a:r>
-            <a:r>
-              <a:rPr lang="zh-CN" altLang="en-US" sz="2400" kern="100" dirty="0">
-                <a:solidFill>
-                  <a:srgbClr val="FF0000"/>
-                </a:solidFill>
-                <a:latin typeface="Times New Roman" panose="02020603050405020304" pitchFamily="18" charset="0"/>
-                <a:cs typeface="Times New Roman" panose="02020603050405020304" pitchFamily="18" charset="0"/>
-              </a:rPr>
-              <a:t>确保提交的可执行文件可以运行</a:t>
-            </a:r>
-            <a:r>
-              <a:rPr lang="zh-CN" altLang="en-US" sz="2400" kern="100" dirty="0">
-                <a:latin typeface="Times New Roman" panose="02020603050405020304" pitchFamily="18" charset="0"/>
-                <a:cs typeface="Times New Roman" panose="02020603050405020304" pitchFamily="18" charset="0"/>
-              </a:rPr>
-              <a:t>（打分的重要依据）。</a:t>
-            </a:r>
-            <a:endParaRPr lang="en-US" altLang="zh-CN" sz="2400" kern="100" dirty="0">
-              <a:latin typeface="Times New Roman" panose="02020603050405020304" pitchFamily="18" charset="0"/>
-              <a:cs typeface="Times New Roman" panose="02020603050405020304" pitchFamily="18" charset="0"/>
-            </a:endParaRPr>
-          </a:p>
-          <a:p>
-            <a:pPr marL="342900" indent="-342900" algn="just">
-              <a:lnSpc>
-                <a:spcPct val="150000"/>
-              </a:lnSpc>
-              <a:buFont typeface="Arial" panose="020B0604020202020204" pitchFamily="34" charset="0"/>
-              <a:buChar char="•"/>
-            </a:pPr>
-            <a:r>
-              <a:rPr lang="zh-CN" altLang="en-US" sz="2400" kern="100" dirty="0">
-                <a:latin typeface="Times New Roman" panose="02020603050405020304" pitchFamily="18" charset="0"/>
-                <a:cs typeface="Times New Roman" panose="02020603050405020304" pitchFamily="18" charset="0"/>
-              </a:rPr>
-              <a:t>注意代码提交源文件即可（</a:t>
-            </a:r>
-            <a:r>
-              <a:rPr lang="en-US" altLang="zh-CN" sz="2400" kern="100" dirty="0">
-                <a:latin typeface="Times New Roman" panose="02020603050405020304" pitchFamily="18" charset="0"/>
-                <a:cs typeface="Times New Roman" panose="02020603050405020304" pitchFamily="18" charset="0"/>
-              </a:rPr>
-              <a:t>.h, .</a:t>
-            </a:r>
-            <a:r>
-              <a:rPr lang="en-US" altLang="zh-CN" sz="2400" kern="100" dirty="0" err="1">
-                <a:latin typeface="Times New Roman" panose="02020603050405020304" pitchFamily="18" charset="0"/>
-                <a:cs typeface="Times New Roman" panose="02020603050405020304" pitchFamily="18" charset="0"/>
-              </a:rPr>
-              <a:t>cpp</a:t>
-            </a:r>
-            <a:r>
-              <a:rPr lang="zh-CN" altLang="en-US" sz="2400" kern="100" dirty="0">
-                <a:latin typeface="Times New Roman" panose="02020603050405020304" pitchFamily="18" charset="0"/>
-                <a:cs typeface="Times New Roman" panose="02020603050405020304" pitchFamily="18" charset="0"/>
-              </a:rPr>
-              <a:t>文件），</a:t>
-            </a:r>
-            <a:r>
-              <a:rPr lang="zh-CN" altLang="en-US" sz="2400" kern="100" dirty="0">
-                <a:solidFill>
-                  <a:srgbClr val="FF0000"/>
-                </a:solidFill>
-                <a:latin typeface="Times New Roman" panose="02020603050405020304" pitchFamily="18" charset="0"/>
-                <a:cs typeface="Times New Roman" panose="02020603050405020304" pitchFamily="18" charset="0"/>
-              </a:rPr>
-              <a:t>不要提交整个工程项目</a:t>
-            </a:r>
-            <a:r>
-              <a:rPr lang="zh-CN" altLang="en-US" sz="2400" kern="100" dirty="0">
-                <a:latin typeface="Times New Roman" panose="02020603050405020304" pitchFamily="18" charset="0"/>
-                <a:cs typeface="Times New Roman" panose="02020603050405020304" pitchFamily="18" charset="0"/>
-              </a:rPr>
-              <a:t>。</a:t>
-            </a:r>
-            <a:endParaRPr lang="en-US" altLang="zh-CN" sz="2400" kern="100" dirty="0">
-              <a:latin typeface="Times New Roman" panose="02020603050405020304" pitchFamily="18" charset="0"/>
-              <a:cs typeface="Times New Roman" panose="02020603050405020304" pitchFamily="18" charset="0"/>
-            </a:endParaRPr>
-          </a:p>
-          <a:p>
-            <a:pPr marL="342900" indent="-342900" algn="just">
-              <a:lnSpc>
-                <a:spcPct val="150000"/>
-              </a:lnSpc>
-              <a:buFont typeface="Arial" panose="020B0604020202020204" pitchFamily="34" charset="0"/>
-              <a:buChar char="•"/>
-            </a:pPr>
-            <a:r>
-              <a:rPr lang="zh-CN" altLang="en-US" sz="2400" kern="100" dirty="0">
-                <a:latin typeface="Times New Roman" panose="02020603050405020304" pitchFamily="18" charset="0"/>
-                <a:cs typeface="Times New Roman" panose="02020603050405020304" pitchFamily="18" charset="0"/>
-              </a:rPr>
-              <a:t>每次实验作业的</a:t>
-            </a:r>
-            <a:r>
-              <a:rPr lang="zh-CN" altLang="en-US" sz="2400" kern="100" dirty="0">
-                <a:solidFill>
-                  <a:srgbClr val="FF0000"/>
-                </a:solidFill>
-                <a:latin typeface="Times New Roman" panose="02020603050405020304" pitchFamily="18" charset="0"/>
-                <a:cs typeface="Times New Roman" panose="02020603050405020304" pitchFamily="18" charset="0"/>
-              </a:rPr>
-              <a:t>提交截止日期为下一次理论课前一天晚上</a:t>
-            </a:r>
-            <a:r>
-              <a:rPr lang="zh-CN" altLang="en-US" sz="2400" kern="100" dirty="0">
-                <a:latin typeface="Times New Roman" panose="02020603050405020304" pitchFamily="18" charset="0"/>
-                <a:cs typeface="Times New Roman" panose="02020603050405020304" pitchFamily="18" charset="0"/>
-              </a:rPr>
-              <a:t>（</a:t>
-            </a:r>
-            <a:r>
-              <a:rPr lang="en-US" altLang="zh-CN" sz="2400" kern="100" dirty="0">
-                <a:latin typeface="Times New Roman" panose="02020603050405020304" pitchFamily="18" charset="0"/>
-                <a:cs typeface="Times New Roman" panose="02020603050405020304" pitchFamily="18" charset="0"/>
-              </a:rPr>
-              <a:t>3.28</a:t>
-            </a:r>
-            <a:r>
-              <a:rPr lang="zh-CN" altLang="en-US" sz="2400" kern="100" dirty="0">
-                <a:latin typeface="Times New Roman" panose="02020603050405020304" pitchFamily="18" charset="0"/>
-                <a:cs typeface="Times New Roman" panose="02020603050405020304" pitchFamily="18" charset="0"/>
-              </a:rPr>
-              <a:t>）。</a:t>
-            </a:r>
-            <a:endParaRPr lang="zh-CN" altLang="en-US" sz="2400" kern="100" dirty="0">
-              <a:latin typeface="Times New Roman" panose="02020603050405020304" pitchFamily="18" charset="0"/>
-              <a:cs typeface="Times New Roman" panose="02020603050405020304" pitchFamily="18" charset="0"/>
-            </a:endParaRPr>
-          </a:p>
-        </p:txBody>
-      </p:sp>
-      <p:sp>
-        <p:nvSpPr>
-          <p:cNvPr id="5" name="矩形 4"/>
-          <p:cNvSpPr/>
-          <p:nvPr/>
-        </p:nvSpPr>
-        <p:spPr>
-          <a:xfrm>
-            <a:off x="568640" y="640140"/>
-            <a:ext cx="6950885" cy="584775"/>
-          </a:xfrm>
-          <a:prstGeom prst="rect">
-            <a:avLst/>
-          </a:prstGeom>
-        </p:spPr>
-        <p:txBody>
-          <a:bodyPr wrap="square">
-            <a:spAutoFit/>
-          </a:bodyPr>
-          <a:lstStyle/>
-          <a:p>
-            <a:r>
-              <a:rPr lang="zh-CN" altLang="en-US" sz="3200" dirty="0"/>
-              <a:t>作业提交说明</a:t>
-            </a:r>
-            <a:endParaRPr lang="zh-CN" altLang="en-US" sz="3200" dirty="0"/>
+            <a:r>
+              <a:rPr lang="zh-CN" altLang="en-US" dirty="0"/>
+              <a:t>关闭深度测试</a:t>
+            </a:r>
           </a:p>
         </p:txBody>
       </p:sp>
       <p:pic>
         <p:nvPicPr>
-          <p:cNvPr id="3" name="图片 2"/>
+          <p:cNvPr id="10" name="图片 9">
+            <a:extLst>
+              <a:ext uri="{FF2B5EF4-FFF2-40B4-BE49-F238E27FC236}">
+                <a16:creationId xmlns:a16="http://schemas.microsoft.com/office/drawing/2014/main" id="{171B23BB-F87A-87C4-91BE-AC28CA413454}"/>
+              </a:ext>
+            </a:extLst>
+          </p:cNvPr>
           <p:cNvPicPr>
             <a:picLocks noChangeAspect="1"/>
           </p:cNvPicPr>
           <p:nvPr/>
         </p:nvPicPr>
         <p:blipFill>
-          <a:blip r:embed="rId1"/>
+          <a:blip r:embed="rId4"/>
           <a:stretch>
             <a:fillRect/>
           </a:stretch>
         </p:blipFill>
         <p:spPr>
           <a:xfrm>
-            <a:off x="7256342" y="1708648"/>
-            <a:ext cx="3879973" cy="2524767"/>
+            <a:off x="6300322" y="1656979"/>
+            <a:ext cx="5535245" cy="3647397"/>
           </a:xfrm>
           <a:prstGeom prst="rect">
             <a:avLst/>
           </a:prstGeom>
         </p:spPr>
       </p:pic>
+      <p:sp>
+        <p:nvSpPr>
+          <p:cNvPr id="11" name="文本框 10">
+            <a:extLst>
+              <a:ext uri="{FF2B5EF4-FFF2-40B4-BE49-F238E27FC236}">
+                <a16:creationId xmlns:a16="http://schemas.microsoft.com/office/drawing/2014/main" id="{5CC27FE7-98B4-9B4A-B64D-6F9B811D99CF}"/>
+              </a:ext>
+            </a:extLst>
+          </p:cNvPr>
+          <p:cNvSpPr txBox="1"/>
+          <p:nvPr/>
+        </p:nvSpPr>
+        <p:spPr>
+          <a:xfrm>
+            <a:off x="8353778" y="5304376"/>
+            <a:ext cx="2377440" cy="369332"/>
+          </a:xfrm>
+          <a:prstGeom prst="rect">
+            <a:avLst/>
+          </a:prstGeom>
+          <a:noFill/>
+        </p:spPr>
+        <p:txBody>
+          <a:bodyPr wrap="square" rtlCol="0">
+            <a:spAutoFit/>
+          </a:bodyPr>
+          <a:lstStyle/>
+          <a:p>
+            <a:r>
+              <a:rPr lang="zh-CN" altLang="en-US" dirty="0"/>
+              <a:t>开启深度测试</a:t>
+            </a:r>
+          </a:p>
+        </p:txBody>
+      </p:sp>
     </p:spTree>
+    <p:extLst>
+      <p:ext uri="{BB962C8B-B14F-4D97-AF65-F5344CB8AC3E}">
+        <p14:creationId xmlns:p14="http://schemas.microsoft.com/office/powerpoint/2010/main" val="2209257682"/>
+      </p:ext>
+    </p:extLst>
   </p:cSld>
   <p:clrMapOvr>
     <a:masterClrMapping/>
@@ -6348,8 +6352,8 @@
         </p:nvSpPr>
         <p:spPr>
           <a:xfrm>
-            <a:off x="1021819" y="1697359"/>
-            <a:ext cx="9765552" cy="4454233"/>
+            <a:off x="1055685" y="1708648"/>
+            <a:ext cx="9765552" cy="3415030"/>
           </a:xfrm>
           <a:prstGeom prst="rect">
             <a:avLst/>
@@ -6374,21 +6378,17 @@
                 <a:latin typeface="Times New Roman" panose="02020603050405020304" pitchFamily="18" charset="0"/>
                 <a:cs typeface="Times New Roman" panose="02020603050405020304" pitchFamily="18" charset="0"/>
               </a:rPr>
-              <a:t>未按时提交扣</a:t>
+              <a:t>本次实验只需要提交</a:t>
             </a:r>
             <a:r>
               <a:rPr lang="en-US" altLang="zh-CN" sz="2400" kern="100" dirty="0">
-                <a:latin typeface="Times New Roman" panose="02020603050405020304" pitchFamily="18" charset="0"/>
-                <a:cs typeface="Times New Roman" panose="02020603050405020304" pitchFamily="18" charset="0"/>
-              </a:rPr>
-              <a:t>10</a:t>
-            </a:r>
-            <a:r>
-              <a:rPr lang="zh-CN" altLang="en-US" sz="2400" kern="100" dirty="0">
-                <a:latin typeface="Times New Roman" panose="02020603050405020304" pitchFamily="18" charset="0"/>
-                <a:cs typeface="Times New Roman" panose="02020603050405020304" pitchFamily="18" charset="0"/>
-              </a:rPr>
-              <a:t>分，超时一周则</a:t>
+                <a:solidFill>
+                  <a:srgbClr val="FF0000"/>
+                </a:solidFill>
+                <a:latin typeface="Times New Roman" panose="02020603050405020304" pitchFamily="18" charset="0"/>
+                <a:cs typeface="Times New Roman" panose="02020603050405020304" pitchFamily="18" charset="0"/>
+              </a:rPr>
+              <a:t>Task2</a:t>
             </a:r>
             <a:r>
               <a:rPr lang="zh-CN" altLang="en-US" sz="2400" kern="100" dirty="0">
@@ -6398,15 +6398,18 @@
                 <a:latin typeface="Times New Roman" panose="02020603050405020304" pitchFamily="18" charset="0"/>
                 <a:cs typeface="Times New Roman" panose="02020603050405020304" pitchFamily="18" charset="0"/>
               </a:rPr>
-              <a:t>取消本次作业分数</a:t>
-            </a:r>
-            <a:endParaRPr lang="en-US" altLang="zh-CN" sz="2400" kern="100" dirty="0">
-              <a:solidFill>
-                <a:srgbClr val="FF0000"/>
-              </a:solidFill>
-              <a:latin typeface="Times New Roman" panose="02020603050405020304" pitchFamily="18" charset="0"/>
-              <a:cs typeface="Times New Roman" panose="02020603050405020304" pitchFamily="18" charset="0"/>
-            </a:endParaRPr>
+              <a:t>、</a:t>
+            </a:r>
+            <a:r>
+              <a:rPr lang="en-US" altLang="zh-CN" sz="2400" kern="100" dirty="0">
+                <a:solidFill>
+                  <a:srgbClr val="FF0000"/>
+                </a:solidFill>
+                <a:latin typeface="Times New Roman" panose="02020603050405020304" pitchFamily="18" charset="0"/>
+                <a:cs typeface="Times New Roman" panose="02020603050405020304" pitchFamily="18" charset="0"/>
+              </a:rPr>
+              <a:t>3</a:t>
+            </a:r>
           </a:p>
           <a:p>
             <a:pPr marL="342900" indent="-342900" algn="just">
@@ -6421,21 +6424,21 @@
                 <a:latin typeface="Times New Roman" panose="02020603050405020304" pitchFamily="18" charset="0"/>
                 <a:cs typeface="Times New Roman" panose="02020603050405020304" pitchFamily="18" charset="0"/>
               </a:rPr>
-              <a:t>运行效果不一致扣</a:t>
+              <a:t>请根据实验结果，提交</a:t>
             </a:r>
             <a:r>
               <a:rPr lang="en-US" altLang="zh-CN" sz="2400" kern="100" dirty="0">
                 <a:latin typeface="Times New Roman" panose="02020603050405020304" pitchFamily="18" charset="0"/>
                 <a:cs typeface="Times New Roman" panose="02020603050405020304" pitchFamily="18" charset="0"/>
               </a:rPr>
-              <a:t>20</a:t>
+              <a:t>word</a:t>
             </a:r>
             <a:r>
               <a:rPr lang="zh-CN" altLang="en-US" sz="2400" kern="100" dirty="0">
                 <a:latin typeface="Times New Roman" panose="02020603050405020304" pitchFamily="18" charset="0"/>
                 <a:cs typeface="Times New Roman" panose="02020603050405020304" pitchFamily="18" charset="0"/>
               </a:rPr>
-              <a:t>分</a:t>
+              <a:t>版本实验报告，实验报告写明学号姓名，陈述、展示实验结果。</a:t>
             </a:r>
             <a:endParaRPr lang="en-US" altLang="zh-CN" sz="2400" kern="100" dirty="0">
               <a:latin typeface="Times New Roman" panose="02020603050405020304" pitchFamily="18" charset="0"/>
@@ -6455,171 +6458,8 @@
                 <a:latin typeface="Times New Roman" panose="02020603050405020304" pitchFamily="18" charset="0"/>
                 <a:cs typeface="Times New Roman" panose="02020603050405020304" pitchFamily="18" charset="0"/>
               </a:rPr>
-              <a:t>未提交可执行文件扣</a:t>
-            </a:r>
-            <a:r>
-              <a:rPr lang="en-US" altLang="zh-CN" sz="2400" kern="100" dirty="0">
-                <a:latin typeface="Times New Roman" panose="02020603050405020304" pitchFamily="18" charset="0"/>
-                <a:cs typeface="Times New Roman" panose="02020603050405020304" pitchFamily="18" charset="0"/>
-              </a:rPr>
-              <a:t>15</a:t>
-            </a:r>
-            <a:r>
-              <a:rPr lang="zh-CN" altLang="en-US" sz="2400" kern="100" dirty="0">
-                <a:latin typeface="Times New Roman" panose="02020603050405020304" pitchFamily="18" charset="0"/>
-                <a:cs typeface="Times New Roman" panose="02020603050405020304" pitchFamily="18" charset="0"/>
-              </a:rPr>
-              <a:t>分</a:t>
-            </a:r>
-            <a:endParaRPr lang="en-US" altLang="zh-CN" sz="2400" kern="100" dirty="0">
-              <a:latin typeface="Times New Roman" panose="02020603050405020304" pitchFamily="18" charset="0"/>
-              <a:cs typeface="Times New Roman" panose="02020603050405020304" pitchFamily="18" charset="0"/>
-            </a:endParaRPr>
-          </a:p>
-          <a:p>
-            <a:pPr marL="342900" indent="-342900" algn="just">
-              <a:lnSpc>
-                <a:spcPct val="150000"/>
-              </a:lnSpc>
-              <a:buFont typeface="Arial" panose="020B0604020202020204" pitchFamily="34" charset="0"/>
-              <a:buChar char="•"/>
-            </a:pPr>
-            <a:r>
-              <a:rPr lang="zh-CN" altLang="en-US" sz="2400" kern="100" dirty="0">
-                <a:latin typeface="Times New Roman" panose="02020603050405020304" pitchFamily="18" charset="0"/>
-                <a:cs typeface="Times New Roman" panose="02020603050405020304" pitchFamily="18" charset="0"/>
-              </a:rPr>
-              <a:t>未提交代码扣</a:t>
-            </a:r>
-            <a:r>
-              <a:rPr lang="en-US" altLang="zh-CN" sz="2400" kern="100" dirty="0">
-                <a:latin typeface="Times New Roman" panose="02020603050405020304" pitchFamily="18" charset="0"/>
-                <a:cs typeface="Times New Roman" panose="02020603050405020304" pitchFamily="18" charset="0"/>
-              </a:rPr>
-              <a:t>15</a:t>
-            </a:r>
-            <a:r>
-              <a:rPr lang="zh-CN" altLang="en-US" sz="2400" kern="100" dirty="0">
-                <a:latin typeface="Times New Roman" panose="02020603050405020304" pitchFamily="18" charset="0"/>
-                <a:cs typeface="Times New Roman" panose="02020603050405020304" pitchFamily="18" charset="0"/>
-              </a:rPr>
-              <a:t>分</a:t>
-            </a:r>
-            <a:endParaRPr lang="en-US" altLang="zh-CN" sz="2400" kern="100" dirty="0">
-              <a:latin typeface="Times New Roman" panose="02020603050405020304" pitchFamily="18" charset="0"/>
-              <a:cs typeface="Times New Roman" panose="02020603050405020304" pitchFamily="18" charset="0"/>
-            </a:endParaRPr>
-          </a:p>
-          <a:p>
-            <a:pPr marL="342900" indent="-342900" algn="just">
-              <a:lnSpc>
-                <a:spcPct val="150000"/>
-              </a:lnSpc>
-              <a:buFont typeface="Arial" panose="020B0604020202020204" pitchFamily="34" charset="0"/>
-              <a:buChar char="•"/>
-            </a:pPr>
-            <a:r>
-              <a:rPr lang="zh-CN" altLang="en-US" sz="2400" kern="100" dirty="0">
-                <a:latin typeface="Times New Roman" panose="02020603050405020304" pitchFamily="18" charset="0"/>
-                <a:cs typeface="Times New Roman" panose="02020603050405020304" pitchFamily="18" charset="0"/>
-              </a:rPr>
-              <a:t>提交了工程扣</a:t>
-            </a:r>
-            <a:r>
-              <a:rPr lang="en-US" altLang="zh-CN" sz="2400" kern="100" dirty="0">
-                <a:latin typeface="Times New Roman" panose="02020603050405020304" pitchFamily="18" charset="0"/>
-                <a:cs typeface="Times New Roman" panose="02020603050405020304" pitchFamily="18" charset="0"/>
-              </a:rPr>
-              <a:t>10</a:t>
-            </a:r>
-            <a:r>
-              <a:rPr lang="zh-CN" altLang="en-US" sz="2400" kern="100" dirty="0">
-                <a:latin typeface="Times New Roman" panose="02020603050405020304" pitchFamily="18" charset="0"/>
-                <a:cs typeface="Times New Roman" panose="02020603050405020304" pitchFamily="18" charset="0"/>
-              </a:rPr>
-              <a:t>分 </a:t>
-            </a:r>
-            <a:endParaRPr lang="en-US" altLang="zh-CN" sz="2400" kern="100" dirty="0">
-              <a:latin typeface="Times New Roman" panose="02020603050405020304" pitchFamily="18" charset="0"/>
-              <a:cs typeface="Times New Roman" panose="02020603050405020304" pitchFamily="18" charset="0"/>
-            </a:endParaRPr>
-          </a:p>
-          <a:p>
-            <a:pPr marL="342900" indent="-342900" algn="just">
-              <a:lnSpc>
-                <a:spcPct val="150000"/>
-              </a:lnSpc>
-              <a:buFont typeface="Arial" panose="020B0604020202020204" pitchFamily="34" charset="0"/>
-              <a:buChar char="•"/>
-            </a:pPr>
-            <a:r>
-              <a:rPr lang="zh-CN" altLang="en-US" sz="2400" kern="100" dirty="0">
-                <a:latin typeface="Times New Roman" panose="02020603050405020304" pitchFamily="18" charset="0"/>
-                <a:cs typeface="Times New Roman" panose="02020603050405020304" pitchFamily="18" charset="0"/>
-              </a:rPr>
-              <a:t>文档不详细扣</a:t>
-            </a:r>
-            <a:r>
-              <a:rPr lang="en-US" altLang="zh-CN" sz="2400" kern="100" dirty="0">
-                <a:latin typeface="Times New Roman" panose="02020603050405020304" pitchFamily="18" charset="0"/>
-                <a:cs typeface="Times New Roman" panose="02020603050405020304" pitchFamily="18" charset="0"/>
-              </a:rPr>
-              <a:t>10</a:t>
-            </a:r>
-            <a:r>
-              <a:rPr lang="zh-CN" altLang="en-US" sz="2400" kern="100" dirty="0">
-                <a:latin typeface="Times New Roman" panose="02020603050405020304" pitchFamily="18" charset="0"/>
-                <a:cs typeface="Times New Roman" panose="02020603050405020304" pitchFamily="18" charset="0"/>
-              </a:rPr>
-              <a:t>分</a:t>
-            </a:r>
-            <a:endParaRPr lang="en-US" altLang="zh-CN" sz="2400" kern="100" dirty="0">
-              <a:latin typeface="Times New Roman" panose="02020603050405020304" pitchFamily="18" charset="0"/>
-              <a:cs typeface="Times New Roman" panose="02020603050405020304" pitchFamily="18" charset="0"/>
-            </a:endParaRPr>
-          </a:p>
-          <a:p>
-            <a:pPr marL="342900" indent="-342900" algn="just">
-              <a:lnSpc>
-                <a:spcPct val="150000"/>
-              </a:lnSpc>
-              <a:buFont typeface="Arial" panose="020B0604020202020204" pitchFamily="34" charset="0"/>
-              <a:buChar char="•"/>
-            </a:pPr>
-            <a:r>
-              <a:rPr lang="zh-CN" altLang="en-US" sz="2400" kern="100" dirty="0">
-                <a:latin typeface="Times New Roman" panose="02020603050405020304" pitchFamily="18" charset="0"/>
-                <a:cs typeface="Times New Roman" panose="02020603050405020304" pitchFamily="18" charset="0"/>
-              </a:rPr>
-              <a:t>做出附加题加</a:t>
-            </a:r>
-            <a:r>
-              <a:rPr lang="en-US" altLang="zh-CN" sz="2400" kern="100" dirty="0">
-                <a:latin typeface="Times New Roman" panose="02020603050405020304" pitchFamily="18" charset="0"/>
-                <a:cs typeface="Times New Roman" panose="02020603050405020304" pitchFamily="18" charset="0"/>
-              </a:rPr>
-              <a:t>10</a:t>
-            </a:r>
-            <a:r>
-              <a:rPr lang="zh-CN" altLang="en-US" sz="2400" kern="100" dirty="0">
-                <a:latin typeface="Times New Roman" panose="02020603050405020304" pitchFamily="18" charset="0"/>
-                <a:cs typeface="Times New Roman" panose="02020603050405020304" pitchFamily="18" charset="0"/>
-              </a:rPr>
-              <a:t>分，不做不扣分</a:t>
-            </a:r>
-            <a:endParaRPr lang="en-US" altLang="zh-CN" sz="2400" kern="100" dirty="0">
-              <a:latin typeface="Times New Roman" panose="02020603050405020304" pitchFamily="18" charset="0"/>
-              <a:cs typeface="Times New Roman" panose="02020603050405020304" pitchFamily="18" charset="0"/>
-            </a:endParaRPr>
-          </a:p>
-          <a:p>
-            <a:pPr marL="342900" indent="-342900" algn="just">
-              <a:lnSpc>
-                <a:spcPct val="150000"/>
-              </a:lnSpc>
-              <a:buFont typeface="Arial" panose="020B0604020202020204" pitchFamily="34" charset="0"/>
-              <a:buChar char="•"/>
-            </a:pPr>
+              <a:t>提交方式为：</a:t>
+            </a:r>
             <a:r>
               <a:rPr lang="zh-CN" altLang="en-US" sz="2400" kern="100" dirty="0">
                 <a:solidFill>
@@ -6628,32 +6468,114 @@
                 <a:latin typeface="Times New Roman" panose="02020603050405020304" pitchFamily="18" charset="0"/>
                 <a:cs typeface="Times New Roman" panose="02020603050405020304" pitchFamily="18" charset="0"/>
               </a:rPr>
-              <a:t>抄袭本次作业直接</a:t>
+              <a:t>将代码源文件、可执行文件、实验报告</a:t>
+            </a:r>
+            <a:r>
+              <a:rPr lang="zh-CN" altLang="en-US" sz="2400" kern="100" dirty="0">
+                <a:latin typeface="Times New Roman" panose="02020603050405020304" pitchFamily="18" charset="0"/>
+                <a:cs typeface="Times New Roman" panose="02020603050405020304" pitchFamily="18" charset="0"/>
+              </a:rPr>
+              <a:t>放到一个文件夹中，文件夹命名格式为：学号</a:t>
             </a:r>
             <a:r>
               <a:rPr lang="en-US" altLang="zh-CN" sz="2400" kern="100" dirty="0">
-                <a:solidFill>
-                  <a:srgbClr val="FF0000"/>
-                </a:solidFill>
-                <a:latin typeface="Times New Roman" panose="02020603050405020304" pitchFamily="18" charset="0"/>
-                <a:cs typeface="Times New Roman" panose="02020603050405020304" pitchFamily="18" charset="0"/>
-              </a:rPr>
-              <a:t>0</a:t>
+                <a:latin typeface="Times New Roman" panose="02020603050405020304" pitchFamily="18" charset="0"/>
+                <a:cs typeface="Times New Roman" panose="02020603050405020304" pitchFamily="18" charset="0"/>
+              </a:rPr>
+              <a:t>_</a:t>
             </a:r>
             <a:r>
               <a:rPr lang="zh-CN" altLang="en-US" sz="2400" kern="100" dirty="0">
-                <a:solidFill>
-                  <a:srgbClr val="FF0000"/>
-                </a:solidFill>
-                <a:latin typeface="Times New Roman" panose="02020603050405020304" pitchFamily="18" charset="0"/>
-                <a:cs typeface="Times New Roman" panose="02020603050405020304" pitchFamily="18" charset="0"/>
-              </a:rPr>
-              <a:t>分</a:t>
-            </a:r>
-            <a:endParaRPr lang="zh-CN" altLang="en-US" sz="2400" kern="100" dirty="0">
-              <a:solidFill>
-                <a:srgbClr val="FF0000"/>
-              </a:solidFill>
+                <a:latin typeface="Times New Roman" panose="02020603050405020304" pitchFamily="18" charset="0"/>
+                <a:cs typeface="Times New Roman" panose="02020603050405020304" pitchFamily="18" charset="0"/>
+              </a:rPr>
+              <a:t>姓名，压缩后上传到</a:t>
+            </a:r>
+            <a:r>
+              <a:rPr lang="en-US" altLang="zh-CN" sz="2400" kern="100" dirty="0">
+                <a:latin typeface="Times New Roman" panose="02020603050405020304" pitchFamily="18" charset="0"/>
+                <a:cs typeface="Times New Roman" panose="02020603050405020304" pitchFamily="18" charset="0"/>
+              </a:rPr>
+              <a:t>ftp</a:t>
+            </a:r>
+            <a:r>
+              <a:rPr lang="zh-CN" altLang="en-US" sz="2400" kern="100" dirty="0">
+                <a:latin typeface="Times New Roman" panose="02020603050405020304" pitchFamily="18" charset="0"/>
+                <a:cs typeface="Times New Roman" panose="02020603050405020304" pitchFamily="18" charset="0"/>
+              </a:rPr>
+              <a:t>服务器中相应目录下（</a:t>
+            </a:r>
+            <a:r>
+              <a:rPr lang="en-US" altLang="zh-CN" sz="2400" kern="100" dirty="0">
+                <a:latin typeface="Times New Roman" panose="02020603050405020304" pitchFamily="18" charset="0"/>
+                <a:cs typeface="Times New Roman" panose="02020603050405020304" pitchFamily="18" charset="0"/>
+              </a:rPr>
+              <a:t>/</a:t>
+            </a:r>
+            <a:r>
+              <a:rPr lang="zh-CN" altLang="en-US" sz="2400" kern="100" dirty="0">
+                <a:latin typeface="Times New Roman" panose="02020603050405020304" pitchFamily="18" charset="0"/>
+                <a:cs typeface="Times New Roman" panose="02020603050405020304" pitchFamily="18" charset="0"/>
+              </a:rPr>
+              <a:t>上传作业</a:t>
+            </a:r>
+            <a:r>
+              <a:rPr lang="en-US" altLang="zh-CN" sz="2400" kern="100" dirty="0">
+                <a:latin typeface="Times New Roman" panose="02020603050405020304" pitchFamily="18" charset="0"/>
+                <a:cs typeface="Times New Roman" panose="02020603050405020304" pitchFamily="18" charset="0"/>
+              </a:rPr>
+              <a:t>/</a:t>
+            </a:r>
+            <a:r>
+              <a:rPr lang="zh-CN" altLang="en-US" sz="2400" kern="100" dirty="0">
+                <a:latin typeface="Times New Roman" panose="02020603050405020304" pitchFamily="18" charset="0"/>
+                <a:cs typeface="Times New Roman" panose="02020603050405020304" pitchFamily="18" charset="0"/>
+              </a:rPr>
+              <a:t>曾鸣</a:t>
+            </a:r>
+            <a:r>
+              <a:rPr lang="en-US" altLang="zh-CN" sz="2400" kern="100" dirty="0">
+                <a:latin typeface="Times New Roman" panose="02020603050405020304" pitchFamily="18" charset="0"/>
+                <a:cs typeface="Times New Roman" panose="02020603050405020304" pitchFamily="18" charset="0"/>
+              </a:rPr>
+              <a:t>/2025</a:t>
+            </a:r>
+            <a:r>
+              <a:rPr lang="zh-CN" altLang="en-US" sz="2400" kern="100" dirty="0">
+                <a:latin typeface="Times New Roman" panose="02020603050405020304" pitchFamily="18" charset="0"/>
+                <a:cs typeface="Times New Roman" panose="02020603050405020304" pitchFamily="18" charset="0"/>
+              </a:rPr>
+              <a:t>图形学</a:t>
+            </a:r>
+            <a:r>
+              <a:rPr lang="en-US" altLang="zh-CN" sz="2400" kern="100" dirty="0">
+                <a:latin typeface="Times New Roman" panose="02020603050405020304" pitchFamily="18" charset="0"/>
+                <a:cs typeface="Times New Roman" panose="02020603050405020304" pitchFamily="18" charset="0"/>
+              </a:rPr>
+              <a:t>/</a:t>
+            </a:r>
+            <a:r>
+              <a:rPr lang="zh-CN" altLang="en-US" sz="2400" kern="100" dirty="0">
+                <a:latin typeface="Times New Roman" panose="02020603050405020304" pitchFamily="18" charset="0"/>
+                <a:cs typeface="Times New Roman" panose="02020603050405020304" pitchFamily="18" charset="0"/>
+              </a:rPr>
+              <a:t>实验</a:t>
+            </a:r>
+            <a:r>
+              <a:rPr lang="en-US" altLang="zh-CN" sz="2400" kern="100" dirty="0">
+                <a:latin typeface="Times New Roman" panose="02020603050405020304" pitchFamily="18" charset="0"/>
+                <a:cs typeface="Times New Roman" panose="02020603050405020304" pitchFamily="18" charset="0"/>
+              </a:rPr>
+              <a:t>1</a:t>
+            </a:r>
+            <a:r>
+              <a:rPr lang="zh-CN" altLang="en-US" sz="2400" kern="100" dirty="0">
+                <a:latin typeface="Times New Roman" panose="02020603050405020304" pitchFamily="18" charset="0"/>
+                <a:cs typeface="Times New Roman" panose="02020603050405020304" pitchFamily="18" charset="0"/>
+              </a:rPr>
+              <a:t>）。</a:t>
+            </a:r>
+            <a:endParaRPr lang="en-US" altLang="zh-CN" sz="2400" kern="100" dirty="0">
               <a:latin typeface="Times New Roman" panose="02020603050405020304" pitchFamily="18" charset="0"/>
               <a:cs typeface="Times New Roman" panose="02020603050405020304" pitchFamily="18" charset="0"/>
             </a:endParaRPr>
@@ -6683,9 +6605,174 @@
           <a:p>
             <a:r>
               <a:rPr lang="zh-CN" altLang="en-US" sz="3200" dirty="0"/>
-              <a:t>评分标准</a:t>
-            </a:r>
-            <a:endParaRPr lang="en-US" altLang="zh-CN" sz="3200" dirty="0"/>
+              <a:t>作业提交说明</a:t>
+            </a:r>
+          </a:p>
+        </p:txBody>
+      </p:sp>
+      <p:sp>
+        <p:nvSpPr>
+          <p:cNvPr id="2" name="文本框 1">
+            <a:extLst>
+              <a:ext uri="{FF2B5EF4-FFF2-40B4-BE49-F238E27FC236}">
+                <a16:creationId xmlns:a16="http://schemas.microsoft.com/office/drawing/2014/main" id="{BC3D39B4-B654-E813-DF90-595ED41DE18D}"/>
+              </a:ext>
+            </a:extLst>
+          </p:cNvPr>
+          <p:cNvSpPr txBox="1"/>
+          <p:nvPr/>
+        </p:nvSpPr>
+        <p:spPr>
+          <a:xfrm>
+            <a:off x="8438606" y="4807132"/>
+            <a:ext cx="4153988" cy="1938992"/>
+          </a:xfrm>
+          <a:prstGeom prst="rect">
+            <a:avLst/>
+          </a:prstGeom>
+          <a:noFill/>
+        </p:spPr>
+        <p:txBody>
+          <a:bodyPr wrap="square" rtlCol="0">
+            <a:spAutoFit/>
+          </a:bodyPr>
+          <a:lstStyle/>
+          <a:p>
+            <a:r>
+              <a:rPr lang="zh-CN" altLang="en-US" sz="2400" b="1" dirty="0">
+                <a:solidFill>
+                  <a:srgbClr val="FF0000"/>
+                </a:solidFill>
+                <a:latin typeface="+mn-ea"/>
+              </a:rPr>
+              <a:t>错误命名：</a:t>
+            </a:r>
+            <a:endParaRPr lang="en-US" altLang="zh-CN" sz="2400" b="1" dirty="0">
+              <a:solidFill>
+                <a:srgbClr val="FF0000"/>
+              </a:solidFill>
+              <a:latin typeface="+mn-ea"/>
+            </a:endParaRPr>
+          </a:p>
+          <a:p>
+            <a:r>
+              <a:rPr lang="zh-CN" altLang="en-US" sz="2400" dirty="0">
+                <a:latin typeface="+mn-ea"/>
+              </a:rPr>
+              <a:t>学号</a:t>
+            </a:r>
+            <a:r>
+              <a:rPr lang="en-US" altLang="zh-CN" sz="2400" dirty="0">
+                <a:latin typeface="+mn-ea"/>
+              </a:rPr>
+              <a:t>+</a:t>
+            </a:r>
+            <a:r>
+              <a:rPr lang="zh-CN" altLang="en-US" sz="2400" dirty="0">
+                <a:latin typeface="+mn-ea"/>
+              </a:rPr>
+              <a:t>姓名</a:t>
+            </a:r>
+            <a:endParaRPr lang="en-US" altLang="zh-CN" sz="2400" dirty="0">
+              <a:latin typeface="Times New Roman" panose="02020603050405020304" pitchFamily="18" charset="0"/>
+              <a:cs typeface="Times New Roman" panose="02020603050405020304" pitchFamily="18" charset="0"/>
+            </a:endParaRPr>
+          </a:p>
+          <a:p>
+            <a:r>
+              <a:rPr lang="zh-CN" altLang="en-US" sz="2400" dirty="0">
+                <a:latin typeface="+mn-ea"/>
+              </a:rPr>
+              <a:t>学号</a:t>
+            </a:r>
+            <a:r>
+              <a:rPr lang="en-US" altLang="zh-CN" sz="2400" dirty="0">
+                <a:latin typeface="+mn-ea"/>
+              </a:rPr>
+              <a:t>_</a:t>
+            </a:r>
+            <a:r>
+              <a:rPr lang="zh-CN" altLang="en-US" sz="2400" dirty="0">
+                <a:latin typeface="+mn-ea"/>
+              </a:rPr>
+              <a:t>姓名</a:t>
+            </a:r>
+            <a:r>
+              <a:rPr lang="en-US" altLang="zh-CN" sz="2400" dirty="0">
+                <a:latin typeface="+mn-ea"/>
+              </a:rPr>
+              <a:t>_</a:t>
+            </a:r>
+            <a:r>
+              <a:rPr lang="zh-CN" altLang="en-US" sz="2400" dirty="0">
+                <a:latin typeface="+mn-ea"/>
+              </a:rPr>
+              <a:t>实验</a:t>
+            </a:r>
+            <a:r>
+              <a:rPr lang="en-US" altLang="zh-CN" sz="2400" dirty="0">
+                <a:latin typeface="+mn-ea"/>
+              </a:rPr>
+              <a:t>0</a:t>
+            </a:r>
+            <a:endParaRPr lang="en-US" altLang="zh-CN" sz="2400" dirty="0">
+              <a:latin typeface="Times New Roman" panose="02020603050405020304" pitchFamily="18" charset="0"/>
+              <a:cs typeface="Times New Roman" panose="02020603050405020304" pitchFamily="18" charset="0"/>
+            </a:endParaRPr>
+          </a:p>
+          <a:p>
+            <a:r>
+              <a:rPr lang="zh-CN" altLang="en-US" sz="2400" dirty="0">
+                <a:latin typeface="+mn-ea"/>
+              </a:rPr>
+              <a:t>学号</a:t>
+            </a:r>
+            <a:r>
+              <a:rPr lang="en-US" altLang="zh-CN" sz="2400" dirty="0">
+                <a:latin typeface="+mn-ea"/>
+              </a:rPr>
+              <a:t>_</a:t>
+            </a:r>
+            <a:r>
+              <a:rPr lang="zh-CN" altLang="en-US" sz="2400" dirty="0">
+                <a:latin typeface="+mn-ea"/>
+              </a:rPr>
+              <a:t>姓名</a:t>
+            </a:r>
+            <a:r>
+              <a:rPr lang="en-US" altLang="zh-CN" sz="2400" dirty="0">
+                <a:latin typeface="+mn-ea"/>
+              </a:rPr>
+              <a:t>_lab0</a:t>
+            </a:r>
+            <a:endParaRPr lang="en-US" altLang="zh-CN" sz="2400" dirty="0">
+              <a:latin typeface="Times New Roman" panose="02020603050405020304" pitchFamily="18" charset="0"/>
+              <a:cs typeface="Times New Roman" panose="02020603050405020304" pitchFamily="18" charset="0"/>
+            </a:endParaRPr>
+          </a:p>
+          <a:p>
+            <a:r>
+              <a:rPr lang="zh-CN" altLang="en-US" sz="2400" dirty="0">
+                <a:latin typeface="+mn-ea"/>
+              </a:rPr>
+              <a:t>姓名</a:t>
+            </a:r>
+            <a:r>
+              <a:rPr lang="en-US" altLang="zh-CN" sz="2400" dirty="0">
+                <a:latin typeface="+mn-ea"/>
+              </a:rPr>
+              <a:t>_</a:t>
+            </a:r>
+            <a:r>
+              <a:rPr lang="zh-CN" altLang="en-US" sz="2400" dirty="0">
+                <a:latin typeface="+mn-ea"/>
+              </a:rPr>
+              <a:t>学号</a:t>
+            </a:r>
+            <a:endParaRPr lang="zh-CN" altLang="en-US" sz="2400" dirty="0">
+              <a:latin typeface="Times New Roman" panose="02020603050405020304" pitchFamily="18" charset="0"/>
+              <a:cs typeface="Times New Roman" panose="02020603050405020304" pitchFamily="18" charset="0"/>
+            </a:endParaRPr>
           </a:p>
         </p:txBody>
       </p:sp>
@@ -6723,7 +6810,7 @@
         <p:spPr>
           <a:xfrm>
             <a:off x="1055685" y="1708648"/>
-            <a:ext cx="9765552" cy="5008230"/>
+            <a:ext cx="5693458" cy="3415030"/>
           </a:xfrm>
           <a:prstGeom prst="rect">
             <a:avLst/>
@@ -6748,9 +6835,26 @@
                 <a:latin typeface="Times New Roman" panose="02020603050405020304" pitchFamily="18" charset="0"/>
                 <a:cs typeface="Times New Roman" panose="02020603050405020304" pitchFamily="18" charset="0"/>
               </a:rPr>
-              <a:t>封面整齐。</a:t>
-            </a:r>
-            <a:endParaRPr lang="zh-CN" altLang="en-US" sz="2400" kern="100" dirty="0">
+              <a:t>请</a:t>
+            </a:r>
+            <a:r>
+              <a:rPr lang="zh-CN" altLang="en-US" sz="2400" kern="100" dirty="0">
+                <a:solidFill>
+                  <a:srgbClr val="FF0000"/>
+                </a:solidFill>
+                <a:latin typeface="Times New Roman" panose="02020603050405020304" pitchFamily="18" charset="0"/>
+                <a:cs typeface="Times New Roman" panose="02020603050405020304" pitchFamily="18" charset="0"/>
+              </a:rPr>
+              <a:t>确保提交的可执行文件可以运行</a:t>
+            </a:r>
+            <a:r>
+              <a:rPr lang="zh-CN" altLang="en-US" sz="2400" kern="100" dirty="0">
+                <a:latin typeface="Times New Roman" panose="02020603050405020304" pitchFamily="18" charset="0"/>
+                <a:cs typeface="Times New Roman" panose="02020603050405020304" pitchFamily="18" charset="0"/>
+              </a:rPr>
+              <a:t>（打分的重要依据）。</a:t>
+            </a:r>
+            <a:endParaRPr lang="en-US" altLang="zh-CN" sz="2400" kern="100" dirty="0">
               <a:latin typeface="Times New Roman" panose="02020603050405020304" pitchFamily="18" charset="0"/>
               <a:cs typeface="Times New Roman" panose="02020603050405020304" pitchFamily="18" charset="0"/>
             </a:endParaRPr>
@@ -6768,113 +6872,97 @@
                 <a:latin typeface="Times New Roman" panose="02020603050405020304" pitchFamily="18" charset="0"/>
                 <a:cs typeface="Times New Roman" panose="02020603050405020304" pitchFamily="18" charset="0"/>
               </a:rPr>
-              <a:t>内容详实，结构合理。</a:t>
-            </a:r>
-            <a:endParaRPr lang="zh-CN" altLang="en-US" sz="2400" kern="100" dirty="0">
-              <a:latin typeface="Times New Roman" panose="02020603050405020304" pitchFamily="18" charset="0"/>
-              <a:cs typeface="Times New Roman" panose="02020603050405020304" pitchFamily="18" charset="0"/>
-            </a:endParaRPr>
-          </a:p>
-          <a:p>
-            <a:pPr algn="just">
-              <a:lnSpc>
-                <a:spcPct val="150000"/>
-              </a:lnSpc>
-            </a:pPr>
+              <a:t>注意代码提交源文件即可（</a:t>
+            </a:r>
+            <a:r>
+              <a:rPr lang="en-US" altLang="zh-CN" sz="2400" kern="100" dirty="0">
+                <a:latin typeface="Times New Roman" panose="02020603050405020304" pitchFamily="18" charset="0"/>
+                <a:cs typeface="Times New Roman" panose="02020603050405020304" pitchFamily="18" charset="0"/>
+              </a:rPr>
+              <a:t>.h, .</a:t>
+            </a:r>
+            <a:r>
+              <a:rPr lang="en-US" altLang="zh-CN" sz="2400" kern="100" dirty="0" err="1">
+                <a:latin typeface="Times New Roman" panose="02020603050405020304" pitchFamily="18" charset="0"/>
+                <a:cs typeface="Times New Roman" panose="02020603050405020304" pitchFamily="18" charset="0"/>
+              </a:rPr>
+              <a:t>cpp</a:t>
+            </a:r>
+            <a:r>
+              <a:rPr lang="zh-CN" altLang="en-US" sz="2400" kern="100" dirty="0">
+                <a:latin typeface="Times New Roman" panose="02020603050405020304" pitchFamily="18" charset="0"/>
+                <a:cs typeface="Times New Roman" panose="02020603050405020304" pitchFamily="18" charset="0"/>
+              </a:rPr>
+              <a:t>文件），</a:t>
+            </a:r>
+            <a:r>
+              <a:rPr lang="zh-CN" altLang="en-US" sz="2400" kern="100" dirty="0">
+                <a:solidFill>
+                  <a:srgbClr val="FF0000"/>
+                </a:solidFill>
+                <a:latin typeface="Times New Roman" panose="02020603050405020304" pitchFamily="18" charset="0"/>
+                <a:cs typeface="Times New Roman" panose="02020603050405020304" pitchFamily="18" charset="0"/>
+              </a:rPr>
+              <a:t>不要提交整个工程项目</a:t>
+            </a:r>
+            <a:r>
+              <a:rPr lang="zh-CN" altLang="en-US" sz="2400" kern="100" dirty="0">
+                <a:latin typeface="Times New Roman" panose="02020603050405020304" pitchFamily="18" charset="0"/>
+                <a:cs typeface="Times New Roman" panose="02020603050405020304" pitchFamily="18" charset="0"/>
+              </a:rPr>
+              <a:t>。</a:t>
+            </a:r>
             <a:endParaRPr lang="en-US" altLang="zh-CN" sz="2400" kern="100" dirty="0">
               <a:latin typeface="Times New Roman" panose="02020603050405020304" pitchFamily="18" charset="0"/>
               <a:cs typeface="Times New Roman" panose="02020603050405020304" pitchFamily="18" charset="0"/>
             </a:endParaRPr>
           </a:p>
           <a:p>
-            <a:pPr algn="just">
+            <a:pPr marL="342900" indent="-342900" algn="just">
               <a:lnSpc>
                 <a:spcPct val="150000"/>
               </a:lnSpc>
+              <a:buFont typeface="Arial" panose="020B0604020202020204" pitchFamily="34" charset="0"/>
+              <a:buChar char="•"/>
             </a:pPr>
             <a:r>
               <a:rPr lang="zh-CN" altLang="en-US" sz="2400" kern="100" dirty="0">
                 <a:latin typeface="Times New Roman" panose="02020603050405020304" pitchFamily="18" charset="0"/>
                 <a:cs typeface="Times New Roman" panose="02020603050405020304" pitchFamily="18" charset="0"/>
               </a:rPr>
-              <a:t>以奥运五环为例</a:t>
-            </a:r>
-            <a:endParaRPr lang="zh-CN" altLang="en-US" sz="2400" kern="100" dirty="0">
-              <a:latin typeface="Times New Roman" panose="02020603050405020304" pitchFamily="18" charset="0"/>
-              <a:cs typeface="Times New Roman" panose="02020603050405020304" pitchFamily="18" charset="0"/>
-            </a:endParaRPr>
-          </a:p>
-          <a:p>
-            <a:pPr algn="just">
-              <a:lnSpc>
-                <a:spcPct val="150000"/>
-              </a:lnSpc>
-            </a:pPr>
+              <a:t>每次实验作业的</a:t>
+            </a:r>
             <a:r>
               <a:rPr lang="zh-CN" altLang="en-US" sz="2400" kern="100" dirty="0">
-                <a:latin typeface="Times New Roman" panose="02020603050405020304" pitchFamily="18" charset="0"/>
-                <a:cs typeface="Times New Roman" panose="02020603050405020304" pitchFamily="18" charset="0"/>
-              </a:rPr>
-              <a:t>①画一个圆环，阐述实现原理和对应代码、运行结果截图。</a:t>
-            </a:r>
-            <a:endParaRPr lang="zh-CN" altLang="en-US" sz="2400" kern="100" dirty="0">
-              <a:latin typeface="Times New Roman" panose="02020603050405020304" pitchFamily="18" charset="0"/>
-              <a:cs typeface="Times New Roman" panose="02020603050405020304" pitchFamily="18" charset="0"/>
-            </a:endParaRPr>
-          </a:p>
-          <a:p>
-            <a:pPr algn="just">
-              <a:lnSpc>
-                <a:spcPct val="150000"/>
-              </a:lnSpc>
-            </a:pPr>
+                <a:solidFill>
+                  <a:srgbClr val="FF0000"/>
+                </a:solidFill>
+                <a:latin typeface="Times New Roman" panose="02020603050405020304" pitchFamily="18" charset="0"/>
+                <a:cs typeface="Times New Roman" panose="02020603050405020304" pitchFamily="18" charset="0"/>
+              </a:rPr>
+              <a:t>提交截止日期为下一次理论课前一天晚上</a:t>
+            </a:r>
             <a:r>
               <a:rPr lang="zh-CN" altLang="en-US" sz="2400" kern="100" dirty="0">
                 <a:latin typeface="Times New Roman" panose="02020603050405020304" pitchFamily="18" charset="0"/>
                 <a:cs typeface="Times New Roman" panose="02020603050405020304" pitchFamily="18" charset="0"/>
               </a:rPr>
-              <a:t>②画五个环，完成上色和环的位置偏移操作。阐述实现原理和对应代码、运行结果截图。</a:t>
-            </a:r>
-            <a:endParaRPr lang="zh-CN" altLang="en-US" sz="2400" kern="100" dirty="0">
-              <a:latin typeface="Times New Roman" panose="02020603050405020304" pitchFamily="18" charset="0"/>
-              <a:cs typeface="Times New Roman" panose="02020603050405020304" pitchFamily="18" charset="0"/>
-            </a:endParaRPr>
-          </a:p>
-          <a:p>
-            <a:pPr algn="just">
-              <a:lnSpc>
-                <a:spcPct val="150000"/>
-              </a:lnSpc>
-            </a:pPr>
+              <a:t>（</a:t>
+            </a:r>
+            <a:r>
+              <a:rPr lang="en-US" altLang="zh-CN" sz="2400" kern="100" dirty="0">
+                <a:latin typeface="Times New Roman" panose="02020603050405020304" pitchFamily="18" charset="0"/>
+                <a:cs typeface="Times New Roman" panose="02020603050405020304" pitchFamily="18" charset="0"/>
+              </a:rPr>
+              <a:t>3.19</a:t>
+            </a:r>
             <a:r>
               <a:rPr lang="zh-CN" altLang="en-US" sz="2400" kern="100" dirty="0">
                 <a:latin typeface="Times New Roman" panose="02020603050405020304" pitchFamily="18" charset="0"/>
                 <a:cs typeface="Times New Roman" panose="02020603050405020304" pitchFamily="18" charset="0"/>
               </a:rPr>
-              <a:t>③实现穿插，阐述穿插实现原理、对应代码、运行结果截图。</a:t>
-            </a:r>
-            <a:endParaRPr lang="en-US" altLang="zh-CN" sz="2400" kern="100" dirty="0">
-              <a:latin typeface="Times New Roman" panose="02020603050405020304" pitchFamily="18" charset="0"/>
-              <a:cs typeface="Times New Roman" panose="02020603050405020304" pitchFamily="18" charset="0"/>
-            </a:endParaRPr>
-          </a:p>
-          <a:p>
-            <a:pPr algn="just">
-              <a:lnSpc>
-                <a:spcPct val="150000"/>
-              </a:lnSpc>
-            </a:pPr>
-            <a:r>
-              <a:rPr lang="zh-CN" altLang="en-US" sz="2400" kern="100" dirty="0">
-                <a:latin typeface="Times New Roman" panose="02020603050405020304" pitchFamily="18" charset="0"/>
-                <a:cs typeface="Times New Roman" panose="02020603050405020304" pitchFamily="18" charset="0"/>
-              </a:rPr>
-              <a:t>④拖动不变形，阐述穿插实现原理、对应代码、运行结果截图。</a:t>
-            </a:r>
-            <a:endParaRPr lang="zh-CN" altLang="en-US" sz="2400" kern="100" dirty="0">
-              <a:latin typeface="Times New Roman" panose="02020603050405020304" pitchFamily="18" charset="0"/>
-              <a:cs typeface="Times New Roman" panose="02020603050405020304" pitchFamily="18" charset="0"/>
-            </a:endParaRPr>
+              <a:t>）。</a:t>
+            </a:r>
           </a:p>
         </p:txBody>
       </p:sp>
@@ -6901,12 +6989,35 @@
           <a:p>
             <a:r>
               <a:rPr lang="zh-CN" altLang="en-US" sz="3200" dirty="0"/>
-              <a:t>报告内容</a:t>
-            </a:r>
-            <a:endParaRPr lang="en-US" altLang="zh-CN" sz="3200" dirty="0"/>
-          </a:p>
-        </p:txBody>
-      </p:sp>
+              <a:t>作业提交说明</a:t>
+            </a:r>
+          </a:p>
+        </p:txBody>
+      </p:sp>
+      <p:pic>
+        <p:nvPicPr>
+          <p:cNvPr id="3" name="图片 2"/>
+          <p:cNvPicPr>
+            <a:picLocks noChangeAspect="1"/>
+          </p:cNvPicPr>
+          <p:nvPr/>
+        </p:nvPicPr>
+        <p:blipFill>
+          <a:blip r:embed="rId3"/>
+          <a:stretch>
+            <a:fillRect/>
+          </a:stretch>
+        </p:blipFill>
+        <p:spPr>
+          <a:xfrm>
+            <a:off x="7256342" y="1708648"/>
+            <a:ext cx="3879973" cy="2524767"/>
+          </a:xfrm>
+          <a:prstGeom prst="rect">
+            <a:avLst/>
+          </a:prstGeom>
+        </p:spPr>
+      </p:pic>
     </p:spTree>
   </p:cSld>
   <p:clrMapOvr>
@@ -6934,6 +7045,567 @@
       </p:grpSpPr>
       <p:sp>
         <p:nvSpPr>
+          <p:cNvPr id="4" name="文本框 3"/>
+          <p:cNvSpPr txBox="1"/>
+          <p:nvPr/>
+        </p:nvSpPr>
+        <p:spPr>
+          <a:xfrm>
+            <a:off x="1021819" y="1697359"/>
+            <a:ext cx="9765552" cy="4454233"/>
+          </a:xfrm>
+          <a:prstGeom prst="rect">
+            <a:avLst/>
+          </a:prstGeom>
+          <a:noFill/>
+        </p:spPr>
+        <p:txBody>
+          <a:bodyPr wrap="square">
+            <a:spAutoFit/>
+          </a:bodyPr>
+          <a:lstStyle/>
+          <a:p>
+            <a:pPr marL="342900" indent="-342900" algn="just">
+              <a:lnSpc>
+                <a:spcPct val="150000"/>
+              </a:lnSpc>
+              <a:buFont typeface="Arial" panose="020B0604020202020204" pitchFamily="34" charset="0"/>
+              <a:buChar char="•"/>
+            </a:pPr>
+            <a:r>
+              <a:rPr lang="zh-CN" altLang="en-US" sz="2400" kern="100" dirty="0">
+                <a:latin typeface="Times New Roman" panose="02020603050405020304" pitchFamily="18" charset="0"/>
+                <a:cs typeface="Times New Roman" panose="02020603050405020304" pitchFamily="18" charset="0"/>
+              </a:rPr>
+              <a:t>未按时提交扣</a:t>
+            </a:r>
+            <a:r>
+              <a:rPr lang="en-US" altLang="zh-CN" sz="2400" kern="100" dirty="0">
+                <a:latin typeface="Times New Roman" panose="02020603050405020304" pitchFamily="18" charset="0"/>
+                <a:cs typeface="Times New Roman" panose="02020603050405020304" pitchFamily="18" charset="0"/>
+              </a:rPr>
+              <a:t>10</a:t>
+            </a:r>
+            <a:r>
+              <a:rPr lang="zh-CN" altLang="en-US" sz="2400" kern="100" dirty="0">
+                <a:latin typeface="Times New Roman" panose="02020603050405020304" pitchFamily="18" charset="0"/>
+                <a:cs typeface="Times New Roman" panose="02020603050405020304" pitchFamily="18" charset="0"/>
+              </a:rPr>
+              <a:t>分，超时一周则</a:t>
+            </a:r>
+            <a:r>
+              <a:rPr lang="zh-CN" altLang="en-US" sz="2400" kern="100" dirty="0">
+                <a:solidFill>
+                  <a:srgbClr val="FF0000"/>
+                </a:solidFill>
+                <a:latin typeface="Times New Roman" panose="02020603050405020304" pitchFamily="18" charset="0"/>
+                <a:cs typeface="Times New Roman" panose="02020603050405020304" pitchFamily="18" charset="0"/>
+              </a:rPr>
+              <a:t>取消本次作业分数</a:t>
+            </a:r>
+            <a:endParaRPr lang="en-US" altLang="zh-CN" sz="2400" kern="100" dirty="0">
+              <a:solidFill>
+                <a:srgbClr val="FF0000"/>
+              </a:solidFill>
+              <a:latin typeface="Times New Roman" panose="02020603050405020304" pitchFamily="18" charset="0"/>
+              <a:cs typeface="Times New Roman" panose="02020603050405020304" pitchFamily="18" charset="0"/>
+            </a:endParaRPr>
+          </a:p>
+          <a:p>
+            <a:pPr marL="342900" indent="-342900" algn="just">
+              <a:lnSpc>
+                <a:spcPct val="150000"/>
+              </a:lnSpc>
+              <a:buFont typeface="Arial" panose="020B0604020202020204" pitchFamily="34" charset="0"/>
+              <a:buChar char="•"/>
+            </a:pPr>
+            <a:r>
+              <a:rPr lang="zh-CN" altLang="en-US" sz="2400" kern="100" dirty="0">
+                <a:latin typeface="Times New Roman" panose="02020603050405020304" pitchFamily="18" charset="0"/>
+                <a:cs typeface="Times New Roman" panose="02020603050405020304" pitchFamily="18" charset="0"/>
+              </a:rPr>
+              <a:t>运行效果不一致扣</a:t>
+            </a:r>
+            <a:r>
+              <a:rPr lang="en-US" altLang="zh-CN" sz="2400" kern="100" dirty="0">
+                <a:latin typeface="Times New Roman" panose="02020603050405020304" pitchFamily="18" charset="0"/>
+                <a:cs typeface="Times New Roman" panose="02020603050405020304" pitchFamily="18" charset="0"/>
+              </a:rPr>
+              <a:t>20</a:t>
+            </a:r>
+            <a:r>
+              <a:rPr lang="zh-CN" altLang="en-US" sz="2400" kern="100" dirty="0">
+                <a:latin typeface="Times New Roman" panose="02020603050405020304" pitchFamily="18" charset="0"/>
+                <a:cs typeface="Times New Roman" panose="02020603050405020304" pitchFamily="18" charset="0"/>
+              </a:rPr>
+              <a:t>分</a:t>
+            </a:r>
+            <a:endParaRPr lang="en-US" altLang="zh-CN" sz="2400" kern="100" dirty="0">
+              <a:latin typeface="Times New Roman" panose="02020603050405020304" pitchFamily="18" charset="0"/>
+              <a:cs typeface="Times New Roman" panose="02020603050405020304" pitchFamily="18" charset="0"/>
+            </a:endParaRPr>
+          </a:p>
+          <a:p>
+            <a:pPr marL="342900" indent="-342900" algn="just">
+              <a:lnSpc>
+                <a:spcPct val="150000"/>
+              </a:lnSpc>
+              <a:buFont typeface="Arial" panose="020B0604020202020204" pitchFamily="34" charset="0"/>
+              <a:buChar char="•"/>
+            </a:pPr>
+            <a:r>
+              <a:rPr lang="zh-CN" altLang="en-US" sz="2400" kern="100" dirty="0">
+                <a:latin typeface="Times New Roman" panose="02020603050405020304" pitchFamily="18" charset="0"/>
+                <a:cs typeface="Times New Roman" panose="02020603050405020304" pitchFamily="18" charset="0"/>
+              </a:rPr>
+              <a:t>未提交可执行文件扣</a:t>
+            </a:r>
+            <a:r>
+              <a:rPr lang="en-US" altLang="zh-CN" sz="2400" kern="100" dirty="0">
+                <a:latin typeface="Times New Roman" panose="02020603050405020304" pitchFamily="18" charset="0"/>
+                <a:cs typeface="Times New Roman" panose="02020603050405020304" pitchFamily="18" charset="0"/>
+              </a:rPr>
+              <a:t>15</a:t>
+            </a:r>
+            <a:r>
+              <a:rPr lang="zh-CN" altLang="en-US" sz="2400" kern="100" dirty="0">
+                <a:latin typeface="Times New Roman" panose="02020603050405020304" pitchFamily="18" charset="0"/>
+                <a:cs typeface="Times New Roman" panose="02020603050405020304" pitchFamily="18" charset="0"/>
+              </a:rPr>
+              <a:t>分</a:t>
+            </a:r>
+            <a:endParaRPr lang="en-US" altLang="zh-CN" sz="2400" kern="100" dirty="0">
+              <a:latin typeface="Times New Roman" panose="02020603050405020304" pitchFamily="18" charset="0"/>
+              <a:cs typeface="Times New Roman" panose="02020603050405020304" pitchFamily="18" charset="0"/>
+            </a:endParaRPr>
+          </a:p>
+          <a:p>
+            <a:pPr marL="342900" indent="-342900" algn="just">
+              <a:lnSpc>
+                <a:spcPct val="150000"/>
+              </a:lnSpc>
+              <a:buFont typeface="Arial" panose="020B0604020202020204" pitchFamily="34" charset="0"/>
+              <a:buChar char="•"/>
+            </a:pPr>
+            <a:r>
+              <a:rPr lang="zh-CN" altLang="en-US" sz="2400" kern="100" dirty="0">
+                <a:latin typeface="Times New Roman" panose="02020603050405020304" pitchFamily="18" charset="0"/>
+                <a:cs typeface="Times New Roman" panose="02020603050405020304" pitchFamily="18" charset="0"/>
+              </a:rPr>
+              <a:t>未提交代码扣</a:t>
+            </a:r>
+            <a:r>
+              <a:rPr lang="en-US" altLang="zh-CN" sz="2400" kern="100" dirty="0">
+                <a:latin typeface="Times New Roman" panose="02020603050405020304" pitchFamily="18" charset="0"/>
+                <a:cs typeface="Times New Roman" panose="02020603050405020304" pitchFamily="18" charset="0"/>
+              </a:rPr>
+              <a:t>15</a:t>
+            </a:r>
+            <a:r>
+              <a:rPr lang="zh-CN" altLang="en-US" sz="2400" kern="100" dirty="0">
+                <a:latin typeface="Times New Roman" panose="02020603050405020304" pitchFamily="18" charset="0"/>
+                <a:cs typeface="Times New Roman" panose="02020603050405020304" pitchFamily="18" charset="0"/>
+              </a:rPr>
+              <a:t>分</a:t>
+            </a:r>
+            <a:endParaRPr lang="en-US" altLang="zh-CN" sz="2400" kern="100" dirty="0">
+              <a:latin typeface="Times New Roman" panose="02020603050405020304" pitchFamily="18" charset="0"/>
+              <a:cs typeface="Times New Roman" panose="02020603050405020304" pitchFamily="18" charset="0"/>
+            </a:endParaRPr>
+          </a:p>
+          <a:p>
+            <a:pPr marL="342900" indent="-342900" algn="just">
+              <a:lnSpc>
+                <a:spcPct val="150000"/>
+              </a:lnSpc>
+              <a:buFont typeface="Arial" panose="020B0604020202020204" pitchFamily="34" charset="0"/>
+              <a:buChar char="•"/>
+            </a:pPr>
+            <a:r>
+              <a:rPr lang="zh-CN" altLang="en-US" sz="2400" kern="100" dirty="0">
+                <a:latin typeface="Times New Roman" panose="02020603050405020304" pitchFamily="18" charset="0"/>
+                <a:cs typeface="Times New Roman" panose="02020603050405020304" pitchFamily="18" charset="0"/>
+              </a:rPr>
+              <a:t>提交了工程扣</a:t>
+            </a:r>
+            <a:r>
+              <a:rPr lang="en-US" altLang="zh-CN" sz="2400" kern="100" dirty="0">
+                <a:latin typeface="Times New Roman" panose="02020603050405020304" pitchFamily="18" charset="0"/>
+                <a:cs typeface="Times New Roman" panose="02020603050405020304" pitchFamily="18" charset="0"/>
+              </a:rPr>
+              <a:t>10</a:t>
+            </a:r>
+            <a:r>
+              <a:rPr lang="zh-CN" altLang="en-US" sz="2400" kern="100" dirty="0">
+                <a:latin typeface="Times New Roman" panose="02020603050405020304" pitchFamily="18" charset="0"/>
+                <a:cs typeface="Times New Roman" panose="02020603050405020304" pitchFamily="18" charset="0"/>
+              </a:rPr>
+              <a:t>分 </a:t>
+            </a:r>
+            <a:endParaRPr lang="en-US" altLang="zh-CN" sz="2400" kern="100" dirty="0">
+              <a:latin typeface="Times New Roman" panose="02020603050405020304" pitchFamily="18" charset="0"/>
+              <a:cs typeface="Times New Roman" panose="02020603050405020304" pitchFamily="18" charset="0"/>
+            </a:endParaRPr>
+          </a:p>
+          <a:p>
+            <a:pPr marL="342900" indent="-342900" algn="just">
+              <a:lnSpc>
+                <a:spcPct val="150000"/>
+              </a:lnSpc>
+              <a:buFont typeface="Arial" panose="020B0604020202020204" pitchFamily="34" charset="0"/>
+              <a:buChar char="•"/>
+            </a:pPr>
+            <a:r>
+              <a:rPr lang="zh-CN" altLang="en-US" sz="2400" kern="100" dirty="0">
+                <a:latin typeface="Times New Roman" panose="02020603050405020304" pitchFamily="18" charset="0"/>
+                <a:cs typeface="Times New Roman" panose="02020603050405020304" pitchFamily="18" charset="0"/>
+              </a:rPr>
+              <a:t>文档不详细扣</a:t>
+            </a:r>
+            <a:r>
+              <a:rPr lang="en-US" altLang="zh-CN" sz="2400" kern="100" dirty="0">
+                <a:latin typeface="Times New Roman" panose="02020603050405020304" pitchFamily="18" charset="0"/>
+                <a:cs typeface="Times New Roman" panose="02020603050405020304" pitchFamily="18" charset="0"/>
+              </a:rPr>
+              <a:t>10</a:t>
+            </a:r>
+            <a:r>
+              <a:rPr lang="zh-CN" altLang="en-US" sz="2400" kern="100" dirty="0">
+                <a:latin typeface="Times New Roman" panose="02020603050405020304" pitchFamily="18" charset="0"/>
+                <a:cs typeface="Times New Roman" panose="02020603050405020304" pitchFamily="18" charset="0"/>
+              </a:rPr>
+              <a:t>分</a:t>
+            </a:r>
+            <a:endParaRPr lang="en-US" altLang="zh-CN" sz="2400" kern="100" dirty="0">
+              <a:latin typeface="Times New Roman" panose="02020603050405020304" pitchFamily="18" charset="0"/>
+              <a:cs typeface="Times New Roman" panose="02020603050405020304" pitchFamily="18" charset="0"/>
+            </a:endParaRPr>
+          </a:p>
+          <a:p>
+            <a:pPr marL="342900" indent="-342900" algn="just">
+              <a:lnSpc>
+                <a:spcPct val="150000"/>
+              </a:lnSpc>
+              <a:buFont typeface="Arial" panose="020B0604020202020204" pitchFamily="34" charset="0"/>
+              <a:buChar char="•"/>
+            </a:pPr>
+            <a:r>
+              <a:rPr lang="zh-CN" altLang="en-US" sz="2400" kern="100" dirty="0">
+                <a:latin typeface="Times New Roman" panose="02020603050405020304" pitchFamily="18" charset="0"/>
+                <a:cs typeface="Times New Roman" panose="02020603050405020304" pitchFamily="18" charset="0"/>
+              </a:rPr>
+              <a:t>做出附加题加</a:t>
+            </a:r>
+            <a:r>
+              <a:rPr lang="en-US" altLang="zh-CN" sz="2400" kern="100" dirty="0">
+                <a:latin typeface="Times New Roman" panose="02020603050405020304" pitchFamily="18" charset="0"/>
+                <a:cs typeface="Times New Roman" panose="02020603050405020304" pitchFamily="18" charset="0"/>
+              </a:rPr>
+              <a:t>10</a:t>
+            </a:r>
+            <a:r>
+              <a:rPr lang="zh-CN" altLang="en-US" sz="2400" kern="100" dirty="0">
+                <a:latin typeface="Times New Roman" panose="02020603050405020304" pitchFamily="18" charset="0"/>
+                <a:cs typeface="Times New Roman" panose="02020603050405020304" pitchFamily="18" charset="0"/>
+              </a:rPr>
+              <a:t>分，不做不扣分</a:t>
+            </a:r>
+            <a:endParaRPr lang="en-US" altLang="zh-CN" sz="2400" kern="100" dirty="0">
+              <a:latin typeface="Times New Roman" panose="02020603050405020304" pitchFamily="18" charset="0"/>
+              <a:cs typeface="Times New Roman" panose="02020603050405020304" pitchFamily="18" charset="0"/>
+            </a:endParaRPr>
+          </a:p>
+          <a:p>
+            <a:pPr marL="342900" indent="-342900" algn="just">
+              <a:lnSpc>
+                <a:spcPct val="150000"/>
+              </a:lnSpc>
+              <a:buFont typeface="Arial" panose="020B0604020202020204" pitchFamily="34" charset="0"/>
+              <a:buChar char="•"/>
+            </a:pPr>
+            <a:r>
+              <a:rPr lang="zh-CN" altLang="en-US" sz="2400" kern="100" dirty="0">
+                <a:solidFill>
+                  <a:srgbClr val="FF0000"/>
+                </a:solidFill>
+                <a:latin typeface="Times New Roman" panose="02020603050405020304" pitchFamily="18" charset="0"/>
+                <a:cs typeface="Times New Roman" panose="02020603050405020304" pitchFamily="18" charset="0"/>
+              </a:rPr>
+              <a:t>抄袭本次作业直接</a:t>
+            </a:r>
+            <a:r>
+              <a:rPr lang="en-US" altLang="zh-CN" sz="2400" kern="100" dirty="0">
+                <a:solidFill>
+                  <a:srgbClr val="FF0000"/>
+                </a:solidFill>
+                <a:latin typeface="Times New Roman" panose="02020603050405020304" pitchFamily="18" charset="0"/>
+                <a:cs typeface="Times New Roman" panose="02020603050405020304" pitchFamily="18" charset="0"/>
+              </a:rPr>
+              <a:t>0</a:t>
+            </a:r>
+            <a:r>
+              <a:rPr lang="zh-CN" altLang="en-US" sz="2400" kern="100" dirty="0">
+                <a:solidFill>
+                  <a:srgbClr val="FF0000"/>
+                </a:solidFill>
+                <a:latin typeface="Times New Roman" panose="02020603050405020304" pitchFamily="18" charset="0"/>
+                <a:cs typeface="Times New Roman" panose="02020603050405020304" pitchFamily="18" charset="0"/>
+              </a:rPr>
+              <a:t>分</a:t>
+            </a:r>
+          </a:p>
+        </p:txBody>
+      </p:sp>
+      <p:sp>
+        <p:nvSpPr>
+          <p:cNvPr id="5" name="矩形 4"/>
+          <p:cNvSpPr/>
+          <p:nvPr/>
+        </p:nvSpPr>
+        <p:spPr>
+          <a:xfrm>
+            <a:off x="568640" y="640140"/>
+            <a:ext cx="6950885" cy="584775"/>
+          </a:xfrm>
+          <a:prstGeom prst="rect">
+            <a:avLst/>
+          </a:prstGeom>
+        </p:spPr>
+        <p:txBody>
+          <a:bodyPr wrap="square">
+            <a:spAutoFit/>
+          </a:bodyPr>
+          <a:lstStyle/>
+          <a:p>
+            <a:r>
+              <a:rPr lang="zh-CN" altLang="en-US" sz="3200" dirty="0"/>
+              <a:t>评分标准</a:t>
+            </a:r>
+            <a:endParaRPr lang="en-US" altLang="zh-CN" sz="3200" dirty="0"/>
+          </a:p>
+        </p:txBody>
+      </p:sp>
+    </p:spTree>
+  </p:cSld>
+  <p:clrMapOvr>
+    <a:masterClrMapping/>
+  </p:clrMapOvr>
+</p:sld>
+</file>
+
+<file path=ppt/slides/slide16.xml><?xml version="1.0" encoding="utf-8"?>
+<p:sld xmlns:a="http://schemas.openxmlformats.org/drawingml/2006/main" xmlns:r="http://schemas.openxmlformats.org/officeDocument/2006/relationships" xmlns:p="http://schemas.openxmlformats.org/presentationml/2006/main">
+  <p:cSld>
+    <p:spTree>
+      <p:nvGrpSpPr>
+        <p:cNvPr id="1" name=""/>
+        <p:cNvGrpSpPr/>
+        <p:nvPr/>
+      </p:nvGrpSpPr>
+      <p:grpSpPr>
+        <a:xfrm>
+          <a:off x="0" y="0"/>
+          <a:ext cx="0" cy="0"/>
+          <a:chOff x="0" y="0"/>
+          <a:chExt cx="0" cy="0"/>
+        </a:xfrm>
+      </p:grpSpPr>
+      <p:sp>
+        <p:nvSpPr>
+          <p:cNvPr id="4" name="文本框 3"/>
+          <p:cNvSpPr txBox="1"/>
+          <p:nvPr/>
+        </p:nvSpPr>
+        <p:spPr>
+          <a:xfrm>
+            <a:off x="1055685" y="1708648"/>
+            <a:ext cx="9765552" cy="5008230"/>
+          </a:xfrm>
+          <a:prstGeom prst="rect">
+            <a:avLst/>
+          </a:prstGeom>
+          <a:noFill/>
+        </p:spPr>
+        <p:txBody>
+          <a:bodyPr wrap="square">
+            <a:spAutoFit/>
+          </a:bodyPr>
+          <a:lstStyle/>
+          <a:p>
+            <a:pPr marL="342900" indent="-342900" algn="just">
+              <a:lnSpc>
+                <a:spcPct val="150000"/>
+              </a:lnSpc>
+              <a:buFont typeface="Arial" panose="020B0604020202020204" pitchFamily="34" charset="0"/>
+              <a:buChar char="•"/>
+            </a:pPr>
+            <a:r>
+              <a:rPr lang="zh-CN" altLang="en-US" sz="2400" kern="100" dirty="0">
+                <a:latin typeface="Times New Roman" panose="02020603050405020304" pitchFamily="18" charset="0"/>
+                <a:cs typeface="Times New Roman" panose="02020603050405020304" pitchFamily="18" charset="0"/>
+              </a:rPr>
+              <a:t>封面整齐。</a:t>
+            </a:r>
+          </a:p>
+          <a:p>
+            <a:pPr marL="342900" indent="-342900" algn="just">
+              <a:lnSpc>
+                <a:spcPct val="150000"/>
+              </a:lnSpc>
+              <a:buFont typeface="Arial" panose="020B0604020202020204" pitchFamily="34" charset="0"/>
+              <a:buChar char="•"/>
+            </a:pPr>
+            <a:r>
+              <a:rPr lang="zh-CN" altLang="en-US" sz="2400" kern="100" dirty="0">
+                <a:latin typeface="Times New Roman" panose="02020603050405020304" pitchFamily="18" charset="0"/>
+                <a:cs typeface="Times New Roman" panose="02020603050405020304" pitchFamily="18" charset="0"/>
+              </a:rPr>
+              <a:t>内容详实，结构合理。</a:t>
+            </a:r>
+          </a:p>
+          <a:p>
+            <a:pPr algn="just">
+              <a:lnSpc>
+                <a:spcPct val="150000"/>
+              </a:lnSpc>
+            </a:pPr>
+            <a:endParaRPr lang="en-US" altLang="zh-CN" sz="2400" kern="100" dirty="0">
+              <a:latin typeface="Times New Roman" panose="02020603050405020304" pitchFamily="18" charset="0"/>
+              <a:cs typeface="Times New Roman" panose="02020603050405020304" pitchFamily="18" charset="0"/>
+            </a:endParaRPr>
+          </a:p>
+          <a:p>
+            <a:pPr algn="just">
+              <a:lnSpc>
+                <a:spcPct val="150000"/>
+              </a:lnSpc>
+            </a:pPr>
+            <a:r>
+              <a:rPr lang="zh-CN" altLang="en-US" sz="2400" kern="100" dirty="0">
+                <a:latin typeface="Times New Roman" panose="02020603050405020304" pitchFamily="18" charset="0"/>
+                <a:cs typeface="Times New Roman" panose="02020603050405020304" pitchFamily="18" charset="0"/>
+              </a:rPr>
+              <a:t>以奥运五环为例</a:t>
+            </a:r>
+          </a:p>
+          <a:p>
+            <a:pPr algn="just">
+              <a:lnSpc>
+                <a:spcPct val="150000"/>
+              </a:lnSpc>
+            </a:pPr>
+            <a:r>
+              <a:rPr lang="zh-CN" altLang="en-US" sz="2400" kern="100" dirty="0">
+                <a:latin typeface="Times New Roman" panose="02020603050405020304" pitchFamily="18" charset="0"/>
+                <a:cs typeface="Times New Roman" panose="02020603050405020304" pitchFamily="18" charset="0"/>
+              </a:rPr>
+              <a:t>①画一个圆环，阐述实现原理和对应代码、运行结果截图。</a:t>
+            </a:r>
+          </a:p>
+          <a:p>
+            <a:pPr algn="just">
+              <a:lnSpc>
+                <a:spcPct val="150000"/>
+              </a:lnSpc>
+            </a:pPr>
+            <a:r>
+              <a:rPr lang="zh-CN" altLang="en-US" sz="2400" kern="100" dirty="0">
+                <a:latin typeface="Times New Roman" panose="02020603050405020304" pitchFamily="18" charset="0"/>
+                <a:cs typeface="Times New Roman" panose="02020603050405020304" pitchFamily="18" charset="0"/>
+              </a:rPr>
+              <a:t>②画五个环，完成上色和环的位置偏移操作。阐述实现原理和对应代码、运行结果截图。</a:t>
+            </a:r>
+          </a:p>
+          <a:p>
+            <a:pPr algn="just">
+              <a:lnSpc>
+                <a:spcPct val="150000"/>
+              </a:lnSpc>
+            </a:pPr>
+            <a:r>
+              <a:rPr lang="zh-CN" altLang="en-US" sz="2400" kern="100" dirty="0">
+                <a:latin typeface="Times New Roman" panose="02020603050405020304" pitchFamily="18" charset="0"/>
+                <a:cs typeface="Times New Roman" panose="02020603050405020304" pitchFamily="18" charset="0"/>
+              </a:rPr>
+              <a:t>③实现穿插，阐述穿插实现原理、对应代码、运行结果截图。</a:t>
+            </a:r>
+            <a:endParaRPr lang="en-US" altLang="zh-CN" sz="2400" kern="100" dirty="0">
+              <a:latin typeface="Times New Roman" panose="02020603050405020304" pitchFamily="18" charset="0"/>
+              <a:cs typeface="Times New Roman" panose="02020603050405020304" pitchFamily="18" charset="0"/>
+            </a:endParaRPr>
+          </a:p>
+          <a:p>
+            <a:pPr algn="just">
+              <a:lnSpc>
+                <a:spcPct val="150000"/>
+              </a:lnSpc>
+            </a:pPr>
+            <a:r>
+              <a:rPr lang="zh-CN" altLang="en-US" sz="2400" kern="100" dirty="0">
+                <a:latin typeface="Times New Roman" panose="02020603050405020304" pitchFamily="18" charset="0"/>
+                <a:cs typeface="Times New Roman" panose="02020603050405020304" pitchFamily="18" charset="0"/>
+              </a:rPr>
+              <a:t>④拖动不变形，阐述穿插实现原理、对应代码、运行结果截图。</a:t>
+            </a:r>
+          </a:p>
+        </p:txBody>
+      </p:sp>
+      <p:sp>
+        <p:nvSpPr>
+          <p:cNvPr id="5" name="矩形 4"/>
+          <p:cNvSpPr/>
+          <p:nvPr/>
+        </p:nvSpPr>
+        <p:spPr>
+          <a:xfrm>
+            <a:off x="568640" y="640140"/>
+            <a:ext cx="6950885" cy="584775"/>
+          </a:xfrm>
+          <a:prstGeom prst="rect">
+            <a:avLst/>
+          </a:prstGeom>
+        </p:spPr>
+        <p:txBody>
+          <a:bodyPr wrap="square">
+            <a:spAutoFit/>
+          </a:bodyPr>
+          <a:lstStyle/>
+          <a:p>
+            <a:r>
+              <a:rPr lang="zh-CN" altLang="en-US" sz="3200" dirty="0"/>
+              <a:t>报告内容</a:t>
+            </a:r>
+            <a:endParaRPr lang="en-US" altLang="zh-CN" sz="3200" dirty="0"/>
+          </a:p>
+        </p:txBody>
+      </p:sp>
+    </p:spTree>
+  </p:cSld>
+  <p:clrMapOvr>
+    <a:masterClrMapping/>
+  </p:clrMapOvr>
+</p:sld>
+</file>
+
+<file path=ppt/slides/slide17.xml><?xml version="1.0" encoding="utf-8"?>
+<p:sld xmlns:a="http://schemas.openxmlformats.org/drawingml/2006/main" xmlns:r="http://schemas.openxmlformats.org/officeDocument/2006/relationships" xmlns:p="http://schemas.openxmlformats.org/presentationml/2006/main">
+  <p:cSld>
+    <p:spTree>
+      <p:nvGrpSpPr>
+        <p:cNvPr id="1" name=""/>
+        <p:cNvGrpSpPr/>
+        <p:nvPr/>
+      </p:nvGrpSpPr>
+      <p:grpSpPr>
+        <a:xfrm>
+          <a:off x="0" y="0"/>
+          <a:ext cx="0" cy="0"/>
+          <a:chOff x="0" y="0"/>
+          <a:chExt cx="0" cy="0"/>
+        </a:xfrm>
+      </p:grpSpPr>
+      <p:sp>
+        <p:nvSpPr>
           <p:cNvPr id="7" name="文本占位符 6"/>
           <p:cNvSpPr>
             <a:spLocks noGrp="1"/>
@@ -6961,9 +7633,6 @@
               </a:rPr>
               <a:t>1</a:t>
             </a:r>
-            <a:endParaRPr lang="en-US" altLang="zh-CN" dirty="0">
-              <a:latin typeface="+mj-ea"/>
-            </a:endParaRPr>
           </a:p>
         </p:txBody>
       </p:sp>
@@ -6976,7 +7645,7 @@
           <p:nvPr/>
         </p:nvPicPr>
         <p:blipFill rotWithShape="1">
-          <a:blip r:embed="rId1" cstate="print">
+          <a:blip r:embed="rId2" cstate="print">
             <a:clrChange>
               <a:clrFrom>
                 <a:srgbClr val="FDF6F0"/>
@@ -7451,14 +8120,6 @@
               </a:rPr>
               <a:t>]</a:t>
             </a:r>
-            <a:endParaRPr lang="en-US" altLang="zh-CN" sz="2400" kern="100" dirty="0">
-              <a:solidFill>
-                <a:srgbClr val="FF0000"/>
-              </a:solidFill>
-              <a:latin typeface="Times New Roman" panose="02020603050405020304" pitchFamily="18" charset="0"/>
-              <a:ea typeface="黑体" panose="02010609060101010101" pitchFamily="49" charset="-122"/>
-              <a:cs typeface="Times New Roman" panose="02020603050405020304" pitchFamily="18" charset="0"/>
-            </a:endParaRPr>
           </a:p>
           <a:p>
             <a:pPr marL="342900" indent="-342900" algn="just">
@@ -7535,10 +8196,6 @@
               </a:rPr>
               <a:t>改变图像在屏幕中的位置</a:t>
             </a:r>
-            <a:endParaRPr lang="zh-CN" altLang="en-US" sz="2400" kern="100" dirty="0">
-              <a:latin typeface="Times New Roman" panose="02020603050405020304" pitchFamily="18" charset="0"/>
-              <a:cs typeface="Times New Roman" panose="02020603050405020304" pitchFamily="18" charset="0"/>
-            </a:endParaRPr>
           </a:p>
         </p:txBody>
       </p:sp>
@@ -7567,7 +8224,6 @@
               <a:rPr lang="zh-CN" altLang="en-US" sz="3200" dirty="0"/>
               <a:t>上节内容回顾</a:t>
             </a:r>
-            <a:endParaRPr lang="zh-CN" altLang="en-US" sz="3200" dirty="0"/>
           </a:p>
         </p:txBody>
       </p:sp>
@@ -8115,11 +8771,6 @@
                   </a:rPr>
                   <a:t> </a:t>
                 </a:r>
-                <a:endParaRPr lang="en-US" altLang="zh-CN" sz="2400" b="0" kern="100" dirty="0">
-                  <a:latin typeface="Times New Roman" panose="02020603050405020304" pitchFamily="18" charset="0"/>
-                  <a:cs typeface="Times New Roman" panose="02020603050405020304" pitchFamily="18" charset="0"/>
-                  <a:sym typeface="Wingdings" panose="05000000000000000000" pitchFamily="2" charset="2"/>
-                </a:endParaRPr>
               </a:p>
               <a:p>
                 <a:pPr marL="342900" indent="-342900" algn="just">
@@ -8151,7 +8802,7 @@
                     <a:cs typeface="Times New Roman" panose="02020603050405020304" pitchFamily="18" charset="0"/>
                     <a:sym typeface="Wingdings" panose="05000000000000000000" pitchFamily="2" charset="2"/>
                   </a:rPr>
-                  <a:t>循环把上述流程穿起来</a:t>
+                  <a:t>循环把上述流程串起来</a:t>
                 </a:r>
                 <a:endParaRPr lang="en-US" altLang="zh-CN" sz="2400" kern="100" dirty="0">
                   <a:latin typeface="Times New Roman" panose="02020603050405020304" pitchFamily="18" charset="0"/>
@@ -8221,11 +8872,6 @@
                   </a:rPr>
                   <a:t>Task2</a:t>
                 </a:r>
-                <a:endParaRPr lang="en-US" altLang="zh-CN" sz="2400" b="0" kern="100" dirty="0">
-                  <a:latin typeface="Times New Roman" panose="02020603050405020304" pitchFamily="18" charset="0"/>
-                  <a:cs typeface="Times New Roman" panose="02020603050405020304" pitchFamily="18" charset="0"/>
-                  <a:sym typeface="Wingdings" panose="05000000000000000000" pitchFamily="2" charset="2"/>
-                </a:endParaRPr>
               </a:p>
             </p:txBody>
           </p:sp>
@@ -8247,10 +8893,10 @@
               <a:prstGeom prst="rect">
                 <a:avLst/>
               </a:prstGeom>
-              <a:blipFill rotWithShape="1">
-                <a:blip r:embed="rId1"/>
+              <a:blipFill>
+                <a:blip r:embed="rId3"/>
                 <a:stretch>
-                  <a:fillRect l="-3" t="-11" r="2"/>
+                  <a:fillRect l="-811" b="-2232"/>
                 </a:stretch>
               </a:blipFill>
             </p:spPr>
@@ -8294,10 +8940,148 @@
               <a:rPr lang="zh-CN" altLang="en-US" sz="3200" dirty="0"/>
               <a:t>圆的绘制</a:t>
             </a:r>
-            <a:endParaRPr lang="zh-CN" altLang="en-US" sz="3200" dirty="0"/>
-          </a:p>
-        </p:txBody>
-      </p:sp>
+          </a:p>
+        </p:txBody>
+      </p:sp>
+      <p:pic>
+        <p:nvPicPr>
+          <p:cNvPr id="2" name="图片 1">
+            <a:extLst>
+              <a:ext uri="{FF2B5EF4-FFF2-40B4-BE49-F238E27FC236}">
+                <a16:creationId xmlns:a16="http://schemas.microsoft.com/office/drawing/2014/main" id="{C2C730C6-86F3-3514-30DF-175EBD695E6E}"/>
+              </a:ext>
+            </a:extLst>
+          </p:cNvPr>
+          <p:cNvPicPr>
+            <a:picLocks noChangeAspect="1"/>
+          </p:cNvPicPr>
+          <p:nvPr/>
+        </p:nvPicPr>
+        <p:blipFill>
+          <a:blip r:embed="rId4"/>
+          <a:srcRect t="-10903"/>
+          <a:stretch>
+            <a:fillRect/>
+          </a:stretch>
+        </p:blipFill>
+        <p:spPr>
+          <a:xfrm>
+            <a:off x="7780327" y="2544668"/>
+            <a:ext cx="4018551" cy="3346958"/>
+          </a:xfrm>
+          <a:custGeom>
+            <a:avLst/>
+            <a:gdLst>
+              <a:gd name="connsiteX0" fmla="*/ 0 w 4018551"/>
+              <a:gd name="connsiteY0" fmla="*/ 329053 h 3346958"/>
+              <a:gd name="connsiteX1" fmla="*/ 1620883 w 4018551"/>
+              <a:gd name="connsiteY1" fmla="*/ 329053 h 3346958"/>
+              <a:gd name="connsiteX2" fmla="*/ 1620883 w 4018551"/>
+              <a:gd name="connsiteY2" fmla="*/ 509047 h 3346958"/>
+              <a:gd name="connsiteX3" fmla="*/ 2365601 w 4018551"/>
+              <a:gd name="connsiteY3" fmla="*/ 509047 h 3346958"/>
+              <a:gd name="connsiteX4" fmla="*/ 2365601 w 4018551"/>
+              <a:gd name="connsiteY4" fmla="*/ 329053 h 3346958"/>
+              <a:gd name="connsiteX5" fmla="*/ 4018551 w 4018551"/>
+              <a:gd name="connsiteY5" fmla="*/ 329053 h 3346958"/>
+              <a:gd name="connsiteX6" fmla="*/ 4018551 w 4018551"/>
+              <a:gd name="connsiteY6" fmla="*/ 3346958 h 3346958"/>
+              <a:gd name="connsiteX7" fmla="*/ 0 w 4018551"/>
+              <a:gd name="connsiteY7" fmla="*/ 3346958 h 3346958"/>
+              <a:gd name="connsiteX8" fmla="*/ 1620883 w 4018551"/>
+              <a:gd name="connsiteY8" fmla="*/ 0 h 3346958"/>
+              <a:gd name="connsiteX9" fmla="*/ 2365601 w 4018551"/>
+              <a:gd name="connsiteY9" fmla="*/ 0 h 3346958"/>
+              <a:gd name="connsiteX10" fmla="*/ 2365601 w 4018551"/>
+              <a:gd name="connsiteY10" fmla="*/ 329053 h 3346958"/>
+              <a:gd name="connsiteX11" fmla="*/ 1620883 w 4018551"/>
+              <a:gd name="connsiteY11" fmla="*/ 329053 h 3346958"/>
+            </a:gdLst>
+            <a:ahLst/>
+            <a:cxnLst>
+              <a:cxn ang="0">
+                <a:pos x="connsiteX0" y="connsiteY0"/>
+              </a:cxn>
+              <a:cxn ang="0">
+                <a:pos x="connsiteX1" y="connsiteY1"/>
+              </a:cxn>
+              <a:cxn ang="0">
+                <a:pos x="connsiteX2" y="connsiteY2"/>
+              </a:cxn>
+              <a:cxn ang="0">
+                <a:pos x="connsiteX3" y="connsiteY3"/>
+              </a:cxn>
+              <a:cxn ang="0">
+                <a:pos x="connsiteX4" y="connsiteY4"/>
+              </a:cxn>
+              <a:cxn ang="0">
+                <a:pos x="connsiteX5" y="connsiteY5"/>
+              </a:cxn>
+              <a:cxn ang="0">
+                <a:pos x="connsiteX6" y="connsiteY6"/>
+              </a:cxn>
+              <a:cxn ang="0">
+                <a:pos x="connsiteX7" y="connsiteY7"/>
+              </a:cxn>
+              <a:cxn ang="0">
+                <a:pos x="connsiteX8" y="connsiteY8"/>
+              </a:cxn>
+              <a:cxn ang="0">
+                <a:pos x="connsiteX9" y="connsiteY9"/>
+              </a:cxn>
+              <a:cxn ang="0">
+                <a:pos x="connsiteX10" y="connsiteY10"/>
+              </a:cxn>
+              <a:cxn ang="0">
+                <a:pos x="connsiteX11" y="connsiteY11"/>
+              </a:cxn>
+            </a:cxnLst>
+            <a:rect l="l" t="t" r="r" b="b"/>
+            <a:pathLst>
+              <a:path w="4018551" h="3346958">
+                <a:moveTo>
+                  <a:pt x="0" y="329053"/>
+                </a:moveTo>
+                <a:lnTo>
+                  <a:pt x="1620883" y="329053"/>
+                </a:lnTo>
+                <a:lnTo>
+                  <a:pt x="1620883" y="509047"/>
+                </a:lnTo>
+                <a:lnTo>
+                  <a:pt x="2365601" y="509047"/>
+                </a:lnTo>
+                <a:lnTo>
+                  <a:pt x="2365601" y="329053"/>
+                </a:lnTo>
+                <a:lnTo>
+                  <a:pt x="4018551" y="329053"/>
+                </a:lnTo>
+                <a:lnTo>
+                  <a:pt x="4018551" y="3346958"/>
+                </a:lnTo>
+                <a:lnTo>
+                  <a:pt x="0" y="3346958"/>
+                </a:lnTo>
+                <a:close/>
+                <a:moveTo>
+                  <a:pt x="1620883" y="0"/>
+                </a:moveTo>
+                <a:lnTo>
+                  <a:pt x="2365601" y="0"/>
+                </a:lnTo>
+                <a:lnTo>
+                  <a:pt x="2365601" y="329053"/>
+                </a:lnTo>
+                <a:lnTo>
+                  <a:pt x="1620883" y="329053"/>
+                </a:lnTo>
+                <a:close/>
+              </a:path>
+            </a:pathLst>
+          </a:custGeom>
+        </p:spPr>
+      </p:pic>
     </p:spTree>
   </p:cSld>
   <p:clrMapOvr>
@@ -8311,7 +9095,13 @@
   <p:cSld>
     <p:spTree>
       <p:nvGrpSpPr>
-        <p:cNvPr id="1" name=""/>
+        <p:cNvPr id="1" name="">
+          <a:extLst>
+            <a:ext uri="{FF2B5EF4-FFF2-40B4-BE49-F238E27FC236}">
+              <a16:creationId xmlns:a16="http://schemas.microsoft.com/office/drawing/2014/main" id="{37586504-E1C4-882A-7334-24C869116ABE}"/>
+            </a:ext>
+          </a:extLst>
+        </p:cNvPr>
         <p:cNvGrpSpPr/>
         <p:nvPr/>
       </p:nvGrpSpPr>
@@ -8325,76 +9115,13 @@
       </p:grpSpPr>
       <p:sp>
         <p:nvSpPr>
-          <p:cNvPr id="4" name="文本框 3"/>
-          <p:cNvSpPr txBox="1"/>
-          <p:nvPr/>
-        </p:nvSpPr>
-        <p:spPr>
-          <a:xfrm>
-            <a:off x="1055685" y="1708648"/>
-            <a:ext cx="9765552" cy="579967"/>
-          </a:xfrm>
-          <a:prstGeom prst="rect">
-            <a:avLst/>
-          </a:prstGeom>
-          <a:noFill/>
-        </p:spPr>
-        <p:txBody>
-          <a:bodyPr wrap="square">
-            <a:spAutoFit/>
-          </a:bodyPr>
-          <a:lstStyle/>
-          <a:p>
-            <a:pPr marL="342900" indent="-342900" algn="just">
-              <a:lnSpc>
-                <a:spcPct val="150000"/>
-              </a:lnSpc>
-              <a:buFont typeface="Arial" panose="020B0604020202020204" pitchFamily="34" charset="0"/>
-              <a:buChar char="•"/>
-            </a:pPr>
-            <a:r>
-              <a:rPr lang="zh-CN" altLang="en-US" sz="2400" b="0" kern="100" dirty="0">
-                <a:latin typeface="Times New Roman" panose="02020603050405020304" pitchFamily="18" charset="0"/>
-                <a:cs typeface="Times New Roman" panose="02020603050405020304" pitchFamily="18" charset="0"/>
-                <a:sym typeface="Wingdings" panose="05000000000000000000" pitchFamily="2" charset="2"/>
-              </a:rPr>
-              <a:t>点的颜色，由当前颜色状态决定 </a:t>
-            </a:r>
-            <a:r>
-              <a:rPr lang="zh-CN" altLang="en-US" sz="2400" kern="100" dirty="0">
-                <a:latin typeface="Times New Roman" panose="02020603050405020304" pitchFamily="18" charset="0"/>
-                <a:cs typeface="Times New Roman" panose="02020603050405020304" pitchFamily="18" charset="0"/>
-                <a:sym typeface="Wingdings" panose="05000000000000000000" pitchFamily="2" charset="2"/>
-              </a:rPr>
-              <a:t>（</a:t>
-            </a:r>
-            <a:r>
-              <a:rPr lang="en-US" altLang="zh-CN" sz="2400" kern="100" dirty="0" err="1">
-                <a:latin typeface="Times New Roman" panose="02020603050405020304" pitchFamily="18" charset="0"/>
-                <a:cs typeface="Times New Roman" panose="02020603050405020304" pitchFamily="18" charset="0"/>
-                <a:sym typeface="Wingdings" panose="05000000000000000000" pitchFamily="2" charset="2"/>
-              </a:rPr>
-              <a:t>glColor</a:t>
-            </a:r>
-            <a:r>
-              <a:rPr lang="zh-CN" altLang="en-US" sz="2400" kern="100" dirty="0">
-                <a:latin typeface="Times New Roman" panose="02020603050405020304" pitchFamily="18" charset="0"/>
-                <a:cs typeface="Times New Roman" panose="02020603050405020304" pitchFamily="18" charset="0"/>
-                <a:sym typeface="Wingdings" panose="05000000000000000000" pitchFamily="2" charset="2"/>
-              </a:rPr>
-              <a:t>）</a:t>
-            </a:r>
-            <a:endParaRPr lang="en-US" altLang="zh-CN" sz="2400" b="0" kern="100" dirty="0">
-              <a:latin typeface="Times New Roman" panose="02020603050405020304" pitchFamily="18" charset="0"/>
-              <a:cs typeface="Times New Roman" panose="02020603050405020304" pitchFamily="18" charset="0"/>
-              <a:sym typeface="Wingdings" panose="05000000000000000000" pitchFamily="2" charset="2"/>
-            </a:endParaRPr>
-          </a:p>
-        </p:txBody>
-      </p:sp>
-      <p:sp>
-        <p:nvSpPr>
-          <p:cNvPr id="5" name="矩形 4"/>
+          <p:cNvPr id="5" name="矩形 4">
+            <a:extLst>
+              <a:ext uri="{FF2B5EF4-FFF2-40B4-BE49-F238E27FC236}">
+                <a16:creationId xmlns:a16="http://schemas.microsoft.com/office/drawing/2014/main" id="{E5E3E9A4-F2CD-B514-E473-9AF0A2089D81}"/>
+              </a:ext>
+            </a:extLst>
+          </p:cNvPr>
           <p:cNvSpPr/>
           <p:nvPr/>
         </p:nvSpPr>
@@ -8415,37 +9142,215 @@
           <a:p>
             <a:r>
               <a:rPr lang="zh-CN" altLang="en-US" sz="3200" dirty="0"/>
-              <a:t>颜色插值</a:t>
-            </a:r>
-            <a:endParaRPr lang="zh-CN" altLang="en-US" sz="3200" dirty="0"/>
+              <a:t>圆的绘制</a:t>
+            </a:r>
           </a:p>
         </p:txBody>
       </p:sp>
       <p:pic>
         <p:nvPicPr>
-          <p:cNvPr id="3" name="图片 2"/>
+          <p:cNvPr id="3" name="图片 2">
+            <a:extLst>
+              <a:ext uri="{FF2B5EF4-FFF2-40B4-BE49-F238E27FC236}">
+                <a16:creationId xmlns:a16="http://schemas.microsoft.com/office/drawing/2014/main" id="{31522E1B-23DF-4A98-24FC-6FCD51526108}"/>
+              </a:ext>
+            </a:extLst>
+          </p:cNvPr>
           <p:cNvPicPr>
             <a:picLocks noChangeAspect="1"/>
           </p:cNvPicPr>
           <p:nvPr/>
         </p:nvPicPr>
         <p:blipFill>
-          <a:blip r:embed="rId1"/>
+          <a:blip r:embed="rId3"/>
           <a:stretch>
             <a:fillRect/>
           </a:stretch>
         </p:blipFill>
         <p:spPr>
           <a:xfrm>
-            <a:off x="2277615" y="2288615"/>
-            <a:ext cx="7636769" cy="4148748"/>
+            <a:off x="8537692" y="2060403"/>
+            <a:ext cx="2880079" cy="2461743"/>
           </a:xfrm>
           <a:prstGeom prst="rect">
             <a:avLst/>
           </a:prstGeom>
         </p:spPr>
       </p:pic>
+      <p:pic>
+        <p:nvPicPr>
+          <p:cNvPr id="7" name="图片 6">
+            <a:extLst>
+              <a:ext uri="{FF2B5EF4-FFF2-40B4-BE49-F238E27FC236}">
+                <a16:creationId xmlns:a16="http://schemas.microsoft.com/office/drawing/2014/main" id="{95211ADB-2730-950C-8A02-63D0C3AC2563}"/>
+              </a:ext>
+            </a:extLst>
+          </p:cNvPr>
+          <p:cNvPicPr>
+            <a:picLocks noChangeAspect="1"/>
+          </p:cNvPicPr>
+          <p:nvPr/>
+        </p:nvPicPr>
+        <p:blipFill>
+          <a:blip r:embed="rId4"/>
+          <a:stretch>
+            <a:fillRect/>
+          </a:stretch>
+        </p:blipFill>
+        <p:spPr>
+          <a:xfrm>
+            <a:off x="899317" y="2060403"/>
+            <a:ext cx="2867750" cy="2461743"/>
+          </a:xfrm>
+          <a:prstGeom prst="rect">
+            <a:avLst/>
+          </a:prstGeom>
+        </p:spPr>
+      </p:pic>
+      <p:pic>
+        <p:nvPicPr>
+          <p:cNvPr id="9" name="图片 8">
+            <a:extLst>
+              <a:ext uri="{FF2B5EF4-FFF2-40B4-BE49-F238E27FC236}">
+                <a16:creationId xmlns:a16="http://schemas.microsoft.com/office/drawing/2014/main" id="{8BA47D1C-B52E-6425-44E5-9F0B15D6941D}"/>
+              </a:ext>
+            </a:extLst>
+          </p:cNvPr>
+          <p:cNvPicPr>
+            <a:picLocks noChangeAspect="1"/>
+          </p:cNvPicPr>
+          <p:nvPr/>
+        </p:nvPicPr>
+        <p:blipFill>
+          <a:blip r:embed="rId5"/>
+          <a:stretch>
+            <a:fillRect/>
+          </a:stretch>
+        </p:blipFill>
+        <p:spPr>
+          <a:xfrm>
+            <a:off x="4804373" y="2060403"/>
+            <a:ext cx="3105768" cy="2461743"/>
+          </a:xfrm>
+          <a:prstGeom prst="rect">
+            <a:avLst/>
+          </a:prstGeom>
+        </p:spPr>
+      </p:pic>
+      <p:sp>
+        <p:nvSpPr>
+          <p:cNvPr id="10" name="文本框 9">
+            <a:extLst>
+              <a:ext uri="{FF2B5EF4-FFF2-40B4-BE49-F238E27FC236}">
+                <a16:creationId xmlns:a16="http://schemas.microsoft.com/office/drawing/2014/main" id="{274C3D3E-868A-ABF3-755A-EC4B1C303E5D}"/>
+              </a:ext>
+            </a:extLst>
+          </p:cNvPr>
+          <p:cNvSpPr txBox="1"/>
+          <p:nvPr/>
+        </p:nvSpPr>
+        <p:spPr>
+          <a:xfrm>
+            <a:off x="1935678" y="4648591"/>
+            <a:ext cx="1377538" cy="369332"/>
+          </a:xfrm>
+          <a:prstGeom prst="rect">
+            <a:avLst/>
+          </a:prstGeom>
+          <a:noFill/>
+        </p:spPr>
+        <p:txBody>
+          <a:bodyPr wrap="square" rtlCol="0">
+            <a:spAutoFit/>
+          </a:bodyPr>
+          <a:lstStyle/>
+          <a:p>
+            <a:r>
+              <a:rPr lang="en-US" altLang="zh-CN" dirty="0"/>
+              <a:t>n = 10</a:t>
+            </a:r>
+            <a:endParaRPr lang="zh-CN" altLang="en-US" dirty="0"/>
+          </a:p>
+        </p:txBody>
+      </p:sp>
+      <p:sp>
+        <p:nvSpPr>
+          <p:cNvPr id="11" name="文本框 10">
+            <a:extLst>
+              <a:ext uri="{FF2B5EF4-FFF2-40B4-BE49-F238E27FC236}">
+                <a16:creationId xmlns:a16="http://schemas.microsoft.com/office/drawing/2014/main" id="{395894DF-CB89-26CB-0279-5EC8E8A2B8F8}"/>
+              </a:ext>
+            </a:extLst>
+          </p:cNvPr>
+          <p:cNvSpPr txBox="1"/>
+          <p:nvPr/>
+        </p:nvSpPr>
+        <p:spPr>
+          <a:xfrm>
+            <a:off x="5929745" y="4636716"/>
+            <a:ext cx="1377538" cy="369332"/>
+          </a:xfrm>
+          <a:prstGeom prst="rect">
+            <a:avLst/>
+          </a:prstGeom>
+          <a:noFill/>
+        </p:spPr>
+        <p:txBody>
+          <a:bodyPr wrap="square" rtlCol="0">
+            <a:spAutoFit/>
+          </a:bodyPr>
+          <a:lstStyle/>
+          <a:p>
+            <a:r>
+              <a:rPr lang="en-US" altLang="zh-CN" dirty="0"/>
+              <a:t>n = 20</a:t>
+            </a:r>
+            <a:endParaRPr lang="zh-CN" altLang="en-US" dirty="0"/>
+          </a:p>
+        </p:txBody>
+      </p:sp>
+      <p:sp>
+        <p:nvSpPr>
+          <p:cNvPr id="12" name="文本框 11">
+            <a:extLst>
+              <a:ext uri="{FF2B5EF4-FFF2-40B4-BE49-F238E27FC236}">
+                <a16:creationId xmlns:a16="http://schemas.microsoft.com/office/drawing/2014/main" id="{99C7C078-59AD-E476-2E0C-BEB7215A194A}"/>
+              </a:ext>
+            </a:extLst>
+          </p:cNvPr>
+          <p:cNvSpPr txBox="1"/>
+          <p:nvPr/>
+        </p:nvSpPr>
+        <p:spPr>
+          <a:xfrm>
+            <a:off x="9413174" y="4630179"/>
+            <a:ext cx="1377538" cy="369332"/>
+          </a:xfrm>
+          <a:prstGeom prst="rect">
+            <a:avLst/>
+          </a:prstGeom>
+          <a:noFill/>
+        </p:spPr>
+        <p:txBody>
+          <a:bodyPr wrap="square" rtlCol="0">
+            <a:spAutoFit/>
+          </a:bodyPr>
+          <a:lstStyle/>
+          <a:p>
+            <a:r>
+              <a:rPr lang="en-US" altLang="zh-CN" dirty="0"/>
+              <a:t>n = 1000</a:t>
+            </a:r>
+            <a:endParaRPr lang="zh-CN" altLang="en-US" dirty="0"/>
+          </a:p>
+        </p:txBody>
+      </p:sp>
     </p:spTree>
+    <p:extLst>
+      <p:ext uri="{BB962C8B-B14F-4D97-AF65-F5344CB8AC3E}">
+        <p14:creationId xmlns:p14="http://schemas.microsoft.com/office/powerpoint/2010/main" val="1461638331"/>
+      </p:ext>
+    </p:extLst>
   </p:cSld>
   <p:clrMapOvr>
     <a:masterClrMapping/>
@@ -8478,8 +9383,8 @@
         </p:nvSpPr>
         <p:spPr>
           <a:xfrm>
-            <a:off x="1044799" y="1502890"/>
-            <a:ext cx="9765552" cy="1684244"/>
+            <a:off x="1055685" y="1708648"/>
+            <a:ext cx="9765552" cy="579967"/>
           </a:xfrm>
           <a:prstGeom prst="rect">
             <a:avLst/>
@@ -8500,69 +9405,41 @@
               <a:buChar char="•"/>
             </a:pPr>
             <a:r>
+              <a:rPr lang="zh-CN" altLang="en-US" sz="2400" b="0" kern="100" dirty="0">
+                <a:latin typeface="Times New Roman" panose="02020603050405020304" pitchFamily="18" charset="0"/>
+                <a:cs typeface="Times New Roman" panose="02020603050405020304" pitchFamily="18" charset="0"/>
+                <a:sym typeface="Wingdings" panose="05000000000000000000" pitchFamily="2" charset="2"/>
+              </a:rPr>
+              <a:t>点的颜色，由当前颜色状态决定 </a:t>
+            </a:r>
+            <a:r>
               <a:rPr lang="zh-CN" altLang="en-US" sz="2400" kern="100" dirty="0">
                 <a:latin typeface="Times New Roman" panose="02020603050405020304" pitchFamily="18" charset="0"/>
                 <a:cs typeface="Times New Roman" panose="02020603050405020304" pitchFamily="18" charset="0"/>
-              </a:rPr>
-              <a:t>固定相机位置：</a:t>
-            </a:r>
-            <a:endParaRPr lang="en-US" altLang="zh-CN" sz="2400" kern="100" dirty="0">
+                <a:sym typeface="Wingdings" panose="05000000000000000000" pitchFamily="2" charset="2"/>
+              </a:rPr>
+              <a:t>（</a:t>
+            </a:r>
+            <a:r>
+              <a:rPr lang="en-US" altLang="zh-CN" sz="2400" kern="100" dirty="0" err="1">
+                <a:latin typeface="Times New Roman" panose="02020603050405020304" pitchFamily="18" charset="0"/>
+                <a:cs typeface="Times New Roman" panose="02020603050405020304" pitchFamily="18" charset="0"/>
+                <a:sym typeface="Wingdings" panose="05000000000000000000" pitchFamily="2" charset="2"/>
+              </a:rPr>
+              <a:t>glColor</a:t>
+            </a:r>
+            <a:r>
+              <a:rPr lang="zh-CN" altLang="en-US" sz="2400" kern="100" dirty="0">
+                <a:latin typeface="Times New Roman" panose="02020603050405020304" pitchFamily="18" charset="0"/>
+                <a:cs typeface="Times New Roman" panose="02020603050405020304" pitchFamily="18" charset="0"/>
+                <a:sym typeface="Wingdings" panose="05000000000000000000" pitchFamily="2" charset="2"/>
+              </a:rPr>
+              <a:t>）</a:t>
+            </a:r>
+            <a:endParaRPr lang="en-US" altLang="zh-CN" sz="2400" b="0" kern="100" dirty="0">
               <a:latin typeface="Times New Roman" panose="02020603050405020304" pitchFamily="18" charset="0"/>
               <a:cs typeface="Times New Roman" panose="02020603050405020304" pitchFamily="18" charset="0"/>
-            </a:endParaRPr>
-          </a:p>
-          <a:p>
-            <a:pPr marL="800100" lvl="1" indent="-342900" algn="just">
-              <a:lnSpc>
-                <a:spcPct val="150000"/>
-              </a:lnSpc>
-              <a:buFont typeface="Arial" panose="020B0604020202020204" pitchFamily="34" charset="0"/>
-              <a:buChar char="•"/>
-            </a:pPr>
-            <a:r>
-              <a:rPr lang="zh-CN" altLang="en-US" sz="2400" kern="100" dirty="0">
-                <a:latin typeface="Times New Roman" panose="02020603050405020304" pitchFamily="18" charset="0"/>
-                <a:cs typeface="Times New Roman" panose="02020603050405020304" pitchFamily="18" charset="0"/>
-              </a:rPr>
-              <a:t>指定图形的绝对位置</a:t>
-            </a:r>
-            <a:endParaRPr lang="en-US" altLang="zh-CN" sz="2400" kern="100" dirty="0">
-              <a:latin typeface="Times New Roman" panose="02020603050405020304" pitchFamily="18" charset="0"/>
-              <a:cs typeface="Times New Roman" panose="02020603050405020304" pitchFamily="18" charset="0"/>
-            </a:endParaRPr>
-          </a:p>
-          <a:p>
-            <a:pPr marL="800100" lvl="1" indent="-342900" algn="just">
-              <a:lnSpc>
-                <a:spcPct val="150000"/>
-              </a:lnSpc>
-              <a:buFont typeface="Arial" panose="020B0604020202020204" pitchFamily="34" charset="0"/>
-              <a:buChar char="•"/>
-            </a:pPr>
-            <a:r>
-              <a:rPr lang="zh-CN" altLang="en-US" sz="2400" kern="100" dirty="0">
-                <a:latin typeface="Times New Roman" panose="02020603050405020304" pitchFamily="18" charset="0"/>
-                <a:cs typeface="Times New Roman" panose="02020603050405020304" pitchFamily="18" charset="0"/>
-              </a:rPr>
-              <a:t>使用</a:t>
-            </a:r>
-            <a:r>
-              <a:rPr lang="en-US" altLang="zh-CN" sz="2400" kern="100" dirty="0" err="1">
-                <a:latin typeface="Times New Roman" panose="02020603050405020304" pitchFamily="18" charset="0"/>
-                <a:cs typeface="Times New Roman" panose="02020603050405020304" pitchFamily="18" charset="0"/>
-              </a:rPr>
-              <a:t>glTranslatef</a:t>
-            </a:r>
-            <a:r>
-              <a:rPr lang="zh-CN" altLang="en-US" sz="2400" kern="100" dirty="0">
-                <a:latin typeface="Times New Roman" panose="02020603050405020304" pitchFamily="18" charset="0"/>
-                <a:cs typeface="Times New Roman" panose="02020603050405020304" pitchFamily="18" charset="0"/>
-              </a:rPr>
-              <a:t>改变图形的相对位置</a:t>
-            </a:r>
-            <a:endParaRPr lang="en-US" altLang="zh-CN" sz="2400" kern="100" dirty="0">
-              <a:latin typeface="Times New Roman" panose="02020603050405020304" pitchFamily="18" charset="0"/>
-              <a:cs typeface="Times New Roman" panose="02020603050405020304" pitchFamily="18" charset="0"/>
+              <a:sym typeface="Wingdings" panose="05000000000000000000" pitchFamily="2" charset="2"/>
             </a:endParaRPr>
           </a:p>
         </p:txBody>
@@ -8590,30 +9467,29 @@
           <a:p>
             <a:r>
               <a:rPr lang="zh-CN" altLang="en-US" sz="3200" dirty="0"/>
-              <a:t>改变图像在屏幕中的位置</a:t>
-            </a:r>
-            <a:endParaRPr lang="zh-CN" altLang="en-US" sz="3200" dirty="0"/>
+              <a:t>颜色插值</a:t>
+            </a:r>
           </a:p>
         </p:txBody>
       </p:sp>
       <p:pic>
         <p:nvPicPr>
-          <p:cNvPr id="6" name="图片 5"/>
+          <p:cNvPr id="3" name="图片 2"/>
           <p:cNvPicPr>
             <a:picLocks noChangeAspect="1"/>
           </p:cNvPicPr>
           <p:nvPr/>
         </p:nvPicPr>
         <p:blipFill>
-          <a:blip r:embed="rId1"/>
+          <a:blip r:embed="rId3"/>
           <a:stretch>
             <a:fillRect/>
           </a:stretch>
         </p:blipFill>
         <p:spPr>
           <a:xfrm>
-            <a:off x="3081135" y="3334481"/>
-            <a:ext cx="5692880" cy="3092712"/>
+            <a:off x="2277615" y="2288615"/>
+            <a:ext cx="7636769" cy="4148748"/>
           </a:xfrm>
           <a:prstGeom prst="rect">
             <a:avLst/>
@@ -8653,8 +9529,8 @@
         </p:nvSpPr>
         <p:spPr>
           <a:xfrm>
-            <a:off x="1055685" y="1708648"/>
-            <a:ext cx="9765552" cy="4455835"/>
+            <a:off x="1044799" y="1502890"/>
+            <a:ext cx="9765552" cy="1684244"/>
           </a:xfrm>
           <a:prstGeom prst="rect">
             <a:avLst/>
@@ -8667,180 +9543,19 @@
           </a:bodyPr>
           <a:lstStyle/>
           <a:p>
-            <a:pPr algn="just">
+            <a:pPr marL="342900" indent="-342900" algn="just">
               <a:lnSpc>
                 <a:spcPct val="150000"/>
               </a:lnSpc>
+              <a:buFont typeface="Arial" panose="020B0604020202020204" pitchFamily="34" charset="0"/>
+              <a:buChar char="•"/>
             </a:pPr>
             <a:r>
               <a:rPr lang="zh-CN" altLang="en-US" sz="2400" kern="100" dirty="0">
                 <a:latin typeface="Times New Roman" panose="02020603050405020304" pitchFamily="18" charset="0"/>
                 <a:cs typeface="Times New Roman" panose="02020603050405020304" pitchFamily="18" charset="0"/>
               </a:rPr>
-              <a:t>建议阅读资料：</a:t>
-            </a:r>
-            <a:endParaRPr lang="zh-CN" altLang="en-US" sz="2400" kern="100" dirty="0">
-              <a:latin typeface="Times New Roman" panose="02020603050405020304" pitchFamily="18" charset="0"/>
-              <a:cs typeface="Times New Roman" panose="02020603050405020304" pitchFamily="18" charset="0"/>
-            </a:endParaRPr>
-          </a:p>
-          <a:p>
-            <a:pPr algn="just">
-              <a:lnSpc>
-                <a:spcPct val="150000"/>
-              </a:lnSpc>
-            </a:pPr>
-            <a:r>
-              <a:rPr lang="zh-CN" altLang="en-US" sz="2400" kern="100" dirty="0">
-                <a:latin typeface="Times New Roman" panose="02020603050405020304" pitchFamily="18" charset="0"/>
-                <a:cs typeface="Times New Roman" panose="02020603050405020304" pitchFamily="18" charset="0"/>
-              </a:rPr>
-              <a:t>（</a:t>
-            </a:r>
-            <a:r>
-              <a:rPr lang="en-US" altLang="zh-CN" sz="2400" kern="100" dirty="0">
-                <a:latin typeface="Times New Roman" panose="02020603050405020304" pitchFamily="18" charset="0"/>
-                <a:cs typeface="Times New Roman" panose="02020603050405020304" pitchFamily="18" charset="0"/>
-              </a:rPr>
-              <a:t>1</a:t>
-            </a:r>
-            <a:r>
-              <a:rPr lang="zh-CN" altLang="en-US" sz="2400" kern="100" dirty="0">
-                <a:latin typeface="Times New Roman" panose="02020603050405020304" pitchFamily="18" charset="0"/>
-                <a:cs typeface="Times New Roman" panose="02020603050405020304" pitchFamily="18" charset="0"/>
-              </a:rPr>
-              <a:t>）</a:t>
-            </a:r>
-            <a:r>
-              <a:rPr lang="en-US" altLang="zh-CN" sz="2400" kern="100" dirty="0">
-                <a:latin typeface="Times New Roman" panose="02020603050405020304" pitchFamily="18" charset="0"/>
-                <a:cs typeface="Times New Roman" panose="02020603050405020304" pitchFamily="18" charset="0"/>
-              </a:rPr>
-              <a:t>《OpenGL</a:t>
-            </a:r>
-            <a:r>
-              <a:rPr lang="zh-CN" altLang="en-US" sz="2400" kern="100" dirty="0">
-                <a:latin typeface="Times New Roman" panose="02020603050405020304" pitchFamily="18" charset="0"/>
-                <a:cs typeface="Times New Roman" panose="02020603050405020304" pitchFamily="18" charset="0"/>
-              </a:rPr>
-              <a:t>编程基础</a:t>
-            </a:r>
-            <a:r>
-              <a:rPr lang="en-US" altLang="zh-CN" sz="2400" kern="100" dirty="0">
-                <a:latin typeface="Times New Roman" panose="02020603050405020304" pitchFamily="18" charset="0"/>
-                <a:cs typeface="Times New Roman" panose="02020603050405020304" pitchFamily="18" charset="0"/>
-              </a:rPr>
-              <a:t>》</a:t>
-            </a:r>
-            <a:r>
-              <a:rPr lang="zh-CN" altLang="en-US" sz="2400" kern="100" dirty="0">
-                <a:latin typeface="Times New Roman" panose="02020603050405020304" pitchFamily="18" charset="0"/>
-                <a:cs typeface="Times New Roman" panose="02020603050405020304" pitchFamily="18" charset="0"/>
-              </a:rPr>
-              <a:t>第</a:t>
-            </a:r>
-            <a:r>
-              <a:rPr lang="en-US" altLang="zh-CN" sz="2400" kern="100" dirty="0">
-                <a:latin typeface="Times New Roman" panose="02020603050405020304" pitchFamily="18" charset="0"/>
-                <a:cs typeface="Times New Roman" panose="02020603050405020304" pitchFamily="18" charset="0"/>
-              </a:rPr>
-              <a:t>1</a:t>
-            </a:r>
-            <a:r>
-              <a:rPr lang="zh-CN" altLang="en-US" sz="2400" kern="100" dirty="0">
-                <a:latin typeface="Times New Roman" panose="02020603050405020304" pitchFamily="18" charset="0"/>
-                <a:cs typeface="Times New Roman" panose="02020603050405020304" pitchFamily="18" charset="0"/>
-              </a:rPr>
-              <a:t>、</a:t>
-            </a:r>
-            <a:r>
-              <a:rPr lang="en-US" altLang="zh-CN" sz="2400" kern="100" dirty="0">
-                <a:latin typeface="Times New Roman" panose="02020603050405020304" pitchFamily="18" charset="0"/>
-                <a:cs typeface="Times New Roman" panose="02020603050405020304" pitchFamily="18" charset="0"/>
-              </a:rPr>
-              <a:t>2</a:t>
-            </a:r>
-            <a:r>
-              <a:rPr lang="zh-CN" altLang="en-US" sz="2400" kern="100" dirty="0">
-                <a:latin typeface="Times New Roman" panose="02020603050405020304" pitchFamily="18" charset="0"/>
-                <a:cs typeface="Times New Roman" panose="02020603050405020304" pitchFamily="18" charset="0"/>
-              </a:rPr>
-              <a:t>章</a:t>
-            </a:r>
-            <a:endParaRPr lang="zh-CN" altLang="en-US" sz="2400" kern="100" dirty="0">
-              <a:latin typeface="Times New Roman" panose="02020603050405020304" pitchFamily="18" charset="0"/>
-              <a:cs typeface="Times New Roman" panose="02020603050405020304" pitchFamily="18" charset="0"/>
-            </a:endParaRPr>
-          </a:p>
-          <a:p>
-            <a:pPr algn="just">
-              <a:lnSpc>
-                <a:spcPct val="150000"/>
-              </a:lnSpc>
-            </a:pPr>
-            <a:endParaRPr lang="zh-CN" altLang="en-US" sz="2400" kern="100" dirty="0">
-              <a:latin typeface="Times New Roman" panose="02020603050405020304" pitchFamily="18" charset="0"/>
-              <a:cs typeface="Times New Roman" panose="02020603050405020304" pitchFamily="18" charset="0"/>
-            </a:endParaRPr>
-          </a:p>
-          <a:p>
-            <a:pPr algn="just">
-              <a:lnSpc>
-                <a:spcPct val="150000"/>
-              </a:lnSpc>
-            </a:pPr>
-            <a:r>
-              <a:rPr lang="zh-CN" altLang="en-US" sz="2400" kern="100" dirty="0">
-                <a:latin typeface="Times New Roman" panose="02020603050405020304" pitchFamily="18" charset="0"/>
-                <a:cs typeface="Times New Roman" panose="02020603050405020304" pitchFamily="18" charset="0"/>
-              </a:rPr>
-              <a:t>要求：</a:t>
-            </a:r>
-            <a:endParaRPr lang="zh-CN" altLang="en-US" sz="2400" kern="100" dirty="0">
-              <a:latin typeface="Times New Roman" panose="02020603050405020304" pitchFamily="18" charset="0"/>
-              <a:cs typeface="Times New Roman" panose="02020603050405020304" pitchFamily="18" charset="0"/>
-            </a:endParaRPr>
-          </a:p>
-          <a:p>
-            <a:pPr algn="just">
-              <a:lnSpc>
-                <a:spcPct val="150000"/>
-              </a:lnSpc>
-            </a:pPr>
-            <a:r>
-              <a:rPr lang="zh-CN" altLang="en-US" sz="2400" kern="100" dirty="0">
-                <a:latin typeface="Times New Roman" panose="02020603050405020304" pitchFamily="18" charset="0"/>
-                <a:cs typeface="Times New Roman" panose="02020603050405020304" pitchFamily="18" charset="0"/>
-              </a:rPr>
-              <a:t>（</a:t>
-            </a:r>
-            <a:r>
-              <a:rPr lang="en-US" altLang="zh-CN" sz="2400" kern="100" dirty="0">
-                <a:latin typeface="Times New Roman" panose="02020603050405020304" pitchFamily="18" charset="0"/>
-                <a:cs typeface="Times New Roman" panose="02020603050405020304" pitchFamily="18" charset="0"/>
-              </a:rPr>
-              <a:t>1</a:t>
-            </a:r>
-            <a:r>
-              <a:rPr lang="zh-CN" altLang="en-US" sz="2400" kern="100" dirty="0">
-                <a:latin typeface="Times New Roman" panose="02020603050405020304" pitchFamily="18" charset="0"/>
-                <a:cs typeface="Times New Roman" panose="02020603050405020304" pitchFamily="18" charset="0"/>
-              </a:rPr>
-              <a:t>）编写、运行示例</a:t>
-            </a:r>
-            <a:r>
-              <a:rPr lang="en-US" altLang="zh-CN" sz="2400" kern="100" dirty="0">
-                <a:latin typeface="Times New Roman" panose="02020603050405020304" pitchFamily="18" charset="0"/>
-                <a:cs typeface="Times New Roman" panose="02020603050405020304" pitchFamily="18" charset="0"/>
-              </a:rPr>
-              <a:t>OpenGL</a:t>
-            </a:r>
-            <a:r>
-              <a:rPr lang="zh-CN" altLang="en-US" sz="2400" kern="100" dirty="0">
-                <a:latin typeface="Times New Roman" panose="02020603050405020304" pitchFamily="18" charset="0"/>
-                <a:cs typeface="Times New Roman" panose="02020603050405020304" pitchFamily="18" charset="0"/>
-              </a:rPr>
-              <a:t>程序</a:t>
+              <a:t>固定相机位置：</a:t>
             </a:r>
             <a:endParaRPr lang="en-US" altLang="zh-CN" sz="2400" kern="100" dirty="0">
               <a:latin typeface="Times New Roman" panose="02020603050405020304" pitchFamily="18" charset="0"/>
@@ -8848,93 +9563,59 @@
             </a:endParaRPr>
           </a:p>
           <a:p>
-            <a:pPr algn="just">
+            <a:pPr marL="800100" lvl="1" indent="-342900" algn="just">
               <a:lnSpc>
                 <a:spcPct val="150000"/>
               </a:lnSpc>
+              <a:buFont typeface="Arial" panose="020B0604020202020204" pitchFamily="34" charset="0"/>
+              <a:buChar char="•"/>
             </a:pPr>
             <a:r>
               <a:rPr lang="zh-CN" altLang="en-US" sz="2400" kern="100" dirty="0">
                 <a:latin typeface="Times New Roman" panose="02020603050405020304" pitchFamily="18" charset="0"/>
                 <a:cs typeface="Times New Roman" panose="02020603050405020304" pitchFamily="18" charset="0"/>
               </a:rPr>
-              <a:t>（</a:t>
-            </a:r>
-            <a:r>
-              <a:rPr lang="en-US" altLang="zh-CN" sz="2400" kern="100" dirty="0">
-                <a:latin typeface="Times New Roman" panose="02020603050405020304" pitchFamily="18" charset="0"/>
-                <a:cs typeface="Times New Roman" panose="02020603050405020304" pitchFamily="18" charset="0"/>
-              </a:rPr>
-              <a:t>2</a:t>
-            </a:r>
-            <a:r>
-              <a:rPr lang="zh-CN" altLang="en-US" sz="2400" kern="100" dirty="0">
-                <a:latin typeface="Times New Roman" panose="02020603050405020304" pitchFamily="18" charset="0"/>
-                <a:cs typeface="Times New Roman" panose="02020603050405020304" pitchFamily="18" charset="0"/>
-              </a:rPr>
-              <a:t>）用鼠标改变窗口大小会发生什么？哪个函数在影响整个过程？</a:t>
-            </a:r>
-            <a:endParaRPr lang="zh-CN" altLang="en-US" sz="2400" kern="100" dirty="0">
+              <a:t>指定图形的绝对位置</a:t>
+            </a:r>
+            <a:endParaRPr lang="en-US" altLang="zh-CN" sz="2400" kern="100" dirty="0">
               <a:latin typeface="Times New Roman" panose="02020603050405020304" pitchFamily="18" charset="0"/>
               <a:cs typeface="Times New Roman" panose="02020603050405020304" pitchFamily="18" charset="0"/>
             </a:endParaRPr>
           </a:p>
           <a:p>
-            <a:pPr algn="just">
+            <a:pPr marL="800100" lvl="1" indent="-342900" algn="just">
               <a:lnSpc>
                 <a:spcPct val="150000"/>
               </a:lnSpc>
+              <a:buFont typeface="Arial" panose="020B0604020202020204" pitchFamily="34" charset="0"/>
+              <a:buChar char="•"/>
             </a:pPr>
             <a:r>
               <a:rPr lang="zh-CN" altLang="en-US" sz="2400" kern="100" dirty="0">
                 <a:latin typeface="Times New Roman" panose="02020603050405020304" pitchFamily="18" charset="0"/>
                 <a:cs typeface="Times New Roman" panose="02020603050405020304" pitchFamily="18" charset="0"/>
               </a:rPr>
-              <a:t>（</a:t>
-            </a:r>
-            <a:r>
-              <a:rPr lang="en-US" altLang="zh-CN" sz="2400" kern="100" dirty="0">
-                <a:latin typeface="Times New Roman" panose="02020603050405020304" pitchFamily="18" charset="0"/>
-                <a:cs typeface="Times New Roman" panose="02020603050405020304" pitchFamily="18" charset="0"/>
-              </a:rPr>
-              <a:t>3</a:t>
+              <a:t>使用</a:t>
+            </a:r>
+            <a:r>
+              <a:rPr lang="en-US" altLang="zh-CN" sz="2400" kern="100" dirty="0" err="1">
+                <a:latin typeface="Times New Roman" panose="02020603050405020304" pitchFamily="18" charset="0"/>
+                <a:cs typeface="Times New Roman" panose="02020603050405020304" pitchFamily="18" charset="0"/>
+              </a:rPr>
+              <a:t>glTranslatef</a:t>
             </a:r>
             <a:r>
               <a:rPr lang="zh-CN" altLang="en-US" sz="2400" kern="100" dirty="0">
                 <a:latin typeface="Times New Roman" panose="02020603050405020304" pitchFamily="18" charset="0"/>
                 <a:cs typeface="Times New Roman" panose="02020603050405020304" pitchFamily="18" charset="0"/>
               </a:rPr>
-              <a:t>）尝试理解、运行红宝书或者教材中其他</a:t>
-            </a:r>
-            <a:r>
-              <a:rPr lang="en-US" altLang="zh-CN" sz="2400" kern="100" dirty="0">
-                <a:latin typeface="Times New Roman" panose="02020603050405020304" pitchFamily="18" charset="0"/>
-                <a:cs typeface="Times New Roman" panose="02020603050405020304" pitchFamily="18" charset="0"/>
-              </a:rPr>
-              <a:t>OpenGL</a:t>
-            </a:r>
-            <a:r>
-              <a:rPr lang="zh-CN" altLang="en-US" sz="2400" kern="100" dirty="0">
-                <a:latin typeface="Times New Roman" panose="02020603050405020304" pitchFamily="18" charset="0"/>
-                <a:cs typeface="Times New Roman" panose="02020603050405020304" pitchFamily="18" charset="0"/>
-              </a:rPr>
-              <a:t>程序</a:t>
-            </a:r>
-            <a:endParaRPr lang="zh-CN" altLang="en-US" sz="2400" kern="100" dirty="0">
+              <a:t>改变图形的相对位置</a:t>
+            </a:r>
+            <a:endParaRPr lang="en-US" altLang="zh-CN" sz="2400" kern="100" dirty="0">
               <a:latin typeface="Times New Roman" panose="02020603050405020304" pitchFamily="18" charset="0"/>
               <a:cs typeface="Times New Roman" panose="02020603050405020304" pitchFamily="18" charset="0"/>
             </a:endParaRPr>
           </a:p>
-          <a:p>
-            <a:pPr algn="just">
-              <a:lnSpc>
-                <a:spcPct val="150000"/>
-              </a:lnSpc>
-            </a:pPr>
-            <a:endParaRPr lang="zh-CN" altLang="en-US" sz="2400" kern="100" dirty="0">
-              <a:latin typeface="Arial" panose="020B0604020202020204" pitchFamily="34" charset="0"/>
-            </a:endParaRPr>
-          </a:p>
         </p:txBody>
       </p:sp>
       <p:sp>
@@ -8946,7 +9627,7 @@
         <p:spPr>
           <a:xfrm>
             <a:off x="568640" y="640140"/>
-            <a:ext cx="8552782" cy="584775"/>
+            <a:ext cx="6950885" cy="584775"/>
           </a:xfrm>
           <a:prstGeom prst="rect">
             <a:avLst/>
@@ -8959,14 +9640,9 @@
           <a:lstStyle/>
           <a:p>
             <a:r>
-              <a:rPr lang="en-US" altLang="zh-CN" sz="3200" dirty="0"/>
-              <a:t>Task1 </a:t>
-            </a:r>
-            <a:r>
               <a:rPr lang="zh-CN" altLang="en-US" sz="3200" dirty="0"/>
-              <a:t>运行提供的示例程序</a:t>
-            </a:r>
-            <a:endParaRPr lang="zh-CN" altLang="en-US" sz="3200" dirty="0"/>
+              <a:t>改变图像在屏幕中的位置</a:t>
+            </a:r>
           </a:p>
         </p:txBody>
       </p:sp>
@@ -9004,7 +9680,7 @@
         <p:spPr>
           <a:xfrm>
             <a:off x="1055685" y="1708648"/>
-            <a:ext cx="9765552" cy="1128579"/>
+            <a:ext cx="9765552" cy="4455835"/>
           </a:xfrm>
           <a:prstGeom prst="rect">
             <a:avLst/>
@@ -9023,18 +9699,245 @@
               </a:lnSpc>
             </a:pPr>
             <a:r>
+              <a:rPr lang="zh-CN" altLang="en-US" sz="2400" kern="100" dirty="0">
+                <a:latin typeface="Times New Roman" panose="02020603050405020304" pitchFamily="18" charset="0"/>
+                <a:cs typeface="Times New Roman" panose="02020603050405020304" pitchFamily="18" charset="0"/>
+              </a:rPr>
+              <a:t>建议阅读资料：</a:t>
+            </a:r>
+          </a:p>
+          <a:p>
+            <a:pPr algn="just">
+              <a:lnSpc>
+                <a:spcPct val="150000"/>
+              </a:lnSpc>
+            </a:pPr>
+            <a:r>
+              <a:rPr lang="zh-CN" altLang="en-US" sz="2400" kern="100" dirty="0">
+                <a:latin typeface="Times New Roman" panose="02020603050405020304" pitchFamily="18" charset="0"/>
+                <a:cs typeface="Times New Roman" panose="02020603050405020304" pitchFamily="18" charset="0"/>
+              </a:rPr>
+              <a:t>（</a:t>
+            </a:r>
+            <a:r>
               <a:rPr lang="en-US" altLang="zh-CN" sz="2400" kern="100" dirty="0">
-                <a:latin typeface="Arial" panose="020B0604020202020204" pitchFamily="34" charset="0"/>
-              </a:rPr>
-              <a:t>	</a:t>
+                <a:latin typeface="Times New Roman" panose="02020603050405020304" pitchFamily="18" charset="0"/>
+                <a:cs typeface="Times New Roman" panose="02020603050405020304" pitchFamily="18" charset="0"/>
+              </a:rPr>
+              <a:t>1</a:t>
             </a:r>
             <a:r>
               <a:rPr lang="zh-CN" altLang="en-US" sz="2400" kern="100" dirty="0">
-                <a:latin typeface="Arial" panose="020B0604020202020204" pitchFamily="34" charset="0"/>
-              </a:rPr>
-              <a:t>绘制一个实心的圆。要求圆分成若干个扇形，每个扇形颜色不同。例如下图：</a:t>
+                <a:latin typeface="Times New Roman" panose="02020603050405020304" pitchFamily="18" charset="0"/>
+                <a:cs typeface="Times New Roman" panose="02020603050405020304" pitchFamily="18" charset="0"/>
+              </a:rPr>
+              <a:t>）</a:t>
+            </a:r>
+            <a:r>
+              <a:rPr lang="en-US" altLang="zh-CN" sz="2400" kern="100" dirty="0">
+                <a:latin typeface="Times New Roman" panose="02020603050405020304" pitchFamily="18" charset="0"/>
+                <a:cs typeface="Times New Roman" panose="02020603050405020304" pitchFamily="18" charset="0"/>
+              </a:rPr>
+              <a:t>《OpenGL</a:t>
+            </a:r>
+            <a:r>
+              <a:rPr lang="zh-CN" altLang="en-US" sz="2400" kern="100" dirty="0">
+                <a:latin typeface="Times New Roman" panose="02020603050405020304" pitchFamily="18" charset="0"/>
+                <a:cs typeface="Times New Roman" panose="02020603050405020304" pitchFamily="18" charset="0"/>
+              </a:rPr>
+              <a:t>编程基础</a:t>
+            </a:r>
+            <a:r>
+              <a:rPr lang="en-US" altLang="zh-CN" sz="2400" kern="100" dirty="0">
+                <a:latin typeface="Times New Roman" panose="02020603050405020304" pitchFamily="18" charset="0"/>
+                <a:cs typeface="Times New Roman" panose="02020603050405020304" pitchFamily="18" charset="0"/>
+              </a:rPr>
+              <a:t>》</a:t>
+            </a:r>
+            <a:r>
+              <a:rPr lang="zh-CN" altLang="en-US" sz="2400" kern="100" dirty="0">
+                <a:latin typeface="Times New Roman" panose="02020603050405020304" pitchFamily="18" charset="0"/>
+                <a:cs typeface="Times New Roman" panose="02020603050405020304" pitchFamily="18" charset="0"/>
+              </a:rPr>
+              <a:t>第</a:t>
+            </a:r>
+            <a:r>
+              <a:rPr lang="en-US" altLang="zh-CN" sz="2400" kern="100" dirty="0">
+                <a:latin typeface="Times New Roman" panose="02020603050405020304" pitchFamily="18" charset="0"/>
+                <a:cs typeface="Times New Roman" panose="02020603050405020304" pitchFamily="18" charset="0"/>
+              </a:rPr>
+              <a:t>1</a:t>
+            </a:r>
+            <a:r>
+              <a:rPr lang="zh-CN" altLang="en-US" sz="2400" kern="100" dirty="0">
+                <a:latin typeface="Times New Roman" panose="02020603050405020304" pitchFamily="18" charset="0"/>
+                <a:cs typeface="Times New Roman" panose="02020603050405020304" pitchFamily="18" charset="0"/>
+              </a:rPr>
+              <a:t>、</a:t>
+            </a:r>
+            <a:r>
+              <a:rPr lang="en-US" altLang="zh-CN" sz="2400" kern="100" dirty="0">
+                <a:latin typeface="Times New Roman" panose="02020603050405020304" pitchFamily="18" charset="0"/>
+                <a:cs typeface="Times New Roman" panose="02020603050405020304" pitchFamily="18" charset="0"/>
+              </a:rPr>
+              <a:t>2</a:t>
+            </a:r>
+            <a:r>
+              <a:rPr lang="zh-CN" altLang="en-US" sz="2400" kern="100" dirty="0">
+                <a:latin typeface="Times New Roman" panose="02020603050405020304" pitchFamily="18" charset="0"/>
+                <a:cs typeface="Times New Roman" panose="02020603050405020304" pitchFamily="18" charset="0"/>
+              </a:rPr>
+              <a:t>章</a:t>
+            </a:r>
+          </a:p>
+          <a:p>
+            <a:pPr algn="just">
+              <a:lnSpc>
+                <a:spcPct val="150000"/>
+              </a:lnSpc>
+            </a:pPr>
+            <a:endParaRPr lang="zh-CN" altLang="en-US" sz="2400" kern="100" dirty="0">
+              <a:latin typeface="Times New Roman" panose="02020603050405020304" pitchFamily="18" charset="0"/>
+              <a:cs typeface="Times New Roman" panose="02020603050405020304" pitchFamily="18" charset="0"/>
+            </a:endParaRPr>
+          </a:p>
+          <a:p>
+            <a:pPr algn="just">
+              <a:lnSpc>
+                <a:spcPct val="150000"/>
+              </a:lnSpc>
+            </a:pPr>
+            <a:r>
+              <a:rPr lang="zh-CN" altLang="en-US" sz="2400" kern="100" dirty="0">
+                <a:latin typeface="Times New Roman" panose="02020603050405020304" pitchFamily="18" charset="0"/>
+                <a:cs typeface="Times New Roman" panose="02020603050405020304" pitchFamily="18" charset="0"/>
+              </a:rPr>
+              <a:t>要求：</a:t>
+            </a:r>
+          </a:p>
+          <a:p>
+            <a:pPr algn="just">
+              <a:lnSpc>
+                <a:spcPct val="150000"/>
+              </a:lnSpc>
+            </a:pPr>
+            <a:r>
+              <a:rPr lang="zh-CN" altLang="en-US" sz="2400" kern="100" dirty="0">
+                <a:latin typeface="Times New Roman" panose="02020603050405020304" pitchFamily="18" charset="0"/>
+                <a:cs typeface="Times New Roman" panose="02020603050405020304" pitchFamily="18" charset="0"/>
+              </a:rPr>
+              <a:t>（</a:t>
+            </a:r>
+            <a:r>
+              <a:rPr lang="en-US" altLang="zh-CN" sz="2400" kern="100" dirty="0">
+                <a:latin typeface="Times New Roman" panose="02020603050405020304" pitchFamily="18" charset="0"/>
+                <a:cs typeface="Times New Roman" panose="02020603050405020304" pitchFamily="18" charset="0"/>
+              </a:rPr>
+              <a:t>1</a:t>
+            </a:r>
+            <a:r>
+              <a:rPr lang="zh-CN" altLang="en-US" sz="2400" kern="100" dirty="0">
+                <a:latin typeface="Times New Roman" panose="02020603050405020304" pitchFamily="18" charset="0"/>
+                <a:cs typeface="Times New Roman" panose="02020603050405020304" pitchFamily="18" charset="0"/>
+              </a:rPr>
+              <a:t>）编写、运行示例</a:t>
+            </a:r>
+            <a:r>
+              <a:rPr lang="en-US" altLang="zh-CN" sz="2400" kern="100" dirty="0">
+                <a:latin typeface="Times New Roman" panose="02020603050405020304" pitchFamily="18" charset="0"/>
+                <a:cs typeface="Times New Roman" panose="02020603050405020304" pitchFamily="18" charset="0"/>
+              </a:rPr>
+              <a:t>OpenGL</a:t>
+            </a:r>
+            <a:r>
+              <a:rPr lang="zh-CN" altLang="en-US" sz="2400" kern="100" dirty="0">
+                <a:latin typeface="Times New Roman" panose="02020603050405020304" pitchFamily="18" charset="0"/>
+                <a:cs typeface="Times New Roman" panose="02020603050405020304" pitchFamily="18" charset="0"/>
+              </a:rPr>
+              <a:t>程序</a:t>
             </a:r>
             <a:endParaRPr lang="en-US" altLang="zh-CN" sz="2400" kern="100" dirty="0">
+              <a:latin typeface="Times New Roman" panose="02020603050405020304" pitchFamily="18" charset="0"/>
+              <a:cs typeface="Times New Roman" panose="02020603050405020304" pitchFamily="18" charset="0"/>
+            </a:endParaRPr>
+          </a:p>
+          <a:p>
+            <a:pPr algn="just">
+              <a:lnSpc>
+                <a:spcPct val="150000"/>
+              </a:lnSpc>
+            </a:pPr>
+            <a:r>
+              <a:rPr lang="zh-CN" altLang="en-US" sz="2400" kern="100" dirty="0">
+                <a:latin typeface="Times New Roman" panose="02020603050405020304" pitchFamily="18" charset="0"/>
+                <a:cs typeface="Times New Roman" panose="02020603050405020304" pitchFamily="18" charset="0"/>
+              </a:rPr>
+              <a:t>（</a:t>
+            </a:r>
+            <a:r>
+              <a:rPr lang="en-US" altLang="zh-CN" sz="2400" kern="100" dirty="0">
+                <a:latin typeface="Times New Roman" panose="02020603050405020304" pitchFamily="18" charset="0"/>
+                <a:cs typeface="Times New Roman" panose="02020603050405020304" pitchFamily="18" charset="0"/>
+              </a:rPr>
+              <a:t>2</a:t>
+            </a:r>
+            <a:r>
+              <a:rPr lang="zh-CN" altLang="en-US" sz="2400" kern="100" dirty="0">
+                <a:latin typeface="Times New Roman" panose="02020603050405020304" pitchFamily="18" charset="0"/>
+                <a:cs typeface="Times New Roman" panose="02020603050405020304" pitchFamily="18" charset="0"/>
+              </a:rPr>
+              <a:t>）用鼠标改变窗口大小会发生什么？哪个函数在影响整个过程？</a:t>
+            </a:r>
+          </a:p>
+          <a:p>
+            <a:pPr algn="just">
+              <a:lnSpc>
+                <a:spcPct val="150000"/>
+              </a:lnSpc>
+            </a:pPr>
+            <a:r>
+              <a:rPr lang="zh-CN" altLang="en-US" sz="2400" kern="100" dirty="0">
+                <a:latin typeface="Times New Roman" panose="02020603050405020304" pitchFamily="18" charset="0"/>
+                <a:cs typeface="Times New Roman" panose="02020603050405020304" pitchFamily="18" charset="0"/>
+              </a:rPr>
+              <a:t>（</a:t>
+            </a:r>
+            <a:r>
+              <a:rPr lang="en-US" altLang="zh-CN" sz="2400" kern="100" dirty="0">
+                <a:latin typeface="Times New Roman" panose="02020603050405020304" pitchFamily="18" charset="0"/>
+                <a:cs typeface="Times New Roman" panose="02020603050405020304" pitchFamily="18" charset="0"/>
+              </a:rPr>
+              <a:t>3</a:t>
+            </a:r>
+            <a:r>
+              <a:rPr lang="zh-CN" altLang="en-US" sz="2400" kern="100" dirty="0">
+                <a:latin typeface="Times New Roman" panose="02020603050405020304" pitchFamily="18" charset="0"/>
+                <a:cs typeface="Times New Roman" panose="02020603050405020304" pitchFamily="18" charset="0"/>
+              </a:rPr>
+              <a:t>）尝试理解、运行红宝书或者教材中其他</a:t>
+            </a:r>
+            <a:r>
+              <a:rPr lang="en-US" altLang="zh-CN" sz="2400" kern="100" dirty="0">
+                <a:latin typeface="Times New Roman" panose="02020603050405020304" pitchFamily="18" charset="0"/>
+                <a:cs typeface="Times New Roman" panose="02020603050405020304" pitchFamily="18" charset="0"/>
+              </a:rPr>
+              <a:t>OpenGL</a:t>
+            </a:r>
+            <a:r>
+              <a:rPr lang="zh-CN" altLang="en-US" sz="2400" kern="100" dirty="0">
+                <a:latin typeface="Times New Roman" panose="02020603050405020304" pitchFamily="18" charset="0"/>
+                <a:cs typeface="Times New Roman" panose="02020603050405020304" pitchFamily="18" charset="0"/>
+              </a:rPr>
+              <a:t>程序</a:t>
+            </a:r>
+          </a:p>
+          <a:p>
+            <a:pPr algn="just">
+              <a:lnSpc>
+                <a:spcPct val="150000"/>
+              </a:lnSpc>
+            </a:pPr>
+            <a:endParaRPr lang="zh-CN" altLang="en-US" sz="2400" kern="100" dirty="0">
               <a:latin typeface="Arial" panose="020B0604020202020204" pitchFamily="34" charset="0"/>
             </a:endParaRPr>
           </a:p>
@@ -9049,7 +9952,7 @@
         <p:spPr>
           <a:xfrm>
             <a:off x="568640" y="640140"/>
-            <a:ext cx="7852871" cy="584775"/>
+            <a:ext cx="8552782" cy="584775"/>
           </a:xfrm>
           <a:prstGeom prst="rect">
             <a:avLst/>
@@ -9063,100 +9966,12 @@
           <a:p>
             <a:r>
               <a:rPr lang="en-US" altLang="zh-CN" sz="3200" dirty="0"/>
-              <a:t>Task2 </a:t>
+              <a:t>Task1 </a:t>
             </a:r>
             <a:r>
               <a:rPr lang="zh-CN" altLang="en-US" sz="3200" dirty="0"/>
-              <a:t>绘制一个实心的圆</a:t>
-            </a:r>
-            <a:endParaRPr lang="zh-CN" altLang="en-US" sz="3200" dirty="0"/>
-          </a:p>
-        </p:txBody>
-      </p:sp>
-      <p:pic>
-        <p:nvPicPr>
-          <p:cNvPr id="2" name="图片 1"/>
-          <p:cNvPicPr>
-            <a:picLocks noChangeAspect="1"/>
-          </p:cNvPicPr>
-          <p:nvPr/>
-        </p:nvPicPr>
-        <p:blipFill>
-          <a:blip r:embed="rId1"/>
-          <a:stretch>
-            <a:fillRect/>
-          </a:stretch>
-        </p:blipFill>
-        <p:spPr>
-          <a:xfrm>
-            <a:off x="4646904" y="2837227"/>
-            <a:ext cx="2898192" cy="2680486"/>
-          </a:xfrm>
-          <a:prstGeom prst="rect">
-            <a:avLst/>
-          </a:prstGeom>
-        </p:spPr>
-      </p:pic>
-      <p:sp>
-        <p:nvSpPr>
-          <p:cNvPr id="6" name="文本框 5"/>
-          <p:cNvSpPr txBox="1"/>
-          <p:nvPr/>
-        </p:nvSpPr>
-        <p:spPr>
-          <a:xfrm>
-            <a:off x="1055685" y="5643279"/>
-            <a:ext cx="9765552" cy="645160"/>
-          </a:xfrm>
-          <a:prstGeom prst="rect">
-            <a:avLst/>
-          </a:prstGeom>
-          <a:noFill/>
-        </p:spPr>
-        <p:txBody>
-          <a:bodyPr wrap="square">
-            <a:spAutoFit/>
-          </a:bodyPr>
-          <a:lstStyle/>
-          <a:p>
-            <a:pPr algn="just">
-              <a:lnSpc>
-                <a:spcPct val="150000"/>
-              </a:lnSpc>
-            </a:pPr>
-            <a:r>
-              <a:rPr lang="zh-CN" altLang="en-US" sz="2400" dirty="0"/>
-              <a:t>附加题：如何让圆转起来</a:t>
-            </a:r>
-            <a:r>
-              <a:rPr lang="en-US" altLang="zh-CN" sz="2400" dirty="0"/>
-              <a:t>?</a:t>
-            </a:r>
-            <a:r>
-              <a:rPr lang="zh-CN" altLang="en-US" sz="2400" dirty="0"/>
-              <a:t> </a:t>
-            </a:r>
-            <a:r>
-              <a:rPr lang="en-US" altLang="zh-CN" sz="2400" dirty="0"/>
-              <a:t>《OpenGL</a:t>
-            </a:r>
-            <a:r>
-              <a:rPr lang="zh-CN" altLang="en-US" sz="2400" dirty="0"/>
-              <a:t>编程指南</a:t>
-            </a:r>
-            <a:r>
-              <a:rPr lang="en-US" altLang="zh-CN" sz="2400" dirty="0"/>
-              <a:t>》</a:t>
-            </a:r>
-            <a:r>
-              <a:rPr lang="zh-CN" altLang="en-US" sz="2400" dirty="0"/>
-              <a:t>（红宝书）</a:t>
-            </a:r>
-            <a:r>
-              <a:rPr lang="en-US" altLang="zh-CN" sz="2400" dirty="0"/>
-              <a:t>P16</a:t>
-            </a:r>
-            <a:endParaRPr lang="zh-CN" altLang="en-US" sz="2400" dirty="0"/>
+              <a:t>运行提供的示例程序</a:t>
+            </a:r>
           </a:p>
         </p:txBody>
       </p:sp>
@@ -9216,13 +10031,13 @@
               <a:rPr lang="en-US" altLang="zh-CN" sz="2400" kern="100" dirty="0">
                 <a:latin typeface="Arial" panose="020B0604020202020204" pitchFamily="34" charset="0"/>
               </a:rPr>
-              <a:t>       </a:t>
+              <a:t>	</a:t>
             </a:r>
             <a:r>
               <a:rPr lang="zh-CN" altLang="en-US" sz="2400" kern="100" dirty="0">
                 <a:latin typeface="Arial" panose="020B0604020202020204" pitchFamily="34" charset="0"/>
               </a:rPr>
-              <a:t>绘制一个奥运五环，要求形状及颜色保持和下图一致，且要求颜色重叠部分完全和下图相同（即需要虑颜色的遮挡）。</a:t>
+              <a:t>绘制一个实心的圆。要求圆分成若干个扇形，每个扇形颜色不同。例如下图：</a:t>
             </a:r>
             <a:endParaRPr lang="en-US" altLang="zh-CN" sz="2400" kern="100" dirty="0">
               <a:latin typeface="Arial" panose="020B0604020202020204" pitchFamily="34" charset="0"/>
@@ -9239,7 +10054,7 @@
         <p:spPr>
           <a:xfrm>
             <a:off x="568640" y="640140"/>
-            <a:ext cx="7785138" cy="584775"/>
+            <a:ext cx="7852871" cy="584775"/>
           </a:xfrm>
           <a:prstGeom prst="rect">
             <a:avLst/>
@@ -9253,13 +10068,12 @@
           <a:p>
             <a:r>
               <a:rPr lang="en-US" altLang="zh-CN" sz="3200" dirty="0"/>
-              <a:t>Task3 </a:t>
+              <a:t>Task2 </a:t>
             </a:r>
             <a:r>
               <a:rPr lang="zh-CN" altLang="en-US" sz="3200" dirty="0"/>
-              <a:t>绘制一个奥运五环</a:t>
-            </a:r>
-            <a:endParaRPr lang="zh-CN" altLang="en-US" sz="3200" dirty="0"/>
+              <a:t>绘制一个实心的圆</a:t>
+            </a:r>
           </a:p>
         </p:txBody>
       </p:sp>
@@ -9272,15 +10086,15 @@
           <p:nvPr/>
         </p:nvPicPr>
         <p:blipFill>
-          <a:blip r:embed="rId1"/>
+          <a:blip r:embed="rId3"/>
           <a:stretch>
             <a:fillRect/>
           </a:stretch>
         </p:blipFill>
         <p:spPr>
           <a:xfrm>
-            <a:off x="3772412" y="2837227"/>
-            <a:ext cx="4494776" cy="3004048"/>
+            <a:off x="4646904" y="2837227"/>
+            <a:ext cx="2898192" cy="2680486"/>
           </a:xfrm>
           <a:prstGeom prst="rect">
             <a:avLst/>
@@ -9315,10 +10129,36 @@
               </a:lnSpc>
             </a:pPr>
             <a:r>
-              <a:rPr lang="zh-CN" altLang="en-US" sz="2400" kern="100" dirty="0">
-                <a:latin typeface="Arial" panose="020B0604020202020204" pitchFamily="34" charset="0"/>
-              </a:rPr>
-              <a:t>附加题：如何让五环在拖动窗口大小时不变形？</a:t>
+              <a:rPr lang="zh-CN" altLang="en-US" sz="2400" dirty="0"/>
+              <a:t>附加题：如何让圆转起来</a:t>
+            </a:r>
+            <a:r>
+              <a:rPr lang="en-US" altLang="zh-CN" sz="2400" dirty="0"/>
+              <a:t>?</a:t>
+            </a:r>
+            <a:r>
+              <a:rPr lang="zh-CN" altLang="en-US" sz="2400" dirty="0"/>
+              <a:t> </a:t>
+            </a:r>
+            <a:r>
+              <a:rPr lang="en-US" altLang="zh-CN" sz="2400" dirty="0"/>
+              <a:t>《OpenGL</a:t>
+            </a:r>
+            <a:r>
+              <a:rPr lang="zh-CN" altLang="en-US" sz="2400" dirty="0"/>
+              <a:t>编程指南</a:t>
+            </a:r>
+            <a:r>
+              <a:rPr lang="en-US" altLang="zh-CN" sz="2400" dirty="0"/>
+              <a:t>》</a:t>
+            </a:r>
+            <a:r>
+              <a:rPr lang="zh-CN" altLang="en-US" sz="2400" dirty="0"/>
+              <a:t>（红宝书）</a:t>
+            </a:r>
+            <a:r>
+              <a:rPr lang="en-US" altLang="zh-CN" sz="2400" dirty="0"/>
+              <a:t>P16</a:t>
             </a:r>
             <a:endParaRPr lang="zh-CN" altLang="en-US" sz="2400" dirty="0"/>
           </a:p>
@@ -9333,8 +10173,8 @@
 </file>
 
 <file path=ppt/tags/tag1.xml><?xml version="1.0" encoding="utf-8"?>
-<p:tagLst xmlns:p="http://schemas.openxmlformats.org/presentationml/2006/main">
-  <p:tag name="commondata" val="eyJoZGlkIjoiM2JiNTU2NDQ4NWRjZmUyNTAxNWM5MTc1ZmY1MDQ0NDQifQ=="/>
+<p:tagLst xmlns:a="http://schemas.openxmlformats.org/drawingml/2006/main" xmlns:r="http://schemas.openxmlformats.org/officeDocument/2006/relationships" xmlns:p="http://schemas.openxmlformats.org/presentationml/2006/main">
+  <p:tag name="COMMONDATA" val="eyJoZGlkIjoiM2JiNTU2NDQ4NWRjZmUyNTAxNWM5MTc1ZmY1MDQ0NDQifQ=="/>
 </p:tagLst>
 </file>
 
@@ -9589,6 +10429,8 @@
       </a:bgFillStyleLst>
     </a:fmtScheme>
   </a:themeElements>
+  <a:objectDefaults/>
+  <a:extraClrSchemeLst/>
   <a:extLst>
     <a:ext uri="{05A4C25C-085E-4340-85A3-A5531E510DB2}">
       <thm15:themeFamily xmlns:thm15="http://schemas.microsoft.com/office/thememl/2012/main" name="Office Theme" id="{62F939B6-93AF-4DB8-9C6B-D6C7DFDC589F}" vid="{4A3C46E8-61CC-4603-A589-7422A47A8E4A}"/>
@@ -9848,6 +10690,8 @@
       </a:bgFillStyleLst>
     </a:fmtScheme>
   </a:themeElements>
+  <a:objectDefaults/>
+  <a:extraClrSchemeLst/>
   <a:extLst>
     <a:ext uri="{05A4C25C-085E-4340-85A3-A5531E510DB2}">
       <thm15:themeFamily xmlns:thm15="http://schemas.microsoft.com/office/thememl/2012/main" name="Office Theme" id="{62F939B6-93AF-4DB8-9C6B-D6C7DFDC589F}" vid="{4A3C46E8-61CC-4603-A589-7422A47A8E4A}"/>
